--- a/reports/DSE511_FinalProject_Presentation.pptx
+++ b/reports/DSE511_FinalProject_Presentation.pptx
@@ -1,49 +1,49 @@
 
 <file path=ppt/presentation.xml><?xml version="1.0" encoding="utf-8"?>
-<p:presentation xmlns:a="http://schemas.openxmlformats.org/drawingml/2006/main" xmlns:r="http://schemas.openxmlformats.org/officeDocument/2006/relationships" xmlns:mc="http://schemas.openxmlformats.org/markup-compatibility/2006" xmlns:mv="urn:schemas-microsoft-com:mac:vml" xmlns:p="http://schemas.openxmlformats.org/presentationml/2006/main" xmlns:c="http://schemas.openxmlformats.org/drawingml/2006/chart" xmlns:dgm="http://schemas.openxmlformats.org/drawingml/2006/diagram" xmlns:o="urn:schemas-microsoft-com:office:office" xmlns:v="urn:schemas-microsoft-com:vml" xmlns:pvml="urn:schemas-microsoft-com:office:powerpoint" xmlns:com="http://schemas.openxmlformats.org/drawingml/2006/compatibility" xmlns:p14="http://schemas.microsoft.com/office/powerpoint/2010/main" xmlns:p15="http://schemas.microsoft.com/office/powerpoint/2012/main" xmlns:ahyp="http://schemas.microsoft.com/office/drawing/2018/hyperlinkcolor" autoCompressPictures="0" embedTrueTypeFonts="1" strictFirstAndLastChars="0" saveSubsetFonts="1">
+<p:presentation xmlns:a="http://schemas.openxmlformats.org/drawingml/2006/main" xmlns:r="http://schemas.openxmlformats.org/officeDocument/2006/relationships" xmlns:p="http://schemas.openxmlformats.org/presentationml/2006/main" strictFirstAndLastChars="0" embedTrueTypeFonts="1" saveSubsetFonts="1" autoCompressPictures="0">
   <p:sldMasterIdLst>
-    <p:sldMasterId id="2147483659" r:id="rId4"/>
+    <p:sldMasterId id="2147483659" r:id="rId1"/>
   </p:sldMasterIdLst>
   <p:notesMasterIdLst>
-    <p:notesMasterId r:id="rId5"/>
+    <p:notesMasterId r:id="rId17"/>
   </p:notesMasterIdLst>
   <p:sldIdLst>
-    <p:sldId id="256" r:id="rId6"/>
-    <p:sldId id="257" r:id="rId7"/>
-    <p:sldId id="258" r:id="rId8"/>
-    <p:sldId id="259" r:id="rId9"/>
-    <p:sldId id="260" r:id="rId10"/>
-    <p:sldId id="261" r:id="rId11"/>
-    <p:sldId id="262" r:id="rId12"/>
-    <p:sldId id="263" r:id="rId13"/>
-    <p:sldId id="264" r:id="rId14"/>
-    <p:sldId id="265" r:id="rId15"/>
-    <p:sldId id="266" r:id="rId16"/>
-    <p:sldId id="267" r:id="rId17"/>
-    <p:sldId id="268" r:id="rId18"/>
-    <p:sldId id="269" r:id="rId19"/>
-    <p:sldId id="270" r:id="rId20"/>
+    <p:sldId id="256" r:id="rId2"/>
+    <p:sldId id="257" r:id="rId3"/>
+    <p:sldId id="258" r:id="rId4"/>
+    <p:sldId id="259" r:id="rId5"/>
+    <p:sldId id="260" r:id="rId6"/>
+    <p:sldId id="261" r:id="rId7"/>
+    <p:sldId id="262" r:id="rId8"/>
+    <p:sldId id="263" r:id="rId9"/>
+    <p:sldId id="264" r:id="rId10"/>
+    <p:sldId id="265" r:id="rId11"/>
+    <p:sldId id="266" r:id="rId12"/>
+    <p:sldId id="267" r:id="rId13"/>
+    <p:sldId id="268" r:id="rId14"/>
+    <p:sldId id="269" r:id="rId15"/>
+    <p:sldId id="270" r:id="rId16"/>
   </p:sldIdLst>
-  <p:sldSz cy="5143500" cx="9144000"/>
+  <p:sldSz cx="9144000" cy="5143500" type="screen16x9"/>
   <p:notesSz cx="6858000" cy="9144000"/>
   <p:embeddedFontLst>
     <p:embeddedFont>
-      <p:font typeface="Raleway"/>
-      <p:regular r:id="rId21"/>
-      <p:bold r:id="rId22"/>
-      <p:italic r:id="rId23"/>
-      <p:boldItalic r:id="rId24"/>
+      <p:font typeface="Lato" panose="020F0502020204030203" pitchFamily="34" charset="0"/>
+      <p:regular r:id="rId18"/>
+      <p:bold r:id="rId19"/>
+      <p:italic r:id="rId20"/>
+      <p:boldItalic r:id="rId21"/>
     </p:embeddedFont>
     <p:embeddedFont>
-      <p:font typeface="Lato"/>
-      <p:regular r:id="rId25"/>
-      <p:bold r:id="rId26"/>
-      <p:italic r:id="rId27"/>
-      <p:boldItalic r:id="rId28"/>
+      <p:font typeface="Raleway" pitchFamily="2" charset="0"/>
+      <p:regular r:id="rId22"/>
+      <p:bold r:id="rId23"/>
+      <p:italic r:id="rId24"/>
+      <p:boldItalic r:id="rId25"/>
     </p:embeddedFont>
   </p:embeddedFontLst>
   <p:defaultTextStyle>
-    <a:defPPr lvl="0" marR="0" rtl="0" algn="l">
+    <a:defPPr marR="0" lvl="0" algn="l" rtl="0">
       <a:lnSpc>
         <a:spcPct val="100000"/>
       </a:lnSpc>
@@ -54,7 +54,7 @@
         <a:spcPts val="0"/>
       </a:spcAft>
     </a:defPPr>
-    <a:lvl1pPr lvl="0" marR="0" rtl="0" algn="l">
+    <a:lvl1pPr marR="0" lvl="0" algn="l" rtl="0">
       <a:lnSpc>
         <a:spcPct val="100000"/>
       </a:lnSpc>
@@ -68,7 +68,7 @@
         <a:srgbClr val="000000"/>
       </a:buClr>
       <a:buFont typeface="Arial"/>
-      <a:defRPr b="0" i="0" sz="1400" u="none" cap="none" strike="noStrike">
+      <a:defRPr sz="1400" b="0" i="0" u="none" strike="noStrike" cap="none">
         <a:solidFill>
           <a:srgbClr val="000000"/>
         </a:solidFill>
@@ -78,7 +78,7 @@
         <a:sym typeface="Arial"/>
       </a:defRPr>
     </a:lvl1pPr>
-    <a:lvl2pPr lvl="1" marR="0" rtl="0" algn="l">
+    <a:lvl2pPr marR="0" lvl="1" algn="l" rtl="0">
       <a:lnSpc>
         <a:spcPct val="100000"/>
       </a:lnSpc>
@@ -92,7 +92,7 @@
         <a:srgbClr val="000000"/>
       </a:buClr>
       <a:buFont typeface="Arial"/>
-      <a:defRPr b="0" i="0" sz="1400" u="none" cap="none" strike="noStrike">
+      <a:defRPr sz="1400" b="0" i="0" u="none" strike="noStrike" cap="none">
         <a:solidFill>
           <a:srgbClr val="000000"/>
         </a:solidFill>
@@ -102,7 +102,7 @@
         <a:sym typeface="Arial"/>
       </a:defRPr>
     </a:lvl2pPr>
-    <a:lvl3pPr lvl="2" marR="0" rtl="0" algn="l">
+    <a:lvl3pPr marR="0" lvl="2" algn="l" rtl="0">
       <a:lnSpc>
         <a:spcPct val="100000"/>
       </a:lnSpc>
@@ -116,7 +116,7 @@
         <a:srgbClr val="000000"/>
       </a:buClr>
       <a:buFont typeface="Arial"/>
-      <a:defRPr b="0" i="0" sz="1400" u="none" cap="none" strike="noStrike">
+      <a:defRPr sz="1400" b="0" i="0" u="none" strike="noStrike" cap="none">
         <a:solidFill>
           <a:srgbClr val="000000"/>
         </a:solidFill>
@@ -126,7 +126,7 @@
         <a:sym typeface="Arial"/>
       </a:defRPr>
     </a:lvl3pPr>
-    <a:lvl4pPr lvl="3" marR="0" rtl="0" algn="l">
+    <a:lvl4pPr marR="0" lvl="3" algn="l" rtl="0">
       <a:lnSpc>
         <a:spcPct val="100000"/>
       </a:lnSpc>
@@ -140,7 +140,7 @@
         <a:srgbClr val="000000"/>
       </a:buClr>
       <a:buFont typeface="Arial"/>
-      <a:defRPr b="0" i="0" sz="1400" u="none" cap="none" strike="noStrike">
+      <a:defRPr sz="1400" b="0" i="0" u="none" strike="noStrike" cap="none">
         <a:solidFill>
           <a:srgbClr val="000000"/>
         </a:solidFill>
@@ -150,7 +150,7 @@
         <a:sym typeface="Arial"/>
       </a:defRPr>
     </a:lvl4pPr>
-    <a:lvl5pPr lvl="4" marR="0" rtl="0" algn="l">
+    <a:lvl5pPr marR="0" lvl="4" algn="l" rtl="0">
       <a:lnSpc>
         <a:spcPct val="100000"/>
       </a:lnSpc>
@@ -164,7 +164,7 @@
         <a:srgbClr val="000000"/>
       </a:buClr>
       <a:buFont typeface="Arial"/>
-      <a:defRPr b="0" i="0" sz="1400" u="none" cap="none" strike="noStrike">
+      <a:defRPr sz="1400" b="0" i="0" u="none" strike="noStrike" cap="none">
         <a:solidFill>
           <a:srgbClr val="000000"/>
         </a:solidFill>
@@ -174,7 +174,7 @@
         <a:sym typeface="Arial"/>
       </a:defRPr>
     </a:lvl5pPr>
-    <a:lvl6pPr lvl="5" marR="0" rtl="0" algn="l">
+    <a:lvl6pPr marR="0" lvl="5" algn="l" rtl="0">
       <a:lnSpc>
         <a:spcPct val="100000"/>
       </a:lnSpc>
@@ -188,7 +188,7 @@
         <a:srgbClr val="000000"/>
       </a:buClr>
       <a:buFont typeface="Arial"/>
-      <a:defRPr b="0" i="0" sz="1400" u="none" cap="none" strike="noStrike">
+      <a:defRPr sz="1400" b="0" i="0" u="none" strike="noStrike" cap="none">
         <a:solidFill>
           <a:srgbClr val="000000"/>
         </a:solidFill>
@@ -198,7 +198,7 @@
         <a:sym typeface="Arial"/>
       </a:defRPr>
     </a:lvl6pPr>
-    <a:lvl7pPr lvl="6" marR="0" rtl="0" algn="l">
+    <a:lvl7pPr marR="0" lvl="6" algn="l" rtl="0">
       <a:lnSpc>
         <a:spcPct val="100000"/>
       </a:lnSpc>
@@ -212,7 +212,7 @@
         <a:srgbClr val="000000"/>
       </a:buClr>
       <a:buFont typeface="Arial"/>
-      <a:defRPr b="0" i="0" sz="1400" u="none" cap="none" strike="noStrike">
+      <a:defRPr sz="1400" b="0" i="0" u="none" strike="noStrike" cap="none">
         <a:solidFill>
           <a:srgbClr val="000000"/>
         </a:solidFill>
@@ -222,7 +222,7 @@
         <a:sym typeface="Arial"/>
       </a:defRPr>
     </a:lvl7pPr>
-    <a:lvl8pPr lvl="7" marR="0" rtl="0" algn="l">
+    <a:lvl8pPr marR="0" lvl="7" algn="l" rtl="0">
       <a:lnSpc>
         <a:spcPct val="100000"/>
       </a:lnSpc>
@@ -236,7 +236,7 @@
         <a:srgbClr val="000000"/>
       </a:buClr>
       <a:buFont typeface="Arial"/>
-      <a:defRPr b="0" i="0" sz="1400" u="none" cap="none" strike="noStrike">
+      <a:defRPr sz="1400" b="0" i="0" u="none" strike="noStrike" cap="none">
         <a:solidFill>
           <a:srgbClr val="000000"/>
         </a:solidFill>
@@ -246,7 +246,7 @@
         <a:sym typeface="Arial"/>
       </a:defRPr>
     </a:lvl8pPr>
-    <a:lvl9pPr lvl="8" marR="0" rtl="0" algn="l">
+    <a:lvl9pPr marR="0" lvl="8" algn="l" rtl="0">
       <a:lnSpc>
         <a:spcPct val="100000"/>
       </a:lnSpc>
@@ -260,7 +260,7 @@
         <a:srgbClr val="000000"/>
       </a:buClr>
       <a:buFont typeface="Arial"/>
-      <a:defRPr b="0" i="0" sz="1400" u="none" cap="none" strike="noStrike">
+      <a:defRPr sz="1400" b="0" i="0" u="none" strike="noStrike" cap="none">
         <a:solidFill>
           <a:srgbClr val="000000"/>
         </a:solidFill>
@@ -273,7 +273,7 @@
   </p:defaultTextStyle>
   <p:extLst>
     <p:ext uri="{EFAFB233-063F-42B5-8137-9DF3F51BA10A}">
-      <p15:sldGuideLst>
+      <p15:sldGuideLst xmlns:p15="http://schemas.microsoft.com/office/powerpoint/2012/main">
         <p15:guide id="1" orient="horz" pos="1620">
           <p15:clr>
             <a:srgbClr val="A4A3A4"/>
@@ -291,11 +291,16 @@
 </file>
 
 <file path=ppt/notesMasters/notesMaster1.xml><?xml version="1.0" encoding="utf-8"?>
-<p:notesMaster xmlns:a="http://schemas.openxmlformats.org/drawingml/2006/main" xmlns:r="http://schemas.openxmlformats.org/officeDocument/2006/relationships" xmlns:mc="http://schemas.openxmlformats.org/markup-compatibility/2006" xmlns:mv="urn:schemas-microsoft-com:mac:vml" xmlns:p="http://schemas.openxmlformats.org/presentationml/2006/main" xmlns:c="http://schemas.openxmlformats.org/drawingml/2006/chart" xmlns:dgm="http://schemas.openxmlformats.org/drawingml/2006/diagram" xmlns:o="urn:schemas-microsoft-com:office:office" xmlns:v="urn:schemas-microsoft-com:vml" xmlns:pvml="urn:schemas-microsoft-com:office:powerpoint" xmlns:com="http://schemas.openxmlformats.org/drawingml/2006/compatibility" xmlns:p14="http://schemas.microsoft.com/office/powerpoint/2010/main" xmlns:p15="http://schemas.microsoft.com/office/powerpoint/2012/main" xmlns:ahyp="http://schemas.microsoft.com/office/drawing/2018/hyperlinkcolor">
+<p:notesMaster xmlns:a="http://schemas.openxmlformats.org/drawingml/2006/main" xmlns:r="http://schemas.openxmlformats.org/officeDocument/2006/relationships" xmlns:p="http://schemas.openxmlformats.org/presentationml/2006/main">
   <p:cSld>
+    <p:bg>
+      <p:bgRef idx="1001">
+        <a:schemeClr val="bg1"/>
+      </p:bgRef>
+    </p:bg>
     <p:spTree>
       <p:nvGrpSpPr>
-        <p:cNvPr id="2" name="Shape 2"/>
+        <p:cNvPr id="1" name="Shape 2"/>
         <p:cNvGrpSpPr/>
         <p:nvPr/>
       </p:nvGrpSpPr>
@@ -310,9 +315,11 @@
       <p:sp>
         <p:nvSpPr>
           <p:cNvPr id="3" name="Google Shape;3;n"/>
-          <p:cNvSpPr/>
+          <p:cNvSpPr>
+            <a:spLocks noGrp="1" noRot="1" noChangeAspect="1"/>
+          </p:cNvSpPr>
           <p:nvPr>
-            <p:ph idx="2" type="sldImg"/>
+            <p:ph type="sldImg" idx="2"/>
           </p:nvPr>
         </p:nvSpPr>
         <p:spPr>
@@ -321,9 +328,13 @@
             <a:ext cx="6096075" cy="3429000"/>
           </a:xfrm>
           <a:custGeom>
-            <a:rect b="b" l="l" r="r" t="t"/>
+            <a:avLst/>
+            <a:gdLst/>
+            <a:ahLst/>
+            <a:cxnLst/>
+            <a:rect l="l" t="t" r="r" b="b"/>
             <a:pathLst>
-              <a:path extrusionOk="0" h="120000" w="120000">
+              <a:path w="120000" h="120000" extrusionOk="0">
                 <a:moveTo>
                   <a:pt x="0" y="0"/>
                 </a:moveTo>
@@ -341,23 +352,25 @@
             </a:pathLst>
           </a:custGeom>
           <a:noFill/>
-          <a:ln cap="flat" cmpd="sng" w="9525">
+          <a:ln w="9525" cap="flat" cmpd="sng">
             <a:solidFill>
               <a:srgbClr val="000000"/>
             </a:solidFill>
             <a:prstDash val="solid"/>
             <a:round/>
-            <a:headEnd len="sm" w="sm" type="none"/>
-            <a:tailEnd len="sm" w="sm" type="none"/>
+            <a:headEnd type="none" w="sm" len="sm"/>
+            <a:tailEnd type="none" w="sm" len="sm"/>
           </a:ln>
         </p:spPr>
       </p:sp>
       <p:sp>
         <p:nvSpPr>
           <p:cNvPr id="4" name="Google Shape;4;n"/>
-          <p:cNvSpPr txBox="1"/>
+          <p:cNvSpPr txBox="1">
+            <a:spLocks noGrp="1"/>
+          </p:cNvSpPr>
           <p:nvPr>
-            <p:ph idx="1" type="body"/>
+            <p:ph type="body" idx="1"/>
           </p:nvPr>
         </p:nvSpPr>
         <p:spPr>
@@ -374,11 +387,11 @@
           </a:ln>
         </p:spPr>
         <p:txBody>
-          <a:bodyPr anchorCtr="0" anchor="t" bIns="91425" lIns="91425" spcFirstLastPara="1" rIns="91425" wrap="square" tIns="91425">
+          <a:bodyPr spcFirstLastPara="1" wrap="square" lIns="91425" tIns="91425" rIns="91425" bIns="91425" anchor="t" anchorCtr="0">
             <a:noAutofit/>
           </a:bodyPr>
           <a:lstStyle>
-            <a:lvl1pPr indent="-298450" lvl="0" marL="457200">
+            <a:lvl1pPr marL="457200" lvl="0" indent="-298450">
               <a:spcBef>
                 <a:spcPts val="0"/>
               </a:spcBef>
@@ -389,7 +402,7 @@
               <a:buChar char="●"/>
               <a:defRPr sz="1100"/>
             </a:lvl1pPr>
-            <a:lvl2pPr indent="-298450" lvl="1" marL="914400">
+            <a:lvl2pPr marL="914400" lvl="1" indent="-298450">
               <a:spcBef>
                 <a:spcPts val="0"/>
               </a:spcBef>
@@ -400,7 +413,7 @@
               <a:buChar char="○"/>
               <a:defRPr sz="1100"/>
             </a:lvl2pPr>
-            <a:lvl3pPr indent="-298450" lvl="2" marL="1371600">
+            <a:lvl3pPr marL="1371600" lvl="2" indent="-298450">
               <a:spcBef>
                 <a:spcPts val="0"/>
               </a:spcBef>
@@ -411,7 +424,7 @@
               <a:buChar char="■"/>
               <a:defRPr sz="1100"/>
             </a:lvl3pPr>
-            <a:lvl4pPr indent="-298450" lvl="3" marL="1828800">
+            <a:lvl4pPr marL="1828800" lvl="3" indent="-298450">
               <a:spcBef>
                 <a:spcPts val="0"/>
               </a:spcBef>
@@ -422,7 +435,7 @@
               <a:buChar char="●"/>
               <a:defRPr sz="1100"/>
             </a:lvl4pPr>
-            <a:lvl5pPr indent="-298450" lvl="4" marL="2286000">
+            <a:lvl5pPr marL="2286000" lvl="4" indent="-298450">
               <a:spcBef>
                 <a:spcPts val="0"/>
               </a:spcBef>
@@ -433,7 +446,7 @@
               <a:buChar char="○"/>
               <a:defRPr sz="1100"/>
             </a:lvl5pPr>
-            <a:lvl6pPr indent="-298450" lvl="5" marL="2743200">
+            <a:lvl6pPr marL="2743200" lvl="5" indent="-298450">
               <a:spcBef>
                 <a:spcPts val="0"/>
               </a:spcBef>
@@ -444,7 +457,7 @@
               <a:buChar char="■"/>
               <a:defRPr sz="1100"/>
             </a:lvl6pPr>
-            <a:lvl7pPr indent="-298450" lvl="6" marL="3200400">
+            <a:lvl7pPr marL="3200400" lvl="6" indent="-298450">
               <a:spcBef>
                 <a:spcPts val="0"/>
               </a:spcBef>
@@ -455,7 +468,7 @@
               <a:buChar char="●"/>
               <a:defRPr sz="1100"/>
             </a:lvl7pPr>
-            <a:lvl8pPr indent="-298450" lvl="7" marL="3657600">
+            <a:lvl8pPr marL="3657600" lvl="7" indent="-298450">
               <a:spcBef>
                 <a:spcPts val="0"/>
               </a:spcBef>
@@ -466,7 +479,7 @@
               <a:buChar char="○"/>
               <a:defRPr sz="1100"/>
             </a:lvl8pPr>
-            <a:lvl9pPr indent="-298450" lvl="8" marL="4114800">
+            <a:lvl9pPr marL="4114800" lvl="8" indent="-298450">
               <a:spcBef>
                 <a:spcPts val="0"/>
               </a:spcBef>
@@ -478,14 +491,16 @@
               <a:defRPr sz="1100"/>
             </a:lvl9pPr>
           </a:lstStyle>
-          <a:p/>
+          <a:p>
+            <a:endParaRPr/>
+          </a:p>
         </p:txBody>
       </p:sp>
     </p:spTree>
   </p:cSld>
-  <p:clrMap accent1="accent1" accent2="accent2" accent3="accent3" accent4="accent4" accent5="accent5" accent6="accent6" bg1="lt1" bg2="dk2" tx1="dk1" tx2="lt2" folHlink="folHlink" hlink="hlink"/>
+  <p:clrMap bg1="lt1" tx1="dk1" bg2="dk2" tx2="lt2" accent1="accent1" accent2="accent2" accent3="accent3" accent4="accent4" accent5="accent5" accent6="accent6" hlink="hlink" folHlink="folHlink"/>
   <p:notesStyle>
-    <a:defPPr lvl="0" marR="0" rtl="0" algn="l">
+    <a:defPPr marR="0" lvl="0" algn="l" rtl="0">
       <a:lnSpc>
         <a:spcPct val="100000"/>
       </a:lnSpc>
@@ -496,7 +511,7 @@
         <a:spcPts val="0"/>
       </a:spcAft>
     </a:defPPr>
-    <a:lvl1pPr lvl="0" marR="0" rtl="0" algn="l">
+    <a:lvl1pPr marR="0" lvl="0" algn="l" rtl="0">
       <a:lnSpc>
         <a:spcPct val="100000"/>
       </a:lnSpc>
@@ -510,7 +525,7 @@
         <a:srgbClr val="000000"/>
       </a:buClr>
       <a:buFont typeface="Arial"/>
-      <a:defRPr b="0" i="0" sz="1400" u="none" cap="none" strike="noStrike">
+      <a:defRPr sz="1400" b="0" i="0" u="none" strike="noStrike" cap="none">
         <a:solidFill>
           <a:srgbClr val="000000"/>
         </a:solidFill>
@@ -520,7 +535,7 @@
         <a:sym typeface="Arial"/>
       </a:defRPr>
     </a:lvl1pPr>
-    <a:lvl2pPr lvl="1" marR="0" rtl="0" algn="l">
+    <a:lvl2pPr marR="0" lvl="1" algn="l" rtl="0">
       <a:lnSpc>
         <a:spcPct val="100000"/>
       </a:lnSpc>
@@ -534,7 +549,7 @@
         <a:srgbClr val="000000"/>
       </a:buClr>
       <a:buFont typeface="Arial"/>
-      <a:defRPr b="0" i="0" sz="1400" u="none" cap="none" strike="noStrike">
+      <a:defRPr sz="1400" b="0" i="0" u="none" strike="noStrike" cap="none">
         <a:solidFill>
           <a:srgbClr val="000000"/>
         </a:solidFill>
@@ -544,7 +559,7 @@
         <a:sym typeface="Arial"/>
       </a:defRPr>
     </a:lvl2pPr>
-    <a:lvl3pPr lvl="2" marR="0" rtl="0" algn="l">
+    <a:lvl3pPr marR="0" lvl="2" algn="l" rtl="0">
       <a:lnSpc>
         <a:spcPct val="100000"/>
       </a:lnSpc>
@@ -558,7 +573,7 @@
         <a:srgbClr val="000000"/>
       </a:buClr>
       <a:buFont typeface="Arial"/>
-      <a:defRPr b="0" i="0" sz="1400" u="none" cap="none" strike="noStrike">
+      <a:defRPr sz="1400" b="0" i="0" u="none" strike="noStrike" cap="none">
         <a:solidFill>
           <a:srgbClr val="000000"/>
         </a:solidFill>
@@ -568,7 +583,7 @@
         <a:sym typeface="Arial"/>
       </a:defRPr>
     </a:lvl3pPr>
-    <a:lvl4pPr lvl="3" marR="0" rtl="0" algn="l">
+    <a:lvl4pPr marR="0" lvl="3" algn="l" rtl="0">
       <a:lnSpc>
         <a:spcPct val="100000"/>
       </a:lnSpc>
@@ -582,7 +597,7 @@
         <a:srgbClr val="000000"/>
       </a:buClr>
       <a:buFont typeface="Arial"/>
-      <a:defRPr b="0" i="0" sz="1400" u="none" cap="none" strike="noStrike">
+      <a:defRPr sz="1400" b="0" i="0" u="none" strike="noStrike" cap="none">
         <a:solidFill>
           <a:srgbClr val="000000"/>
         </a:solidFill>
@@ -592,7 +607,7 @@
         <a:sym typeface="Arial"/>
       </a:defRPr>
     </a:lvl4pPr>
-    <a:lvl5pPr lvl="4" marR="0" rtl="0" algn="l">
+    <a:lvl5pPr marR="0" lvl="4" algn="l" rtl="0">
       <a:lnSpc>
         <a:spcPct val="100000"/>
       </a:lnSpc>
@@ -606,7 +621,7 @@
         <a:srgbClr val="000000"/>
       </a:buClr>
       <a:buFont typeface="Arial"/>
-      <a:defRPr b="0" i="0" sz="1400" u="none" cap="none" strike="noStrike">
+      <a:defRPr sz="1400" b="0" i="0" u="none" strike="noStrike" cap="none">
         <a:solidFill>
           <a:srgbClr val="000000"/>
         </a:solidFill>
@@ -616,7 +631,7 @@
         <a:sym typeface="Arial"/>
       </a:defRPr>
     </a:lvl5pPr>
-    <a:lvl6pPr lvl="5" marR="0" rtl="0" algn="l">
+    <a:lvl6pPr marR="0" lvl="5" algn="l" rtl="0">
       <a:lnSpc>
         <a:spcPct val="100000"/>
       </a:lnSpc>
@@ -630,7 +645,7 @@
         <a:srgbClr val="000000"/>
       </a:buClr>
       <a:buFont typeface="Arial"/>
-      <a:defRPr b="0" i="0" sz="1400" u="none" cap="none" strike="noStrike">
+      <a:defRPr sz="1400" b="0" i="0" u="none" strike="noStrike" cap="none">
         <a:solidFill>
           <a:srgbClr val="000000"/>
         </a:solidFill>
@@ -640,7 +655,7 @@
         <a:sym typeface="Arial"/>
       </a:defRPr>
     </a:lvl6pPr>
-    <a:lvl7pPr lvl="6" marR="0" rtl="0" algn="l">
+    <a:lvl7pPr marR="0" lvl="6" algn="l" rtl="0">
       <a:lnSpc>
         <a:spcPct val="100000"/>
       </a:lnSpc>
@@ -654,7 +669,7 @@
         <a:srgbClr val="000000"/>
       </a:buClr>
       <a:buFont typeface="Arial"/>
-      <a:defRPr b="0" i="0" sz="1400" u="none" cap="none" strike="noStrike">
+      <a:defRPr sz="1400" b="0" i="0" u="none" strike="noStrike" cap="none">
         <a:solidFill>
           <a:srgbClr val="000000"/>
         </a:solidFill>
@@ -664,7 +679,7 @@
         <a:sym typeface="Arial"/>
       </a:defRPr>
     </a:lvl7pPr>
-    <a:lvl8pPr lvl="7" marR="0" rtl="0" algn="l">
+    <a:lvl8pPr marR="0" lvl="7" algn="l" rtl="0">
       <a:lnSpc>
         <a:spcPct val="100000"/>
       </a:lnSpc>
@@ -678,7 +693,7 @@
         <a:srgbClr val="000000"/>
       </a:buClr>
       <a:buFont typeface="Arial"/>
-      <a:defRPr b="0" i="0" sz="1400" u="none" cap="none" strike="noStrike">
+      <a:defRPr sz="1400" b="0" i="0" u="none" strike="noStrike" cap="none">
         <a:solidFill>
           <a:srgbClr val="000000"/>
         </a:solidFill>
@@ -688,7 +703,7 @@
         <a:sym typeface="Arial"/>
       </a:defRPr>
     </a:lvl8pPr>
-    <a:lvl9pPr lvl="8" marR="0" rtl="0" algn="l">
+    <a:lvl9pPr marR="0" lvl="8" algn="l" rtl="0">
       <a:lnSpc>
         <a:spcPct val="100000"/>
       </a:lnSpc>
@@ -702,7 +717,7 @@
         <a:srgbClr val="000000"/>
       </a:buClr>
       <a:buFont typeface="Arial"/>
-      <a:defRPr b="0" i="0" sz="1400" u="none" cap="none" strike="noStrike">
+      <a:defRPr sz="1400" b="0" i="0" u="none" strike="noStrike" cap="none">
         <a:solidFill>
           <a:srgbClr val="000000"/>
         </a:solidFill>
@@ -717,11 +732,11 @@
 </file>
 
 <file path=ppt/notesSlides/notesSlide1.xml><?xml version="1.0" encoding="utf-8"?>
-<p:notes xmlns:a="http://schemas.openxmlformats.org/drawingml/2006/main" xmlns:r="http://schemas.openxmlformats.org/officeDocument/2006/relationships" xmlns:mc="http://schemas.openxmlformats.org/markup-compatibility/2006" xmlns:mv="urn:schemas-microsoft-com:mac:vml" xmlns:p="http://schemas.openxmlformats.org/presentationml/2006/main" xmlns:c="http://schemas.openxmlformats.org/drawingml/2006/chart" xmlns:dgm="http://schemas.openxmlformats.org/drawingml/2006/diagram" xmlns:o="urn:schemas-microsoft-com:office:office" xmlns:v="urn:schemas-microsoft-com:vml" xmlns:pvml="urn:schemas-microsoft-com:office:powerpoint" xmlns:com="http://schemas.openxmlformats.org/drawingml/2006/compatibility" xmlns:p14="http://schemas.microsoft.com/office/powerpoint/2010/main" xmlns:p15="http://schemas.microsoft.com/office/powerpoint/2012/main" xmlns:ahyp="http://schemas.microsoft.com/office/drawing/2018/hyperlinkcolor" showMasterPhAnim="0" showMasterSp="0">
+<p:notes xmlns:a="http://schemas.openxmlformats.org/drawingml/2006/main" xmlns:r="http://schemas.openxmlformats.org/officeDocument/2006/relationships" xmlns:p="http://schemas.openxmlformats.org/presentationml/2006/main" showMasterSp="0" showMasterPhAnim="0">
   <p:cSld>
     <p:spTree>
       <p:nvGrpSpPr>
-        <p:cNvPr id="82" name="Shape 82"/>
+        <p:cNvPr id="1" name="Shape 82"/>
         <p:cNvGrpSpPr/>
         <p:nvPr/>
       </p:nvGrpSpPr>
@@ -736,9 +751,11 @@
       <p:sp>
         <p:nvSpPr>
           <p:cNvPr id="83" name="Google Shape;83;p:notes"/>
-          <p:cNvSpPr/>
+          <p:cNvSpPr>
+            <a:spLocks noGrp="1" noRot="1" noChangeAspect="1"/>
+          </p:cNvSpPr>
           <p:nvPr>
-            <p:ph idx="2" type="sldImg"/>
+            <p:ph type="sldImg" idx="2"/>
           </p:nvPr>
         </p:nvSpPr>
         <p:spPr>
@@ -747,9 +764,13 @@
             <a:ext cx="6096075" cy="3429000"/>
           </a:xfrm>
           <a:custGeom>
-            <a:rect b="b" l="l" r="r" t="t"/>
+            <a:avLst/>
+            <a:gdLst/>
+            <a:ahLst/>
+            <a:cxnLst/>
+            <a:rect l="l" t="t" r="r" b="b"/>
             <a:pathLst>
-              <a:path extrusionOk="0" h="120000" w="120000">
+              <a:path w="120000" h="120000" extrusionOk="0">
                 <a:moveTo>
                   <a:pt x="0" y="0"/>
                 </a:moveTo>
@@ -771,9 +792,11 @@
       <p:sp>
         <p:nvSpPr>
           <p:cNvPr id="84" name="Google Shape;84;p:notes"/>
-          <p:cNvSpPr txBox="1"/>
+          <p:cNvSpPr txBox="1">
+            <a:spLocks noGrp="1"/>
+          </p:cNvSpPr>
           <p:nvPr>
-            <p:ph idx="1" type="body"/>
+            <p:ph type="body" idx="1"/>
           </p:nvPr>
         </p:nvSpPr>
         <p:spPr>
@@ -786,12 +809,12 @@
           </a:prstGeom>
         </p:spPr>
         <p:txBody>
-          <a:bodyPr anchorCtr="0" anchor="t" bIns="91425" lIns="91425" spcFirstLastPara="1" rIns="91425" wrap="square" tIns="91425">
+          <a:bodyPr spcFirstLastPara="1" wrap="square" lIns="91425" tIns="91425" rIns="91425" bIns="91425" anchor="t" anchorCtr="0">
             <a:noAutofit/>
           </a:bodyPr>
           <a:lstStyle/>
           <a:p>
-            <a:pPr indent="0" lvl="0" marL="0" rtl="0" algn="l">
+            <a:pPr marL="0" lvl="0" indent="0" algn="l" rtl="0">
               <a:spcBef>
                 <a:spcPts val="0"/>
               </a:spcBef>
@@ -817,11 +840,11 @@
 </file>
 
 <file path=ppt/notesSlides/notesSlide10.xml><?xml version="1.0" encoding="utf-8"?>
-<p:notes xmlns:a="http://schemas.openxmlformats.org/drawingml/2006/main" xmlns:r="http://schemas.openxmlformats.org/officeDocument/2006/relationships" xmlns:mc="http://schemas.openxmlformats.org/markup-compatibility/2006" xmlns:mv="urn:schemas-microsoft-com:mac:vml" xmlns:p="http://schemas.openxmlformats.org/presentationml/2006/main" xmlns:c="http://schemas.openxmlformats.org/drawingml/2006/chart" xmlns:dgm="http://schemas.openxmlformats.org/drawingml/2006/diagram" xmlns:o="urn:schemas-microsoft-com:office:office" xmlns:v="urn:schemas-microsoft-com:vml" xmlns:pvml="urn:schemas-microsoft-com:office:powerpoint" xmlns:com="http://schemas.openxmlformats.org/drawingml/2006/compatibility" xmlns:p14="http://schemas.microsoft.com/office/powerpoint/2010/main" xmlns:p15="http://schemas.microsoft.com/office/powerpoint/2012/main" xmlns:ahyp="http://schemas.microsoft.com/office/drawing/2018/hyperlinkcolor" showMasterPhAnim="0" showMasterSp="0">
+<p:notes xmlns:a="http://schemas.openxmlformats.org/drawingml/2006/main" xmlns:r="http://schemas.openxmlformats.org/officeDocument/2006/relationships" xmlns:p="http://schemas.openxmlformats.org/presentationml/2006/main" showMasterSp="0" showMasterPhAnim="0">
   <p:cSld>
     <p:spTree>
       <p:nvGrpSpPr>
-        <p:cNvPr id="139" name="Shape 139"/>
+        <p:cNvPr id="1" name="Shape 139"/>
         <p:cNvGrpSpPr/>
         <p:nvPr/>
       </p:nvGrpSpPr>
@@ -836,9 +859,11 @@
       <p:sp>
         <p:nvSpPr>
           <p:cNvPr id="140" name="Google Shape;140;gcfbbeaa794_0_5:notes"/>
-          <p:cNvSpPr/>
+          <p:cNvSpPr>
+            <a:spLocks noGrp="1" noRot="1" noChangeAspect="1"/>
+          </p:cNvSpPr>
           <p:nvPr>
-            <p:ph idx="2" type="sldImg"/>
+            <p:ph type="sldImg" idx="2"/>
           </p:nvPr>
         </p:nvSpPr>
         <p:spPr>
@@ -847,9 +872,13 @@
             <a:ext cx="6096000" cy="3429000"/>
           </a:xfrm>
           <a:custGeom>
-            <a:rect b="b" l="l" r="r" t="t"/>
+            <a:avLst/>
+            <a:gdLst/>
+            <a:ahLst/>
+            <a:cxnLst/>
+            <a:rect l="l" t="t" r="r" b="b"/>
             <a:pathLst>
-              <a:path extrusionOk="0" h="120000" w="120000">
+              <a:path w="120000" h="120000" extrusionOk="0">
                 <a:moveTo>
                   <a:pt x="0" y="0"/>
                 </a:moveTo>
@@ -871,9 +900,11 @@
       <p:sp>
         <p:nvSpPr>
           <p:cNvPr id="141" name="Google Shape;141;gcfbbeaa794_0_5:notes"/>
-          <p:cNvSpPr txBox="1"/>
+          <p:cNvSpPr txBox="1">
+            <a:spLocks noGrp="1"/>
+          </p:cNvSpPr>
           <p:nvPr>
-            <p:ph idx="1" type="body"/>
+            <p:ph type="body" idx="1"/>
           </p:nvPr>
         </p:nvSpPr>
         <p:spPr>
@@ -886,12 +917,12 @@
           </a:prstGeom>
         </p:spPr>
         <p:txBody>
-          <a:bodyPr anchorCtr="0" anchor="t" bIns="91425" lIns="91425" spcFirstLastPara="1" rIns="91425" wrap="square" tIns="91425">
+          <a:bodyPr spcFirstLastPara="1" wrap="square" lIns="91425" tIns="91425" rIns="91425" bIns="91425" anchor="t" anchorCtr="0">
             <a:noAutofit/>
           </a:bodyPr>
           <a:lstStyle/>
           <a:p>
-            <a:pPr indent="0" lvl="0" marL="0" rtl="0" algn="l">
+            <a:pPr marL="0" lvl="0" indent="0" algn="l" rtl="0">
               <a:spcBef>
                 <a:spcPts val="0"/>
               </a:spcBef>
@@ -917,11 +948,11 @@
 </file>
 
 <file path=ppt/notesSlides/notesSlide11.xml><?xml version="1.0" encoding="utf-8"?>
-<p:notes xmlns:a="http://schemas.openxmlformats.org/drawingml/2006/main" xmlns:r="http://schemas.openxmlformats.org/officeDocument/2006/relationships" xmlns:mc="http://schemas.openxmlformats.org/markup-compatibility/2006" xmlns:mv="urn:schemas-microsoft-com:mac:vml" xmlns:p="http://schemas.openxmlformats.org/presentationml/2006/main" xmlns:c="http://schemas.openxmlformats.org/drawingml/2006/chart" xmlns:dgm="http://schemas.openxmlformats.org/drawingml/2006/diagram" xmlns:o="urn:schemas-microsoft-com:office:office" xmlns:v="urn:schemas-microsoft-com:vml" xmlns:pvml="urn:schemas-microsoft-com:office:powerpoint" xmlns:com="http://schemas.openxmlformats.org/drawingml/2006/compatibility" xmlns:p14="http://schemas.microsoft.com/office/powerpoint/2010/main" xmlns:p15="http://schemas.microsoft.com/office/powerpoint/2012/main" xmlns:ahyp="http://schemas.microsoft.com/office/drawing/2018/hyperlinkcolor" showMasterPhAnim="0" showMasterSp="0">
+<p:notes xmlns:a="http://schemas.openxmlformats.org/drawingml/2006/main" xmlns:r="http://schemas.openxmlformats.org/officeDocument/2006/relationships" xmlns:p="http://schemas.openxmlformats.org/presentationml/2006/main" showMasterSp="0" showMasterPhAnim="0">
   <p:cSld>
     <p:spTree>
       <p:nvGrpSpPr>
-        <p:cNvPr id="145" name="Shape 145"/>
+        <p:cNvPr id="1" name="Shape 145"/>
         <p:cNvGrpSpPr/>
         <p:nvPr/>
       </p:nvGrpSpPr>
@@ -936,9 +967,11 @@
       <p:sp>
         <p:nvSpPr>
           <p:cNvPr id="146" name="Google Shape;146;g1043354eabd_0_102:notes"/>
-          <p:cNvSpPr/>
+          <p:cNvSpPr>
+            <a:spLocks noGrp="1" noRot="1" noChangeAspect="1"/>
+          </p:cNvSpPr>
           <p:nvPr>
-            <p:ph idx="2" type="sldImg"/>
+            <p:ph type="sldImg" idx="2"/>
           </p:nvPr>
         </p:nvSpPr>
         <p:spPr>
@@ -947,9 +980,13 @@
             <a:ext cx="6096000" cy="3429000"/>
           </a:xfrm>
           <a:custGeom>
-            <a:rect b="b" l="l" r="r" t="t"/>
+            <a:avLst/>
+            <a:gdLst/>
+            <a:ahLst/>
+            <a:cxnLst/>
+            <a:rect l="l" t="t" r="r" b="b"/>
             <a:pathLst>
-              <a:path extrusionOk="0" h="120000" w="120000">
+              <a:path w="120000" h="120000" extrusionOk="0">
                 <a:moveTo>
                   <a:pt x="0" y="0"/>
                 </a:moveTo>
@@ -971,9 +1008,11 @@
       <p:sp>
         <p:nvSpPr>
           <p:cNvPr id="147" name="Google Shape;147;g1043354eabd_0_102:notes"/>
-          <p:cNvSpPr txBox="1"/>
+          <p:cNvSpPr txBox="1">
+            <a:spLocks noGrp="1"/>
+          </p:cNvSpPr>
           <p:nvPr>
-            <p:ph idx="1" type="body"/>
+            <p:ph type="body" idx="1"/>
           </p:nvPr>
         </p:nvSpPr>
         <p:spPr>
@@ -986,23 +1025,20 @@
           </a:prstGeom>
         </p:spPr>
         <p:txBody>
-          <a:bodyPr anchorCtr="0" anchor="t" bIns="91425" lIns="91425" spcFirstLastPara="1" rIns="91425" wrap="square" tIns="91425">
+          <a:bodyPr spcFirstLastPara="1" wrap="square" lIns="91425" tIns="91425" rIns="91425" bIns="91425" anchor="t" anchorCtr="0">
             <a:noAutofit/>
           </a:bodyPr>
           <a:lstStyle/>
           <a:p>
-            <a:pPr indent="0" lvl="0" marL="0" rtl="0" algn="l">
-              <a:spcBef>
-                <a:spcPts val="0"/>
-              </a:spcBef>
-              <a:spcAft>
-                <a:spcPts val="0"/>
-              </a:spcAft>
-              <a:buNone/>
-            </a:pPr>
-            <a:r>
-              <a:t/>
-            </a:r>
+            <a:pPr marL="0" lvl="0" indent="0" algn="l" rtl="0">
+              <a:spcBef>
+                <a:spcPts val="0"/>
+              </a:spcBef>
+              <a:spcAft>
+                <a:spcPts val="0"/>
+              </a:spcAft>
+              <a:buNone/>
+            </a:pPr>
             <a:endParaRPr/>
           </a:p>
         </p:txBody>
@@ -1016,11 +1052,11 @@
 </file>
 
 <file path=ppt/notesSlides/notesSlide12.xml><?xml version="1.0" encoding="utf-8"?>
-<p:notes xmlns:a="http://schemas.openxmlformats.org/drawingml/2006/main" xmlns:r="http://schemas.openxmlformats.org/officeDocument/2006/relationships" xmlns:mc="http://schemas.openxmlformats.org/markup-compatibility/2006" xmlns:mv="urn:schemas-microsoft-com:mac:vml" xmlns:p="http://schemas.openxmlformats.org/presentationml/2006/main" xmlns:c="http://schemas.openxmlformats.org/drawingml/2006/chart" xmlns:dgm="http://schemas.openxmlformats.org/drawingml/2006/diagram" xmlns:o="urn:schemas-microsoft-com:office:office" xmlns:v="urn:schemas-microsoft-com:vml" xmlns:pvml="urn:schemas-microsoft-com:office:powerpoint" xmlns:com="http://schemas.openxmlformats.org/drawingml/2006/compatibility" xmlns:p14="http://schemas.microsoft.com/office/powerpoint/2010/main" xmlns:p15="http://schemas.microsoft.com/office/powerpoint/2012/main" xmlns:ahyp="http://schemas.microsoft.com/office/drawing/2018/hyperlinkcolor" showMasterPhAnim="0" showMasterSp="0">
+<p:notes xmlns:a="http://schemas.openxmlformats.org/drawingml/2006/main" xmlns:r="http://schemas.openxmlformats.org/officeDocument/2006/relationships" xmlns:p="http://schemas.openxmlformats.org/presentationml/2006/main" showMasterSp="0" showMasterPhAnim="0">
   <p:cSld>
     <p:spTree>
       <p:nvGrpSpPr>
-        <p:cNvPr id="155" name="Shape 155"/>
+        <p:cNvPr id="1" name="Shape 155"/>
         <p:cNvGrpSpPr/>
         <p:nvPr/>
       </p:nvGrpSpPr>
@@ -1035,9 +1071,11 @@
       <p:sp>
         <p:nvSpPr>
           <p:cNvPr id="156" name="Google Shape;156;g1043354eabd_0_125:notes"/>
-          <p:cNvSpPr/>
+          <p:cNvSpPr>
+            <a:spLocks noGrp="1" noRot="1" noChangeAspect="1"/>
+          </p:cNvSpPr>
           <p:nvPr>
-            <p:ph idx="2" type="sldImg"/>
+            <p:ph type="sldImg" idx="2"/>
           </p:nvPr>
         </p:nvSpPr>
         <p:spPr>
@@ -1046,9 +1084,13 @@
             <a:ext cx="6096000" cy="3429000"/>
           </a:xfrm>
           <a:custGeom>
-            <a:rect b="b" l="l" r="r" t="t"/>
+            <a:avLst/>
+            <a:gdLst/>
+            <a:ahLst/>
+            <a:cxnLst/>
+            <a:rect l="l" t="t" r="r" b="b"/>
             <a:pathLst>
-              <a:path extrusionOk="0" h="120000" w="120000">
+              <a:path w="120000" h="120000" extrusionOk="0">
                 <a:moveTo>
                   <a:pt x="0" y="0"/>
                 </a:moveTo>
@@ -1070,9 +1112,11 @@
       <p:sp>
         <p:nvSpPr>
           <p:cNvPr id="157" name="Google Shape;157;g1043354eabd_0_125:notes"/>
-          <p:cNvSpPr txBox="1"/>
+          <p:cNvSpPr txBox="1">
+            <a:spLocks noGrp="1"/>
+          </p:cNvSpPr>
           <p:nvPr>
-            <p:ph idx="1" type="body"/>
+            <p:ph type="body" idx="1"/>
           </p:nvPr>
         </p:nvSpPr>
         <p:spPr>
@@ -1085,23 +1129,20 @@
           </a:prstGeom>
         </p:spPr>
         <p:txBody>
-          <a:bodyPr anchorCtr="0" anchor="t" bIns="91425" lIns="91425" spcFirstLastPara="1" rIns="91425" wrap="square" tIns="91425">
+          <a:bodyPr spcFirstLastPara="1" wrap="square" lIns="91425" tIns="91425" rIns="91425" bIns="91425" anchor="t" anchorCtr="0">
             <a:noAutofit/>
           </a:bodyPr>
           <a:lstStyle/>
           <a:p>
-            <a:pPr indent="0" lvl="0" marL="0" rtl="0" algn="l">
-              <a:spcBef>
-                <a:spcPts val="0"/>
-              </a:spcBef>
-              <a:spcAft>
-                <a:spcPts val="0"/>
-              </a:spcAft>
-              <a:buNone/>
-            </a:pPr>
-            <a:r>
-              <a:t/>
-            </a:r>
+            <a:pPr marL="0" lvl="0" indent="0" algn="l" rtl="0">
+              <a:spcBef>
+                <a:spcPts val="0"/>
+              </a:spcBef>
+              <a:spcAft>
+                <a:spcPts val="0"/>
+              </a:spcAft>
+              <a:buNone/>
+            </a:pPr>
             <a:endParaRPr/>
           </a:p>
         </p:txBody>
@@ -1115,11 +1156,11 @@
 </file>
 
 <file path=ppt/notesSlides/notesSlide13.xml><?xml version="1.0" encoding="utf-8"?>
-<p:notes xmlns:a="http://schemas.openxmlformats.org/drawingml/2006/main" xmlns:r="http://schemas.openxmlformats.org/officeDocument/2006/relationships" xmlns:mc="http://schemas.openxmlformats.org/markup-compatibility/2006" xmlns:mv="urn:schemas-microsoft-com:mac:vml" xmlns:p="http://schemas.openxmlformats.org/presentationml/2006/main" xmlns:c="http://schemas.openxmlformats.org/drawingml/2006/chart" xmlns:dgm="http://schemas.openxmlformats.org/drawingml/2006/diagram" xmlns:o="urn:schemas-microsoft-com:office:office" xmlns:v="urn:schemas-microsoft-com:vml" xmlns:pvml="urn:schemas-microsoft-com:office:powerpoint" xmlns:com="http://schemas.openxmlformats.org/drawingml/2006/compatibility" xmlns:p14="http://schemas.microsoft.com/office/powerpoint/2010/main" xmlns:p15="http://schemas.microsoft.com/office/powerpoint/2012/main" xmlns:ahyp="http://schemas.microsoft.com/office/drawing/2018/hyperlinkcolor" showMasterPhAnim="0" showMasterSp="0">
+<p:notes xmlns:a="http://schemas.openxmlformats.org/drawingml/2006/main" xmlns:r="http://schemas.openxmlformats.org/officeDocument/2006/relationships" xmlns:p="http://schemas.openxmlformats.org/presentationml/2006/main" showMasterSp="0" showMasterPhAnim="0">
   <p:cSld>
     <p:spTree>
       <p:nvGrpSpPr>
-        <p:cNvPr id="163" name="Shape 163"/>
+        <p:cNvPr id="1" name="Shape 163"/>
         <p:cNvGrpSpPr/>
         <p:nvPr/>
       </p:nvGrpSpPr>
@@ -1134,9 +1175,11 @@
       <p:sp>
         <p:nvSpPr>
           <p:cNvPr id="164" name="Google Shape;164;g1043354eabd_0_139:notes"/>
-          <p:cNvSpPr/>
+          <p:cNvSpPr>
+            <a:spLocks noGrp="1" noRot="1" noChangeAspect="1"/>
+          </p:cNvSpPr>
           <p:nvPr>
-            <p:ph idx="2" type="sldImg"/>
+            <p:ph type="sldImg" idx="2"/>
           </p:nvPr>
         </p:nvSpPr>
         <p:spPr>
@@ -1145,9 +1188,13 @@
             <a:ext cx="6096000" cy="3429000"/>
           </a:xfrm>
           <a:custGeom>
-            <a:rect b="b" l="l" r="r" t="t"/>
+            <a:avLst/>
+            <a:gdLst/>
+            <a:ahLst/>
+            <a:cxnLst/>
+            <a:rect l="l" t="t" r="r" b="b"/>
             <a:pathLst>
-              <a:path extrusionOk="0" h="120000" w="120000">
+              <a:path w="120000" h="120000" extrusionOk="0">
                 <a:moveTo>
                   <a:pt x="0" y="0"/>
                 </a:moveTo>
@@ -1169,9 +1216,11 @@
       <p:sp>
         <p:nvSpPr>
           <p:cNvPr id="165" name="Google Shape;165;g1043354eabd_0_139:notes"/>
-          <p:cNvSpPr txBox="1"/>
+          <p:cNvSpPr txBox="1">
+            <a:spLocks noGrp="1"/>
+          </p:cNvSpPr>
           <p:nvPr>
-            <p:ph idx="1" type="body"/>
+            <p:ph type="body" idx="1"/>
           </p:nvPr>
         </p:nvSpPr>
         <p:spPr>
@@ -1184,23 +1233,20 @@
           </a:prstGeom>
         </p:spPr>
         <p:txBody>
-          <a:bodyPr anchorCtr="0" anchor="t" bIns="91425" lIns="91425" spcFirstLastPara="1" rIns="91425" wrap="square" tIns="91425">
+          <a:bodyPr spcFirstLastPara="1" wrap="square" lIns="91425" tIns="91425" rIns="91425" bIns="91425" anchor="t" anchorCtr="0">
             <a:noAutofit/>
           </a:bodyPr>
           <a:lstStyle/>
           <a:p>
-            <a:pPr indent="0" lvl="0" marL="0" rtl="0" algn="l">
-              <a:spcBef>
-                <a:spcPts val="0"/>
-              </a:spcBef>
-              <a:spcAft>
-                <a:spcPts val="0"/>
-              </a:spcAft>
-              <a:buNone/>
-            </a:pPr>
-            <a:r>
-              <a:t/>
-            </a:r>
+            <a:pPr marL="0" lvl="0" indent="0" algn="l" rtl="0">
+              <a:spcBef>
+                <a:spcPts val="0"/>
+              </a:spcBef>
+              <a:spcAft>
+                <a:spcPts val="0"/>
+              </a:spcAft>
+              <a:buNone/>
+            </a:pPr>
             <a:endParaRPr/>
           </a:p>
         </p:txBody>
@@ -1214,11 +1260,11 @@
 </file>
 
 <file path=ppt/notesSlides/notesSlide14.xml><?xml version="1.0" encoding="utf-8"?>
-<p:notes xmlns:a="http://schemas.openxmlformats.org/drawingml/2006/main" xmlns:r="http://schemas.openxmlformats.org/officeDocument/2006/relationships" xmlns:mc="http://schemas.openxmlformats.org/markup-compatibility/2006" xmlns:mv="urn:schemas-microsoft-com:mac:vml" xmlns:p="http://schemas.openxmlformats.org/presentationml/2006/main" xmlns:c="http://schemas.openxmlformats.org/drawingml/2006/chart" xmlns:dgm="http://schemas.openxmlformats.org/drawingml/2006/diagram" xmlns:o="urn:schemas-microsoft-com:office:office" xmlns:v="urn:schemas-microsoft-com:vml" xmlns:pvml="urn:schemas-microsoft-com:office:powerpoint" xmlns:com="http://schemas.openxmlformats.org/drawingml/2006/compatibility" xmlns:p14="http://schemas.microsoft.com/office/powerpoint/2010/main" xmlns:p15="http://schemas.microsoft.com/office/powerpoint/2012/main" xmlns:ahyp="http://schemas.microsoft.com/office/drawing/2018/hyperlinkcolor" showMasterPhAnim="0" showMasterSp="0">
+<p:notes xmlns:a="http://schemas.openxmlformats.org/drawingml/2006/main" xmlns:r="http://schemas.openxmlformats.org/officeDocument/2006/relationships" xmlns:p="http://schemas.openxmlformats.org/presentationml/2006/main" showMasterSp="0" showMasterPhAnim="0">
   <p:cSld>
     <p:spTree>
       <p:nvGrpSpPr>
-        <p:cNvPr id="169" name="Shape 169"/>
+        <p:cNvPr id="1" name="Shape 169"/>
         <p:cNvGrpSpPr/>
         <p:nvPr/>
       </p:nvGrpSpPr>
@@ -1233,9 +1279,11 @@
       <p:sp>
         <p:nvSpPr>
           <p:cNvPr id="170" name="Google Shape;170;g1043354eabd_0_154:notes"/>
-          <p:cNvSpPr/>
+          <p:cNvSpPr>
+            <a:spLocks noGrp="1" noRot="1" noChangeAspect="1"/>
+          </p:cNvSpPr>
           <p:nvPr>
-            <p:ph idx="2" type="sldImg"/>
+            <p:ph type="sldImg" idx="2"/>
           </p:nvPr>
         </p:nvSpPr>
         <p:spPr>
@@ -1244,9 +1292,13 @@
             <a:ext cx="6096000" cy="3429000"/>
           </a:xfrm>
           <a:custGeom>
-            <a:rect b="b" l="l" r="r" t="t"/>
+            <a:avLst/>
+            <a:gdLst/>
+            <a:ahLst/>
+            <a:cxnLst/>
+            <a:rect l="l" t="t" r="r" b="b"/>
             <a:pathLst>
-              <a:path extrusionOk="0" h="120000" w="120000">
+              <a:path w="120000" h="120000" extrusionOk="0">
                 <a:moveTo>
                   <a:pt x="0" y="0"/>
                 </a:moveTo>
@@ -1268,9 +1320,11 @@
       <p:sp>
         <p:nvSpPr>
           <p:cNvPr id="171" name="Google Shape;171;g1043354eabd_0_154:notes"/>
-          <p:cNvSpPr txBox="1"/>
+          <p:cNvSpPr txBox="1">
+            <a:spLocks noGrp="1"/>
+          </p:cNvSpPr>
           <p:nvPr>
-            <p:ph idx="1" type="body"/>
+            <p:ph type="body" idx="1"/>
           </p:nvPr>
         </p:nvSpPr>
         <p:spPr>
@@ -1283,23 +1337,20 @@
           </a:prstGeom>
         </p:spPr>
         <p:txBody>
-          <a:bodyPr anchorCtr="0" anchor="t" bIns="91425" lIns="91425" spcFirstLastPara="1" rIns="91425" wrap="square" tIns="91425">
+          <a:bodyPr spcFirstLastPara="1" wrap="square" lIns="91425" tIns="91425" rIns="91425" bIns="91425" anchor="t" anchorCtr="0">
             <a:noAutofit/>
           </a:bodyPr>
           <a:lstStyle/>
           <a:p>
-            <a:pPr indent="0" lvl="0" marL="0" rtl="0" algn="l">
-              <a:spcBef>
-                <a:spcPts val="0"/>
-              </a:spcBef>
-              <a:spcAft>
-                <a:spcPts val="0"/>
-              </a:spcAft>
-              <a:buNone/>
-            </a:pPr>
-            <a:r>
-              <a:t/>
-            </a:r>
+            <a:pPr marL="0" lvl="0" indent="0" algn="l" rtl="0">
+              <a:spcBef>
+                <a:spcPts val="0"/>
+              </a:spcBef>
+              <a:spcAft>
+                <a:spcPts val="0"/>
+              </a:spcAft>
+              <a:buNone/>
+            </a:pPr>
             <a:endParaRPr/>
           </a:p>
         </p:txBody>
@@ -1313,11 +1364,11 @@
 </file>
 
 <file path=ppt/notesSlides/notesSlide15.xml><?xml version="1.0" encoding="utf-8"?>
-<p:notes xmlns:a="http://schemas.openxmlformats.org/drawingml/2006/main" xmlns:r="http://schemas.openxmlformats.org/officeDocument/2006/relationships" xmlns:mc="http://schemas.openxmlformats.org/markup-compatibility/2006" xmlns:mv="urn:schemas-microsoft-com:mac:vml" xmlns:p="http://schemas.openxmlformats.org/presentationml/2006/main" xmlns:c="http://schemas.openxmlformats.org/drawingml/2006/chart" xmlns:dgm="http://schemas.openxmlformats.org/drawingml/2006/diagram" xmlns:o="urn:schemas-microsoft-com:office:office" xmlns:v="urn:schemas-microsoft-com:vml" xmlns:pvml="urn:schemas-microsoft-com:office:powerpoint" xmlns:com="http://schemas.openxmlformats.org/drawingml/2006/compatibility" xmlns:p14="http://schemas.microsoft.com/office/powerpoint/2010/main" xmlns:p15="http://schemas.microsoft.com/office/powerpoint/2012/main" xmlns:ahyp="http://schemas.microsoft.com/office/drawing/2018/hyperlinkcolor" showMasterPhAnim="0" showMasterSp="0">
+<p:notes xmlns:a="http://schemas.openxmlformats.org/drawingml/2006/main" xmlns:r="http://schemas.openxmlformats.org/officeDocument/2006/relationships" xmlns:p="http://schemas.openxmlformats.org/presentationml/2006/main" showMasterSp="0" showMasterPhAnim="0">
   <p:cSld>
     <p:spTree>
       <p:nvGrpSpPr>
-        <p:cNvPr id="175" name="Shape 175"/>
+        <p:cNvPr id="1" name="Shape 175"/>
         <p:cNvGrpSpPr/>
         <p:nvPr/>
       </p:nvGrpSpPr>
@@ -1332,9 +1383,11 @@
       <p:sp>
         <p:nvSpPr>
           <p:cNvPr id="176" name="Google Shape;176;g10449b70ad0_0_13:notes"/>
-          <p:cNvSpPr/>
+          <p:cNvSpPr>
+            <a:spLocks noGrp="1" noRot="1" noChangeAspect="1"/>
+          </p:cNvSpPr>
           <p:nvPr>
-            <p:ph idx="2" type="sldImg"/>
+            <p:ph type="sldImg" idx="2"/>
           </p:nvPr>
         </p:nvSpPr>
         <p:spPr>
@@ -1343,9 +1396,13 @@
             <a:ext cx="6096000" cy="3429000"/>
           </a:xfrm>
           <a:custGeom>
-            <a:rect b="b" l="l" r="r" t="t"/>
+            <a:avLst/>
+            <a:gdLst/>
+            <a:ahLst/>
+            <a:cxnLst/>
+            <a:rect l="l" t="t" r="r" b="b"/>
             <a:pathLst>
-              <a:path extrusionOk="0" h="120000" w="120000">
+              <a:path w="120000" h="120000" extrusionOk="0">
                 <a:moveTo>
                   <a:pt x="0" y="0"/>
                 </a:moveTo>
@@ -1367,9 +1424,11 @@
       <p:sp>
         <p:nvSpPr>
           <p:cNvPr id="177" name="Google Shape;177;g10449b70ad0_0_13:notes"/>
-          <p:cNvSpPr txBox="1"/>
+          <p:cNvSpPr txBox="1">
+            <a:spLocks noGrp="1"/>
+          </p:cNvSpPr>
           <p:nvPr>
-            <p:ph idx="1" type="body"/>
+            <p:ph type="body" idx="1"/>
           </p:nvPr>
         </p:nvSpPr>
         <p:spPr>
@@ -1382,23 +1441,20 @@
           </a:prstGeom>
         </p:spPr>
         <p:txBody>
-          <a:bodyPr anchorCtr="0" anchor="t" bIns="91425" lIns="91425" spcFirstLastPara="1" rIns="91425" wrap="square" tIns="91425">
+          <a:bodyPr spcFirstLastPara="1" wrap="square" lIns="91425" tIns="91425" rIns="91425" bIns="91425" anchor="t" anchorCtr="0">
             <a:noAutofit/>
           </a:bodyPr>
           <a:lstStyle/>
           <a:p>
-            <a:pPr indent="0" lvl="0" marL="0" rtl="0" algn="l">
-              <a:spcBef>
-                <a:spcPts val="0"/>
-              </a:spcBef>
-              <a:spcAft>
-                <a:spcPts val="0"/>
-              </a:spcAft>
-              <a:buNone/>
-            </a:pPr>
-            <a:r>
-              <a:t/>
-            </a:r>
+            <a:pPr marL="0" lvl="0" indent="0" algn="l" rtl="0">
+              <a:spcBef>
+                <a:spcPts val="0"/>
+              </a:spcBef>
+              <a:spcAft>
+                <a:spcPts val="0"/>
+              </a:spcAft>
+              <a:buNone/>
+            </a:pPr>
             <a:endParaRPr/>
           </a:p>
         </p:txBody>
@@ -1412,11 +1468,11 @@
 </file>
 
 <file path=ppt/notesSlides/notesSlide2.xml><?xml version="1.0" encoding="utf-8"?>
-<p:notes xmlns:a="http://schemas.openxmlformats.org/drawingml/2006/main" xmlns:r="http://schemas.openxmlformats.org/officeDocument/2006/relationships" xmlns:mc="http://schemas.openxmlformats.org/markup-compatibility/2006" xmlns:mv="urn:schemas-microsoft-com:mac:vml" xmlns:p="http://schemas.openxmlformats.org/presentationml/2006/main" xmlns:c="http://schemas.openxmlformats.org/drawingml/2006/chart" xmlns:dgm="http://schemas.openxmlformats.org/drawingml/2006/diagram" xmlns:o="urn:schemas-microsoft-com:office:office" xmlns:v="urn:schemas-microsoft-com:vml" xmlns:pvml="urn:schemas-microsoft-com:office:powerpoint" xmlns:com="http://schemas.openxmlformats.org/drawingml/2006/compatibility" xmlns:p14="http://schemas.microsoft.com/office/powerpoint/2010/main" xmlns:p15="http://schemas.microsoft.com/office/powerpoint/2012/main" xmlns:ahyp="http://schemas.microsoft.com/office/drawing/2018/hyperlinkcolor" showMasterPhAnim="0" showMasterSp="0">
+<p:notes xmlns:a="http://schemas.openxmlformats.org/drawingml/2006/main" xmlns:r="http://schemas.openxmlformats.org/officeDocument/2006/relationships" xmlns:p="http://schemas.openxmlformats.org/presentationml/2006/main" showMasterSp="0" showMasterPhAnim="0">
   <p:cSld>
     <p:spTree>
       <p:nvGrpSpPr>
-        <p:cNvPr id="88" name="Shape 88"/>
+        <p:cNvPr id="1" name="Shape 88"/>
         <p:cNvGrpSpPr/>
         <p:nvPr/>
       </p:nvGrpSpPr>
@@ -1431,9 +1487,11 @@
       <p:sp>
         <p:nvSpPr>
           <p:cNvPr id="89" name="Google Shape;89;g1043354eabd_0_77:notes"/>
-          <p:cNvSpPr/>
+          <p:cNvSpPr>
+            <a:spLocks noGrp="1" noRot="1" noChangeAspect="1"/>
+          </p:cNvSpPr>
           <p:nvPr>
-            <p:ph idx="2" type="sldImg"/>
+            <p:ph type="sldImg" idx="2"/>
           </p:nvPr>
         </p:nvSpPr>
         <p:spPr>
@@ -1442,9 +1500,13 @@
             <a:ext cx="6096000" cy="3429000"/>
           </a:xfrm>
           <a:custGeom>
-            <a:rect b="b" l="l" r="r" t="t"/>
+            <a:avLst/>
+            <a:gdLst/>
+            <a:ahLst/>
+            <a:cxnLst/>
+            <a:rect l="l" t="t" r="r" b="b"/>
             <a:pathLst>
-              <a:path extrusionOk="0" h="120000" w="120000">
+              <a:path w="120000" h="120000" extrusionOk="0">
                 <a:moveTo>
                   <a:pt x="0" y="0"/>
                 </a:moveTo>
@@ -1466,9 +1528,11 @@
       <p:sp>
         <p:nvSpPr>
           <p:cNvPr id="90" name="Google Shape;90;g1043354eabd_0_77:notes"/>
-          <p:cNvSpPr txBox="1"/>
+          <p:cNvSpPr txBox="1">
+            <a:spLocks noGrp="1"/>
+          </p:cNvSpPr>
           <p:nvPr>
-            <p:ph idx="1" type="body"/>
+            <p:ph type="body" idx="1"/>
           </p:nvPr>
         </p:nvSpPr>
         <p:spPr>
@@ -1481,12 +1545,12 @@
           </a:prstGeom>
         </p:spPr>
         <p:txBody>
-          <a:bodyPr anchorCtr="0" anchor="t" bIns="91425" lIns="91425" spcFirstLastPara="1" rIns="91425" wrap="square" tIns="91425">
+          <a:bodyPr spcFirstLastPara="1" wrap="square" lIns="91425" tIns="91425" rIns="91425" bIns="91425" anchor="t" anchorCtr="0">
             <a:noAutofit/>
           </a:bodyPr>
           <a:lstStyle/>
           <a:p>
-            <a:pPr indent="0" lvl="0" marL="0" rtl="0" algn="l">
+            <a:pPr marL="0" lvl="0" indent="0" algn="l" rtl="0">
               <a:spcBef>
                 <a:spcPts val="0"/>
               </a:spcBef>
@@ -1512,11 +1576,11 @@
 </file>
 
 <file path=ppt/notesSlides/notesSlide3.xml><?xml version="1.0" encoding="utf-8"?>
-<p:notes xmlns:a="http://schemas.openxmlformats.org/drawingml/2006/main" xmlns:r="http://schemas.openxmlformats.org/officeDocument/2006/relationships" xmlns:mc="http://schemas.openxmlformats.org/markup-compatibility/2006" xmlns:mv="urn:schemas-microsoft-com:mac:vml" xmlns:p="http://schemas.openxmlformats.org/presentationml/2006/main" xmlns:c="http://schemas.openxmlformats.org/drawingml/2006/chart" xmlns:dgm="http://schemas.openxmlformats.org/drawingml/2006/diagram" xmlns:o="urn:schemas-microsoft-com:office:office" xmlns:v="urn:schemas-microsoft-com:vml" xmlns:pvml="urn:schemas-microsoft-com:office:powerpoint" xmlns:com="http://schemas.openxmlformats.org/drawingml/2006/compatibility" xmlns:p14="http://schemas.microsoft.com/office/powerpoint/2010/main" xmlns:p15="http://schemas.microsoft.com/office/powerpoint/2012/main" xmlns:ahyp="http://schemas.microsoft.com/office/drawing/2018/hyperlinkcolor" showMasterPhAnim="0" showMasterSp="0">
+<p:notes xmlns:a="http://schemas.openxmlformats.org/drawingml/2006/main" xmlns:r="http://schemas.openxmlformats.org/officeDocument/2006/relationships" xmlns:p="http://schemas.openxmlformats.org/presentationml/2006/main" showMasterSp="0" showMasterPhAnim="0">
   <p:cSld>
     <p:spTree>
       <p:nvGrpSpPr>
-        <p:cNvPr id="95" name="Shape 95"/>
+        <p:cNvPr id="1" name="Shape 95"/>
         <p:cNvGrpSpPr/>
         <p:nvPr/>
       </p:nvGrpSpPr>
@@ -1531,20 +1595,26 @@
       <p:sp>
         <p:nvSpPr>
           <p:cNvPr id="96" name="Google Shape;96;g1043354eabd_0_144:notes"/>
-          <p:cNvSpPr/>
+          <p:cNvSpPr>
+            <a:spLocks noGrp="1" noRot="1" noChangeAspect="1"/>
+          </p:cNvSpPr>
           <p:nvPr>
-            <p:ph idx="2" type="sldImg"/>
+            <p:ph type="sldImg" idx="2"/>
           </p:nvPr>
         </p:nvSpPr>
         <p:spPr>
           <a:xfrm>
-            <a:off x="381300" y="685800"/>
+            <a:off x="381000" y="685800"/>
             <a:ext cx="6096000" cy="3429000"/>
           </a:xfrm>
           <a:custGeom>
-            <a:rect b="b" l="l" r="r" t="t"/>
+            <a:avLst/>
+            <a:gdLst/>
+            <a:ahLst/>
+            <a:cxnLst/>
+            <a:rect l="l" t="t" r="r" b="b"/>
             <a:pathLst>
-              <a:path extrusionOk="0" h="120000" w="120000">
+              <a:path w="120000" h="120000" extrusionOk="0">
                 <a:moveTo>
                   <a:pt x="0" y="0"/>
                 </a:moveTo>
@@ -1566,9 +1636,11 @@
       <p:sp>
         <p:nvSpPr>
           <p:cNvPr id="97" name="Google Shape;97;g1043354eabd_0_144:notes"/>
-          <p:cNvSpPr txBox="1"/>
+          <p:cNvSpPr txBox="1">
+            <a:spLocks noGrp="1"/>
+          </p:cNvSpPr>
           <p:nvPr>
-            <p:ph idx="1" type="body"/>
+            <p:ph type="body" idx="1"/>
           </p:nvPr>
         </p:nvSpPr>
         <p:spPr>
@@ -1581,12 +1653,12 @@
           </a:prstGeom>
         </p:spPr>
         <p:txBody>
-          <a:bodyPr anchorCtr="0" anchor="t" bIns="91425" lIns="91425" spcFirstLastPara="1" rIns="91425" wrap="square" tIns="91425">
+          <a:bodyPr spcFirstLastPara="1" wrap="square" lIns="91425" tIns="91425" rIns="91425" bIns="91425" anchor="t" anchorCtr="0">
             <a:noAutofit/>
           </a:bodyPr>
           <a:lstStyle/>
           <a:p>
-            <a:pPr indent="0" lvl="0" marL="0" rtl="0" algn="l">
+            <a:pPr marL="0" lvl="0" indent="0" algn="l" rtl="0">
               <a:spcBef>
                 <a:spcPts val="0"/>
               </a:spcBef>
@@ -1612,11 +1684,11 @@
 </file>
 
 <file path=ppt/notesSlides/notesSlide4.xml><?xml version="1.0" encoding="utf-8"?>
-<p:notes xmlns:a="http://schemas.openxmlformats.org/drawingml/2006/main" xmlns:r="http://schemas.openxmlformats.org/officeDocument/2006/relationships" xmlns:mc="http://schemas.openxmlformats.org/markup-compatibility/2006" xmlns:mv="urn:schemas-microsoft-com:mac:vml" xmlns:p="http://schemas.openxmlformats.org/presentationml/2006/main" xmlns:c="http://schemas.openxmlformats.org/drawingml/2006/chart" xmlns:dgm="http://schemas.openxmlformats.org/drawingml/2006/diagram" xmlns:o="urn:schemas-microsoft-com:office:office" xmlns:v="urn:schemas-microsoft-com:vml" xmlns:pvml="urn:schemas-microsoft-com:office:powerpoint" xmlns:com="http://schemas.openxmlformats.org/drawingml/2006/compatibility" xmlns:p14="http://schemas.microsoft.com/office/powerpoint/2010/main" xmlns:p15="http://schemas.microsoft.com/office/powerpoint/2012/main" xmlns:ahyp="http://schemas.microsoft.com/office/drawing/2018/hyperlinkcolor" showMasterPhAnim="0" showMasterSp="0">
+<p:notes xmlns:a="http://schemas.openxmlformats.org/drawingml/2006/main" xmlns:r="http://schemas.openxmlformats.org/officeDocument/2006/relationships" xmlns:p="http://schemas.openxmlformats.org/presentationml/2006/main" showMasterSp="0" showMasterPhAnim="0">
   <p:cSld>
     <p:spTree>
       <p:nvGrpSpPr>
-        <p:cNvPr id="101" name="Shape 101"/>
+        <p:cNvPr id="1" name="Shape 101"/>
         <p:cNvGrpSpPr/>
         <p:nvPr/>
       </p:nvGrpSpPr>
@@ -1631,9 +1703,11 @@
       <p:sp>
         <p:nvSpPr>
           <p:cNvPr id="102" name="Google Shape;102;g1043354eabd_0_149:notes"/>
-          <p:cNvSpPr/>
+          <p:cNvSpPr>
+            <a:spLocks noGrp="1" noRot="1" noChangeAspect="1"/>
+          </p:cNvSpPr>
           <p:nvPr>
-            <p:ph idx="2" type="sldImg"/>
+            <p:ph type="sldImg" idx="2"/>
           </p:nvPr>
         </p:nvSpPr>
         <p:spPr>
@@ -1642,9 +1716,13 @@
             <a:ext cx="6096000" cy="3429000"/>
           </a:xfrm>
           <a:custGeom>
-            <a:rect b="b" l="l" r="r" t="t"/>
+            <a:avLst/>
+            <a:gdLst/>
+            <a:ahLst/>
+            <a:cxnLst/>
+            <a:rect l="l" t="t" r="r" b="b"/>
             <a:pathLst>
-              <a:path extrusionOk="0" h="120000" w="120000">
+              <a:path w="120000" h="120000" extrusionOk="0">
                 <a:moveTo>
                   <a:pt x="0" y="0"/>
                 </a:moveTo>
@@ -1666,9 +1744,11 @@
       <p:sp>
         <p:nvSpPr>
           <p:cNvPr id="103" name="Google Shape;103;g1043354eabd_0_149:notes"/>
-          <p:cNvSpPr txBox="1"/>
+          <p:cNvSpPr txBox="1">
+            <a:spLocks noGrp="1"/>
+          </p:cNvSpPr>
           <p:nvPr>
-            <p:ph idx="1" type="body"/>
+            <p:ph type="body" idx="1"/>
           </p:nvPr>
         </p:nvSpPr>
         <p:spPr>
@@ -1681,12 +1761,12 @@
           </a:prstGeom>
         </p:spPr>
         <p:txBody>
-          <a:bodyPr anchorCtr="0" anchor="t" bIns="91425" lIns="91425" spcFirstLastPara="1" rIns="91425" wrap="square" tIns="91425">
+          <a:bodyPr spcFirstLastPara="1" wrap="square" lIns="91425" tIns="91425" rIns="91425" bIns="91425" anchor="t" anchorCtr="0">
             <a:noAutofit/>
           </a:bodyPr>
           <a:lstStyle/>
           <a:p>
-            <a:pPr indent="0" lvl="0" marL="0" rtl="0" algn="l">
+            <a:pPr marL="0" lvl="0" indent="0" algn="l" rtl="0">
               <a:spcBef>
                 <a:spcPts val="0"/>
               </a:spcBef>
@@ -1707,7 +1787,7 @@
             <a:endParaRPr/>
           </a:p>
           <a:p>
-            <a:pPr indent="0" lvl="0" marL="0" rtl="0" algn="l">
+            <a:pPr marL="0" lvl="0" indent="0" algn="l" rtl="0">
               <a:spcBef>
                 <a:spcPts val="0"/>
               </a:spcBef>
@@ -1721,13 +1801,10 @@
               <a:buFont typeface="Arial"/>
               <a:buNone/>
             </a:pPr>
-            <a:r>
-              <a:t/>
-            </a:r>
             <a:endParaRPr/>
           </a:p>
           <a:p>
-            <a:pPr indent="0" lvl="0" marL="0" rtl="0" algn="l">
+            <a:pPr marL="0" lvl="0" indent="0" algn="l" rtl="0">
               <a:spcBef>
                 <a:spcPts val="0"/>
               </a:spcBef>
@@ -1748,7 +1825,7 @@
             <a:endParaRPr/>
           </a:p>
           <a:p>
-            <a:pPr indent="0" lvl="0" marL="0" rtl="0" algn="l">
+            <a:pPr marL="0" lvl="0" indent="0" algn="l" rtl="0">
               <a:spcBef>
                 <a:spcPts val="0"/>
               </a:spcBef>
@@ -1769,7 +1846,7 @@
             <a:endParaRPr/>
           </a:p>
           <a:p>
-            <a:pPr indent="0" lvl="0" marL="0" rtl="0" algn="l">
+            <a:pPr marL="0" lvl="0" indent="0" algn="l" rtl="0">
               <a:spcBef>
                 <a:spcPts val="0"/>
               </a:spcBef>
@@ -1790,18 +1867,15 @@
             <a:endParaRPr/>
           </a:p>
           <a:p>
-            <a:pPr indent="0" lvl="0" marL="0" rtl="0" algn="l">
-              <a:spcBef>
-                <a:spcPts val="0"/>
-              </a:spcBef>
-              <a:spcAft>
-                <a:spcPts val="0"/>
-              </a:spcAft>
-              <a:buNone/>
-            </a:pPr>
-            <a:r>
-              <a:t/>
-            </a:r>
+            <a:pPr marL="0" lvl="0" indent="0" algn="l" rtl="0">
+              <a:spcBef>
+                <a:spcPts val="0"/>
+              </a:spcBef>
+              <a:spcAft>
+                <a:spcPts val="0"/>
+              </a:spcAft>
+              <a:buNone/>
+            </a:pPr>
             <a:endParaRPr/>
           </a:p>
         </p:txBody>
@@ -1815,11 +1889,11 @@
 </file>
 
 <file path=ppt/notesSlides/notesSlide5.xml><?xml version="1.0" encoding="utf-8"?>
-<p:notes xmlns:a="http://schemas.openxmlformats.org/drawingml/2006/main" xmlns:r="http://schemas.openxmlformats.org/officeDocument/2006/relationships" xmlns:mc="http://schemas.openxmlformats.org/markup-compatibility/2006" xmlns:mv="urn:schemas-microsoft-com:mac:vml" xmlns:p="http://schemas.openxmlformats.org/presentationml/2006/main" xmlns:c="http://schemas.openxmlformats.org/drawingml/2006/chart" xmlns:dgm="http://schemas.openxmlformats.org/drawingml/2006/diagram" xmlns:o="urn:schemas-microsoft-com:office:office" xmlns:v="urn:schemas-microsoft-com:vml" xmlns:pvml="urn:schemas-microsoft-com:office:powerpoint" xmlns:com="http://schemas.openxmlformats.org/drawingml/2006/compatibility" xmlns:p14="http://schemas.microsoft.com/office/powerpoint/2010/main" xmlns:p15="http://schemas.microsoft.com/office/powerpoint/2012/main" xmlns:ahyp="http://schemas.microsoft.com/office/drawing/2018/hyperlinkcolor" showMasterPhAnim="0" showMasterSp="0">
+<p:notes xmlns:a="http://schemas.openxmlformats.org/drawingml/2006/main" xmlns:r="http://schemas.openxmlformats.org/officeDocument/2006/relationships" xmlns:p="http://schemas.openxmlformats.org/presentationml/2006/main" showMasterSp="0" showMasterPhAnim="0">
   <p:cSld>
     <p:spTree>
       <p:nvGrpSpPr>
-        <p:cNvPr id="107" name="Shape 107"/>
+        <p:cNvPr id="1" name="Shape 107"/>
         <p:cNvGrpSpPr/>
         <p:nvPr/>
       </p:nvGrpSpPr>
@@ -1834,9 +1908,11 @@
       <p:sp>
         <p:nvSpPr>
           <p:cNvPr id="108" name="Google Shape;108;g1043354eabd_0_87:notes"/>
-          <p:cNvSpPr/>
+          <p:cNvSpPr>
+            <a:spLocks noGrp="1" noRot="1" noChangeAspect="1"/>
+          </p:cNvSpPr>
           <p:nvPr>
-            <p:ph idx="2" type="sldImg"/>
+            <p:ph type="sldImg" idx="2"/>
           </p:nvPr>
         </p:nvSpPr>
         <p:spPr>
@@ -1845,9 +1921,13 @@
             <a:ext cx="6096000" cy="3429000"/>
           </a:xfrm>
           <a:custGeom>
-            <a:rect b="b" l="l" r="r" t="t"/>
+            <a:avLst/>
+            <a:gdLst/>
+            <a:ahLst/>
+            <a:cxnLst/>
+            <a:rect l="l" t="t" r="r" b="b"/>
             <a:pathLst>
-              <a:path extrusionOk="0" h="120000" w="120000">
+              <a:path w="120000" h="120000" extrusionOk="0">
                 <a:moveTo>
                   <a:pt x="0" y="0"/>
                 </a:moveTo>
@@ -1869,9 +1949,11 @@
       <p:sp>
         <p:nvSpPr>
           <p:cNvPr id="109" name="Google Shape;109;g1043354eabd_0_87:notes"/>
-          <p:cNvSpPr txBox="1"/>
+          <p:cNvSpPr txBox="1">
+            <a:spLocks noGrp="1"/>
+          </p:cNvSpPr>
           <p:nvPr>
-            <p:ph idx="1" type="body"/>
+            <p:ph type="body" idx="1"/>
           </p:nvPr>
         </p:nvSpPr>
         <p:spPr>
@@ -1884,23 +1966,20 @@
           </a:prstGeom>
         </p:spPr>
         <p:txBody>
-          <a:bodyPr anchorCtr="0" anchor="t" bIns="91425" lIns="91425" spcFirstLastPara="1" rIns="91425" wrap="square" tIns="91425">
+          <a:bodyPr spcFirstLastPara="1" wrap="square" lIns="91425" tIns="91425" rIns="91425" bIns="91425" anchor="t" anchorCtr="0">
             <a:noAutofit/>
           </a:bodyPr>
           <a:lstStyle/>
           <a:p>
-            <a:pPr indent="0" lvl="0" marL="0" rtl="0" algn="l">
-              <a:spcBef>
-                <a:spcPts val="0"/>
-              </a:spcBef>
-              <a:spcAft>
-                <a:spcPts val="0"/>
-              </a:spcAft>
-              <a:buNone/>
-            </a:pPr>
-            <a:r>
-              <a:t/>
-            </a:r>
+            <a:pPr marL="0" lvl="0" indent="0" algn="l" rtl="0">
+              <a:spcBef>
+                <a:spcPts val="0"/>
+              </a:spcBef>
+              <a:spcAft>
+                <a:spcPts val="0"/>
+              </a:spcAft>
+              <a:buNone/>
+            </a:pPr>
             <a:endParaRPr/>
           </a:p>
         </p:txBody>
@@ -1914,11 +1993,11 @@
 </file>
 
 <file path=ppt/notesSlides/notesSlide6.xml><?xml version="1.0" encoding="utf-8"?>
-<p:notes xmlns:a="http://schemas.openxmlformats.org/drawingml/2006/main" xmlns:r="http://schemas.openxmlformats.org/officeDocument/2006/relationships" xmlns:mc="http://schemas.openxmlformats.org/markup-compatibility/2006" xmlns:mv="urn:schemas-microsoft-com:mac:vml" xmlns:p="http://schemas.openxmlformats.org/presentationml/2006/main" xmlns:c="http://schemas.openxmlformats.org/drawingml/2006/chart" xmlns:dgm="http://schemas.openxmlformats.org/drawingml/2006/diagram" xmlns:o="urn:schemas-microsoft-com:office:office" xmlns:v="urn:schemas-microsoft-com:vml" xmlns:pvml="urn:schemas-microsoft-com:office:powerpoint" xmlns:com="http://schemas.openxmlformats.org/drawingml/2006/compatibility" xmlns:p14="http://schemas.microsoft.com/office/powerpoint/2010/main" xmlns:p15="http://schemas.microsoft.com/office/powerpoint/2012/main" xmlns:ahyp="http://schemas.microsoft.com/office/drawing/2018/hyperlinkcolor" showMasterPhAnim="0" showMasterSp="0">
+<p:notes xmlns:a="http://schemas.openxmlformats.org/drawingml/2006/main" xmlns:r="http://schemas.openxmlformats.org/officeDocument/2006/relationships" xmlns:p="http://schemas.openxmlformats.org/presentationml/2006/main" showMasterSp="0" showMasterPhAnim="0">
   <p:cSld>
     <p:spTree>
       <p:nvGrpSpPr>
-        <p:cNvPr id="113" name="Shape 113"/>
+        <p:cNvPr id="1" name="Shape 113"/>
         <p:cNvGrpSpPr/>
         <p:nvPr/>
       </p:nvGrpSpPr>
@@ -1933,9 +2012,11 @@
       <p:sp>
         <p:nvSpPr>
           <p:cNvPr id="114" name="Google Shape;114;g1043354eabd_0_82:notes"/>
-          <p:cNvSpPr/>
+          <p:cNvSpPr>
+            <a:spLocks noGrp="1" noRot="1" noChangeAspect="1"/>
+          </p:cNvSpPr>
           <p:nvPr>
-            <p:ph idx="2" type="sldImg"/>
+            <p:ph type="sldImg" idx="2"/>
           </p:nvPr>
         </p:nvSpPr>
         <p:spPr>
@@ -1944,9 +2025,13 @@
             <a:ext cx="6096000" cy="3429000"/>
           </a:xfrm>
           <a:custGeom>
-            <a:rect b="b" l="l" r="r" t="t"/>
+            <a:avLst/>
+            <a:gdLst/>
+            <a:ahLst/>
+            <a:cxnLst/>
+            <a:rect l="l" t="t" r="r" b="b"/>
             <a:pathLst>
-              <a:path extrusionOk="0" h="120000" w="120000">
+              <a:path w="120000" h="120000" extrusionOk="0">
                 <a:moveTo>
                   <a:pt x="0" y="0"/>
                 </a:moveTo>
@@ -1968,9 +2053,11 @@
       <p:sp>
         <p:nvSpPr>
           <p:cNvPr id="115" name="Google Shape;115;g1043354eabd_0_82:notes"/>
-          <p:cNvSpPr txBox="1"/>
+          <p:cNvSpPr txBox="1">
+            <a:spLocks noGrp="1"/>
+          </p:cNvSpPr>
           <p:nvPr>
-            <p:ph idx="1" type="body"/>
+            <p:ph type="body" idx="1"/>
           </p:nvPr>
         </p:nvSpPr>
         <p:spPr>
@@ -1983,23 +2070,20 @@
           </a:prstGeom>
         </p:spPr>
         <p:txBody>
-          <a:bodyPr anchorCtr="0" anchor="t" bIns="91425" lIns="91425" spcFirstLastPara="1" rIns="91425" wrap="square" tIns="91425">
+          <a:bodyPr spcFirstLastPara="1" wrap="square" lIns="91425" tIns="91425" rIns="91425" bIns="91425" anchor="t" anchorCtr="0">
             <a:noAutofit/>
           </a:bodyPr>
           <a:lstStyle/>
           <a:p>
-            <a:pPr indent="0" lvl="0" marL="0" rtl="0" algn="l">
-              <a:spcBef>
-                <a:spcPts val="0"/>
-              </a:spcBef>
-              <a:spcAft>
-                <a:spcPts val="0"/>
-              </a:spcAft>
-              <a:buNone/>
-            </a:pPr>
-            <a:r>
-              <a:t/>
-            </a:r>
+            <a:pPr marL="0" lvl="0" indent="0" algn="l" rtl="0">
+              <a:spcBef>
+                <a:spcPts val="0"/>
+              </a:spcBef>
+              <a:spcAft>
+                <a:spcPts val="0"/>
+              </a:spcAft>
+              <a:buNone/>
+            </a:pPr>
             <a:endParaRPr/>
           </a:p>
         </p:txBody>
@@ -2013,11 +2097,11 @@
 </file>
 
 <file path=ppt/notesSlides/notesSlide7.xml><?xml version="1.0" encoding="utf-8"?>
-<p:notes xmlns:a="http://schemas.openxmlformats.org/drawingml/2006/main" xmlns:r="http://schemas.openxmlformats.org/officeDocument/2006/relationships" xmlns:mc="http://schemas.openxmlformats.org/markup-compatibility/2006" xmlns:mv="urn:schemas-microsoft-com:mac:vml" xmlns:p="http://schemas.openxmlformats.org/presentationml/2006/main" xmlns:c="http://schemas.openxmlformats.org/drawingml/2006/chart" xmlns:dgm="http://schemas.openxmlformats.org/drawingml/2006/diagram" xmlns:o="urn:schemas-microsoft-com:office:office" xmlns:v="urn:schemas-microsoft-com:vml" xmlns:pvml="urn:schemas-microsoft-com:office:powerpoint" xmlns:com="http://schemas.openxmlformats.org/drawingml/2006/compatibility" xmlns:p14="http://schemas.microsoft.com/office/powerpoint/2010/main" xmlns:p15="http://schemas.microsoft.com/office/powerpoint/2012/main" xmlns:ahyp="http://schemas.microsoft.com/office/drawing/2018/hyperlinkcolor" showMasterPhAnim="0" showMasterSp="0">
+<p:notes xmlns:a="http://schemas.openxmlformats.org/drawingml/2006/main" xmlns:r="http://schemas.openxmlformats.org/officeDocument/2006/relationships" xmlns:p="http://schemas.openxmlformats.org/presentationml/2006/main" showMasterSp="0" showMasterPhAnim="0">
   <p:cSld>
     <p:spTree>
       <p:nvGrpSpPr>
-        <p:cNvPr id="119" name="Shape 119"/>
+        <p:cNvPr id="1" name="Shape 119"/>
         <p:cNvGrpSpPr/>
         <p:nvPr/>
       </p:nvGrpSpPr>
@@ -2032,9 +2116,11 @@
       <p:sp>
         <p:nvSpPr>
           <p:cNvPr id="120" name="Google Shape;120;g104fc7e4ca4_0_10:notes"/>
-          <p:cNvSpPr/>
+          <p:cNvSpPr>
+            <a:spLocks noGrp="1" noRot="1" noChangeAspect="1"/>
+          </p:cNvSpPr>
           <p:nvPr>
-            <p:ph idx="2" type="sldImg"/>
+            <p:ph type="sldImg" idx="2"/>
           </p:nvPr>
         </p:nvSpPr>
         <p:spPr>
@@ -2043,9 +2129,13 @@
             <a:ext cx="6096000" cy="3429000"/>
           </a:xfrm>
           <a:custGeom>
-            <a:rect b="b" l="l" r="r" t="t"/>
+            <a:avLst/>
+            <a:gdLst/>
+            <a:ahLst/>
+            <a:cxnLst/>
+            <a:rect l="l" t="t" r="r" b="b"/>
             <a:pathLst>
-              <a:path extrusionOk="0" h="120000" w="120000">
+              <a:path w="120000" h="120000" extrusionOk="0">
                 <a:moveTo>
                   <a:pt x="0" y="0"/>
                 </a:moveTo>
@@ -2067,9 +2157,11 @@
       <p:sp>
         <p:nvSpPr>
           <p:cNvPr id="121" name="Google Shape;121;g104fc7e4ca4_0_10:notes"/>
-          <p:cNvSpPr txBox="1"/>
+          <p:cNvSpPr txBox="1">
+            <a:spLocks noGrp="1"/>
+          </p:cNvSpPr>
           <p:nvPr>
-            <p:ph idx="1" type="body"/>
+            <p:ph type="body" idx="1"/>
           </p:nvPr>
         </p:nvSpPr>
         <p:spPr>
@@ -2082,23 +2174,20 @@
           </a:prstGeom>
         </p:spPr>
         <p:txBody>
-          <a:bodyPr anchorCtr="0" anchor="t" bIns="91425" lIns="91425" spcFirstLastPara="1" rIns="91425" wrap="square" tIns="91425">
+          <a:bodyPr spcFirstLastPara="1" wrap="square" lIns="91425" tIns="91425" rIns="91425" bIns="91425" anchor="t" anchorCtr="0">
             <a:noAutofit/>
           </a:bodyPr>
           <a:lstStyle/>
           <a:p>
-            <a:pPr indent="0" lvl="0" marL="0" rtl="0" algn="l">
-              <a:spcBef>
-                <a:spcPts val="0"/>
-              </a:spcBef>
-              <a:spcAft>
-                <a:spcPts val="0"/>
-              </a:spcAft>
-              <a:buNone/>
-            </a:pPr>
-            <a:r>
-              <a:t/>
-            </a:r>
+            <a:pPr marL="0" lvl="0" indent="0" algn="l" rtl="0">
+              <a:spcBef>
+                <a:spcPts val="0"/>
+              </a:spcBef>
+              <a:spcAft>
+                <a:spcPts val="0"/>
+              </a:spcAft>
+              <a:buNone/>
+            </a:pPr>
             <a:endParaRPr/>
           </a:p>
         </p:txBody>
@@ -2112,11 +2201,11 @@
 </file>
 
 <file path=ppt/notesSlides/notesSlide8.xml><?xml version="1.0" encoding="utf-8"?>
-<p:notes xmlns:a="http://schemas.openxmlformats.org/drawingml/2006/main" xmlns:r="http://schemas.openxmlformats.org/officeDocument/2006/relationships" xmlns:mc="http://schemas.openxmlformats.org/markup-compatibility/2006" xmlns:mv="urn:schemas-microsoft-com:mac:vml" xmlns:p="http://schemas.openxmlformats.org/presentationml/2006/main" xmlns:c="http://schemas.openxmlformats.org/drawingml/2006/chart" xmlns:dgm="http://schemas.openxmlformats.org/drawingml/2006/diagram" xmlns:o="urn:schemas-microsoft-com:office:office" xmlns:v="urn:schemas-microsoft-com:vml" xmlns:pvml="urn:schemas-microsoft-com:office:powerpoint" xmlns:com="http://schemas.openxmlformats.org/drawingml/2006/compatibility" xmlns:p14="http://schemas.microsoft.com/office/powerpoint/2010/main" xmlns:p15="http://schemas.microsoft.com/office/powerpoint/2012/main" xmlns:ahyp="http://schemas.microsoft.com/office/drawing/2018/hyperlinkcolor" showMasterPhAnim="0" showMasterSp="0">
+<p:notes xmlns:a="http://schemas.openxmlformats.org/drawingml/2006/main" xmlns:r="http://schemas.openxmlformats.org/officeDocument/2006/relationships" xmlns:p="http://schemas.openxmlformats.org/presentationml/2006/main" showMasterSp="0" showMasterPhAnim="0">
   <p:cSld>
     <p:spTree>
       <p:nvGrpSpPr>
-        <p:cNvPr id="125" name="Shape 125"/>
+        <p:cNvPr id="1" name="Shape 125"/>
         <p:cNvGrpSpPr/>
         <p:nvPr/>
       </p:nvGrpSpPr>
@@ -2131,9 +2220,11 @@
       <p:sp>
         <p:nvSpPr>
           <p:cNvPr id="126" name="Google Shape;126;g1043354eabd_0_92:notes"/>
-          <p:cNvSpPr/>
+          <p:cNvSpPr>
+            <a:spLocks noGrp="1" noRot="1" noChangeAspect="1"/>
+          </p:cNvSpPr>
           <p:nvPr>
-            <p:ph idx="2" type="sldImg"/>
+            <p:ph type="sldImg" idx="2"/>
           </p:nvPr>
         </p:nvSpPr>
         <p:spPr>
@@ -2142,9 +2233,13 @@
             <a:ext cx="6096000" cy="3429000"/>
           </a:xfrm>
           <a:custGeom>
-            <a:rect b="b" l="l" r="r" t="t"/>
+            <a:avLst/>
+            <a:gdLst/>
+            <a:ahLst/>
+            <a:cxnLst/>
+            <a:rect l="l" t="t" r="r" b="b"/>
             <a:pathLst>
-              <a:path extrusionOk="0" h="120000" w="120000">
+              <a:path w="120000" h="120000" extrusionOk="0">
                 <a:moveTo>
                   <a:pt x="0" y="0"/>
                 </a:moveTo>
@@ -2166,9 +2261,11 @@
       <p:sp>
         <p:nvSpPr>
           <p:cNvPr id="127" name="Google Shape;127;g1043354eabd_0_92:notes"/>
-          <p:cNvSpPr txBox="1"/>
+          <p:cNvSpPr txBox="1">
+            <a:spLocks noGrp="1"/>
+          </p:cNvSpPr>
           <p:nvPr>
-            <p:ph idx="1" type="body"/>
+            <p:ph type="body" idx="1"/>
           </p:nvPr>
         </p:nvSpPr>
         <p:spPr>
@@ -2181,12 +2278,12 @@
           </a:prstGeom>
         </p:spPr>
         <p:txBody>
-          <a:bodyPr anchorCtr="0" anchor="t" bIns="91425" lIns="91425" spcFirstLastPara="1" rIns="91425" wrap="square" tIns="91425">
+          <a:bodyPr spcFirstLastPara="1" wrap="square" lIns="91425" tIns="91425" rIns="91425" bIns="91425" anchor="t" anchorCtr="0">
             <a:noAutofit/>
           </a:bodyPr>
           <a:lstStyle/>
           <a:p>
-            <a:pPr indent="0" lvl="0" marL="0" rtl="0" algn="l">
+            <a:pPr marL="0" lvl="0" indent="0" algn="l" rtl="0">
               <a:spcBef>
                 <a:spcPts val="0"/>
               </a:spcBef>
@@ -2212,11 +2309,11 @@
 </file>
 
 <file path=ppt/notesSlides/notesSlide9.xml><?xml version="1.0" encoding="utf-8"?>
-<p:notes xmlns:a="http://schemas.openxmlformats.org/drawingml/2006/main" xmlns:r="http://schemas.openxmlformats.org/officeDocument/2006/relationships" xmlns:mc="http://schemas.openxmlformats.org/markup-compatibility/2006" xmlns:mv="urn:schemas-microsoft-com:mac:vml" xmlns:p="http://schemas.openxmlformats.org/presentationml/2006/main" xmlns:c="http://schemas.openxmlformats.org/drawingml/2006/chart" xmlns:dgm="http://schemas.openxmlformats.org/drawingml/2006/diagram" xmlns:o="urn:schemas-microsoft-com:office:office" xmlns:v="urn:schemas-microsoft-com:vml" xmlns:pvml="urn:schemas-microsoft-com:office:powerpoint" xmlns:com="http://schemas.openxmlformats.org/drawingml/2006/compatibility" xmlns:p14="http://schemas.microsoft.com/office/powerpoint/2010/main" xmlns:p15="http://schemas.microsoft.com/office/powerpoint/2012/main" xmlns:ahyp="http://schemas.microsoft.com/office/drawing/2018/hyperlinkcolor" showMasterPhAnim="0" showMasterSp="0">
+<p:notes xmlns:a="http://schemas.openxmlformats.org/drawingml/2006/main" xmlns:r="http://schemas.openxmlformats.org/officeDocument/2006/relationships" xmlns:p="http://schemas.openxmlformats.org/presentationml/2006/main" showMasterSp="0" showMasterPhAnim="0">
   <p:cSld>
     <p:spTree>
       <p:nvGrpSpPr>
-        <p:cNvPr id="131" name="Shape 131"/>
+        <p:cNvPr id="1" name="Shape 131"/>
         <p:cNvGrpSpPr/>
         <p:nvPr/>
       </p:nvGrpSpPr>
@@ -2231,9 +2328,11 @@
       <p:sp>
         <p:nvSpPr>
           <p:cNvPr id="132" name="Google Shape;132;g1043354eabd_0_97:notes"/>
-          <p:cNvSpPr/>
+          <p:cNvSpPr>
+            <a:spLocks noGrp="1" noRot="1" noChangeAspect="1"/>
+          </p:cNvSpPr>
           <p:nvPr>
-            <p:ph idx="2" type="sldImg"/>
+            <p:ph type="sldImg" idx="2"/>
           </p:nvPr>
         </p:nvSpPr>
         <p:spPr>
@@ -2242,9 +2341,13 @@
             <a:ext cx="6096000" cy="3429000"/>
           </a:xfrm>
           <a:custGeom>
-            <a:rect b="b" l="l" r="r" t="t"/>
+            <a:avLst/>
+            <a:gdLst/>
+            <a:ahLst/>
+            <a:cxnLst/>
+            <a:rect l="l" t="t" r="r" b="b"/>
             <a:pathLst>
-              <a:path extrusionOk="0" h="120000" w="120000">
+              <a:path w="120000" h="120000" extrusionOk="0">
                 <a:moveTo>
                   <a:pt x="0" y="0"/>
                 </a:moveTo>
@@ -2266,9 +2369,11 @@
       <p:sp>
         <p:nvSpPr>
           <p:cNvPr id="133" name="Google Shape;133;g1043354eabd_0_97:notes"/>
-          <p:cNvSpPr txBox="1"/>
+          <p:cNvSpPr txBox="1">
+            <a:spLocks noGrp="1"/>
+          </p:cNvSpPr>
           <p:nvPr>
-            <p:ph idx="1" type="body"/>
+            <p:ph type="body" idx="1"/>
           </p:nvPr>
         </p:nvSpPr>
         <p:spPr>
@@ -2281,12 +2386,12 @@
           </a:prstGeom>
         </p:spPr>
         <p:txBody>
-          <a:bodyPr anchorCtr="0" anchor="t" bIns="91425" lIns="91425" spcFirstLastPara="1" rIns="91425" wrap="square" tIns="91425">
+          <a:bodyPr spcFirstLastPara="1" wrap="square" lIns="91425" tIns="91425" rIns="91425" bIns="91425" anchor="t" anchorCtr="0">
             <a:noAutofit/>
           </a:bodyPr>
           <a:lstStyle/>
           <a:p>
-            <a:pPr indent="0" lvl="0" marL="0" rtl="0" algn="l">
+            <a:pPr marL="0" lvl="0" indent="0" algn="l" rtl="0">
               <a:spcBef>
                 <a:spcPts val="0"/>
               </a:spcBef>
@@ -2312,18 +2417,19 @@
 </file>
 
 <file path=ppt/slideLayouts/slideLayout1.xml><?xml version="1.0" encoding="utf-8"?>
-<p:sldLayout xmlns:a="http://schemas.openxmlformats.org/drawingml/2006/main" xmlns:r="http://schemas.openxmlformats.org/officeDocument/2006/relationships" xmlns:mc="http://schemas.openxmlformats.org/markup-compatibility/2006" xmlns:mv="urn:schemas-microsoft-com:mac:vml" xmlns:p="http://schemas.openxmlformats.org/presentationml/2006/main" xmlns:c="http://schemas.openxmlformats.org/drawingml/2006/chart" xmlns:dgm="http://schemas.openxmlformats.org/drawingml/2006/diagram" xmlns:o="urn:schemas-microsoft-com:office:office" xmlns:v="urn:schemas-microsoft-com:vml" xmlns:pvml="urn:schemas-microsoft-com:office:powerpoint" xmlns:com="http://schemas.openxmlformats.org/drawingml/2006/compatibility" xmlns:p14="http://schemas.microsoft.com/office/powerpoint/2010/main" xmlns:p15="http://schemas.microsoft.com/office/powerpoint/2012/main" xmlns:ahyp="http://schemas.microsoft.com/office/drawing/2018/hyperlinkcolor" matchingName="Title slide" type="title">
+<p:sldLayout xmlns:a="http://schemas.openxmlformats.org/drawingml/2006/main" xmlns:r="http://schemas.openxmlformats.org/officeDocument/2006/relationships" xmlns:p="http://schemas.openxmlformats.org/presentationml/2006/main" matchingName="Title slide" type="title">
   <p:cSld name="TITLE">
     <p:bg>
       <p:bgPr>
         <a:solidFill>
           <a:schemeClr val="lt2"/>
         </a:solidFill>
+        <a:effectLst/>
       </p:bgPr>
     </p:bg>
     <p:spTree>
       <p:nvGrpSpPr>
-        <p:cNvPr id="9" name="Shape 9"/>
+        <p:cNvPr id="1" name="Shape 9"/>
         <p:cNvGrpSpPr/>
         <p:nvPr/>
       </p:nvGrpSpPr>
@@ -2357,23 +2463,20 @@
           </a:ln>
         </p:spPr>
         <p:txBody>
-          <a:bodyPr anchorCtr="0" anchor="ctr" bIns="91425" lIns="91425" spcFirstLastPara="1" rIns="91425" wrap="square" tIns="91425">
+          <a:bodyPr spcFirstLastPara="1" wrap="square" lIns="91425" tIns="91425" rIns="91425" bIns="91425" anchor="ctr" anchorCtr="0">
             <a:noAutofit/>
           </a:bodyPr>
           <a:lstStyle/>
           <a:p>
-            <a:pPr indent="0" lvl="0" marL="0" rtl="0" algn="l">
-              <a:spcBef>
-                <a:spcPts val="0"/>
-              </a:spcBef>
-              <a:spcAft>
-                <a:spcPts val="0"/>
-              </a:spcAft>
-              <a:buNone/>
-            </a:pPr>
-            <a:r>
-              <a:t/>
-            </a:r>
+            <a:pPr marL="0" lvl="0" indent="0" algn="l" rtl="0">
+              <a:spcBef>
+                <a:spcPts val="0"/>
+              </a:spcBef>
+              <a:spcAft>
+                <a:spcPts val="0"/>
+              </a:spcAft>
+              <a:buNone/>
+            </a:pPr>
             <a:endParaRPr/>
           </a:p>
         </p:txBody>
@@ -2414,12 +2517,12 @@
             </a:ln>
           </p:spPr>
           <p:txBody>
-            <a:bodyPr anchorCtr="0" anchor="ctr" bIns="91425" lIns="91425" spcFirstLastPara="1" rIns="91425" wrap="square" tIns="91425">
+            <a:bodyPr spcFirstLastPara="1" wrap="square" lIns="91425" tIns="91425" rIns="91425" bIns="91425" anchor="ctr" anchorCtr="0">
               <a:noAutofit/>
             </a:bodyPr>
             <a:lstStyle/>
             <a:p>
-              <a:pPr indent="0" lvl="0" marL="0" rtl="0" algn="l">
+              <a:pPr marL="0" lvl="0" indent="0" algn="l" rtl="0">
                 <a:spcBef>
                   <a:spcPts val="0"/>
                 </a:spcBef>
@@ -2428,9 +2531,6 @@
                 </a:spcAft>
                 <a:buNone/>
               </a:pPr>
-              <a:r>
-                <a:t/>
-              </a:r>
               <a:endParaRPr/>
             </a:p>
           </p:txBody>
@@ -2457,12 +2557,12 @@
             </a:ln>
           </p:spPr>
           <p:txBody>
-            <a:bodyPr anchorCtr="0" anchor="ctr" bIns="91425" lIns="91425" spcFirstLastPara="1" rIns="91425" wrap="square" tIns="91425">
+            <a:bodyPr spcFirstLastPara="1" wrap="square" lIns="91425" tIns="91425" rIns="91425" bIns="91425" anchor="ctr" anchorCtr="0">
               <a:noAutofit/>
             </a:bodyPr>
             <a:lstStyle/>
             <a:p>
-              <a:pPr indent="0" lvl="0" marL="0" rtl="0" algn="l">
+              <a:pPr marL="0" lvl="0" indent="0" algn="l" rtl="0">
                 <a:spcBef>
                   <a:spcPts val="0"/>
                 </a:spcBef>
@@ -2471,9 +2571,6 @@
                 </a:spcAft>
                 <a:buNone/>
               </a:pPr>
-              <a:r>
-                <a:t/>
-              </a:r>
               <a:endParaRPr/>
             </a:p>
           </p:txBody>
@@ -2482,7 +2579,9 @@
       <p:sp>
         <p:nvSpPr>
           <p:cNvPr id="14" name="Google Shape;14;p2"/>
-          <p:cNvSpPr txBox="1"/>
+          <p:cNvSpPr txBox="1">
+            <a:spLocks noGrp="1"/>
+          </p:cNvSpPr>
           <p:nvPr>
             <p:ph type="ctrTitle"/>
           </p:nvPr>
@@ -2497,7 +2596,7 @@
           </a:prstGeom>
         </p:spPr>
         <p:txBody>
-          <a:bodyPr anchorCtr="0" anchor="t" bIns="91425" lIns="91425" spcFirstLastPara="1" rIns="91425" wrap="square" tIns="91425">
+          <a:bodyPr spcFirstLastPara="1" wrap="square" lIns="91425" tIns="91425" rIns="91425" bIns="91425" anchor="t" anchorCtr="0">
             <a:normAutofit/>
           </a:bodyPr>
           <a:lstStyle>
@@ -2601,15 +2700,19 @@
               <a:defRPr sz="4200"/>
             </a:lvl9pPr>
           </a:lstStyle>
-          <a:p/>
+          <a:p>
+            <a:endParaRPr/>
+          </a:p>
         </p:txBody>
       </p:sp>
       <p:sp>
         <p:nvSpPr>
           <p:cNvPr id="15" name="Google Shape;15;p2"/>
-          <p:cNvSpPr txBox="1"/>
+          <p:cNvSpPr txBox="1">
+            <a:spLocks noGrp="1"/>
+          </p:cNvSpPr>
           <p:nvPr>
-            <p:ph idx="1" type="subTitle"/>
+            <p:ph type="subTitle" idx="1"/>
           </p:nvPr>
         </p:nvSpPr>
         <p:spPr>
@@ -2622,7 +2725,7 @@
           </a:prstGeom>
         </p:spPr>
         <p:txBody>
-          <a:bodyPr anchorCtr="0" anchor="t" bIns="91425" lIns="91425" spcFirstLastPara="1" rIns="91425" wrap="square" tIns="91425">
+          <a:bodyPr spcFirstLastPara="1" wrap="square" lIns="91425" tIns="91425" rIns="91425" bIns="91425" anchor="t" anchorCtr="0">
             <a:normAutofit/>
           </a:bodyPr>
           <a:lstStyle>
@@ -2753,15 +2856,19 @@
               <a:defRPr sz="1600"/>
             </a:lvl9pPr>
           </a:lstStyle>
-          <a:p/>
+          <a:p>
+            <a:endParaRPr/>
+          </a:p>
         </p:txBody>
       </p:sp>
       <p:sp>
         <p:nvSpPr>
           <p:cNvPr id="16" name="Google Shape;16;p2"/>
-          <p:cNvSpPr txBox="1"/>
+          <p:cNvSpPr txBox="1">
+            <a:spLocks noGrp="1"/>
+          </p:cNvSpPr>
           <p:nvPr>
-            <p:ph idx="12" type="sldNum"/>
+            <p:ph type="sldNum" idx="12"/>
           </p:nvPr>
         </p:nvSpPr>
         <p:spPr>
@@ -2774,7 +2881,7 @@
           </a:prstGeom>
         </p:spPr>
         <p:txBody>
-          <a:bodyPr anchorCtr="0" anchor="ctr" bIns="91425" lIns="91425" spcFirstLastPara="1" rIns="91425" wrap="square" tIns="91425">
+          <a:bodyPr spcFirstLastPara="1" wrap="square" lIns="91425" tIns="91425" rIns="91425" bIns="91425" anchor="ctr" anchorCtr="0">
             <a:normAutofit/>
           </a:bodyPr>
           <a:lstStyle>
@@ -2816,7 +2923,7 @@
             </a:lvl9pPr>
           </a:lstStyle>
           <a:p>
-            <a:pPr indent="0" lvl="0" marL="0" rtl="0" algn="r">
+            <a:pPr marL="0" lvl="0" indent="0" algn="r" rtl="0">
               <a:spcBef>
                 <a:spcPts val="0"/>
               </a:spcBef>
@@ -2842,18 +2949,19 @@
 </file>
 
 <file path=ppt/slideLayouts/slideLayout10.xml><?xml version="1.0" encoding="utf-8"?>
-<p:sldLayout xmlns:a="http://schemas.openxmlformats.org/drawingml/2006/main" xmlns:r="http://schemas.openxmlformats.org/officeDocument/2006/relationships" xmlns:mc="http://schemas.openxmlformats.org/markup-compatibility/2006" xmlns:mv="urn:schemas-microsoft-com:mac:vml" xmlns:p="http://schemas.openxmlformats.org/presentationml/2006/main" xmlns:c="http://schemas.openxmlformats.org/drawingml/2006/chart" xmlns:dgm="http://schemas.openxmlformats.org/drawingml/2006/diagram" xmlns:o="urn:schemas-microsoft-com:office:office" xmlns:v="urn:schemas-microsoft-com:vml" xmlns:pvml="urn:schemas-microsoft-com:office:powerpoint" xmlns:com="http://schemas.openxmlformats.org/drawingml/2006/compatibility" xmlns:p14="http://schemas.microsoft.com/office/powerpoint/2010/main" xmlns:p15="http://schemas.microsoft.com/office/powerpoint/2012/main" xmlns:ahyp="http://schemas.microsoft.com/office/drawing/2018/hyperlinkcolor" matchingName="Big number">
+<p:sldLayout xmlns:a="http://schemas.openxmlformats.org/drawingml/2006/main" xmlns:r="http://schemas.openxmlformats.org/officeDocument/2006/relationships" xmlns:p="http://schemas.openxmlformats.org/presentationml/2006/main" matchingName="Big number">
   <p:cSld name="BIG_NUMBER">
     <p:bg>
       <p:bgPr>
         <a:solidFill>
           <a:schemeClr val="dk1"/>
         </a:solidFill>
+        <a:effectLst/>
       </p:bgPr>
     </p:bg>
     <p:spTree>
       <p:nvGrpSpPr>
-        <p:cNvPr id="73" name="Shape 73"/>
+        <p:cNvPr id="1" name="Shape 73"/>
         <p:cNvGrpSpPr/>
         <p:nvPr/>
       </p:nvGrpSpPr>
@@ -2901,12 +3009,12 @@
             </a:ln>
           </p:spPr>
           <p:txBody>
-            <a:bodyPr anchorCtr="0" anchor="ctr" bIns="91425" lIns="91425" spcFirstLastPara="1" rIns="91425" wrap="square" tIns="91425">
+            <a:bodyPr spcFirstLastPara="1" wrap="square" lIns="91425" tIns="91425" rIns="91425" bIns="91425" anchor="ctr" anchorCtr="0">
               <a:noAutofit/>
             </a:bodyPr>
             <a:lstStyle/>
             <a:p>
-              <a:pPr indent="0" lvl="0" marL="0" rtl="0" algn="l">
+              <a:pPr marL="0" lvl="0" indent="0" algn="l" rtl="0">
                 <a:spcBef>
                   <a:spcPts val="0"/>
                 </a:spcBef>
@@ -2915,9 +3023,6 @@
                 </a:spcAft>
                 <a:buNone/>
               </a:pPr>
-              <a:r>
-                <a:t/>
-              </a:r>
               <a:endParaRPr/>
             </a:p>
           </p:txBody>
@@ -2944,12 +3049,12 @@
             </a:ln>
           </p:spPr>
           <p:txBody>
-            <a:bodyPr anchorCtr="0" anchor="ctr" bIns="91425" lIns="91425" spcFirstLastPara="1" rIns="91425" wrap="square" tIns="91425">
+            <a:bodyPr spcFirstLastPara="1" wrap="square" lIns="91425" tIns="91425" rIns="91425" bIns="91425" anchor="ctr" anchorCtr="0">
               <a:noAutofit/>
             </a:bodyPr>
             <a:lstStyle/>
             <a:p>
-              <a:pPr indent="0" lvl="0" marL="0" rtl="0" algn="l">
+              <a:pPr marL="0" lvl="0" indent="0" algn="l" rtl="0">
                 <a:spcBef>
                   <a:spcPts val="0"/>
                 </a:spcBef>
@@ -2958,9 +3063,6 @@
                 </a:spcAft>
                 <a:buNone/>
               </a:pPr>
-              <a:r>
-                <a:t/>
-              </a:r>
               <a:endParaRPr/>
             </a:p>
           </p:txBody>
@@ -2969,9 +3071,11 @@
       <p:sp>
         <p:nvSpPr>
           <p:cNvPr id="77" name="Google Shape;77;p11"/>
-          <p:cNvSpPr txBox="1"/>
+          <p:cNvSpPr txBox="1">
+            <a:spLocks noGrp="1"/>
+          </p:cNvSpPr>
           <p:nvPr>
-            <p:ph hasCustomPrompt="1" type="title"/>
+            <p:ph type="title" hasCustomPrompt="1"/>
           </p:nvPr>
         </p:nvSpPr>
         <p:spPr>
@@ -2984,7 +3088,7 @@
           </a:prstGeom>
         </p:spPr>
         <p:txBody>
-          <a:bodyPr anchorCtr="0" anchor="t" bIns="91425" lIns="91425" spcFirstLastPara="1" rIns="91425" wrap="square" tIns="91425">
+          <a:bodyPr spcFirstLastPara="1" wrap="square" lIns="91425" tIns="91425" rIns="91425" bIns="91425" anchor="t" anchorCtr="0">
             <a:normAutofit/>
           </a:bodyPr>
           <a:lstStyle>
@@ -3161,9 +3265,11 @@
       <p:sp>
         <p:nvSpPr>
           <p:cNvPr id="78" name="Google Shape;78;p11"/>
-          <p:cNvSpPr txBox="1"/>
+          <p:cNvSpPr txBox="1">
+            <a:spLocks noGrp="1"/>
+          </p:cNvSpPr>
           <p:nvPr>
-            <p:ph idx="1" type="body"/>
+            <p:ph type="body" idx="1"/>
           </p:nvPr>
         </p:nvSpPr>
         <p:spPr>
@@ -3176,11 +3282,11 @@
           </a:prstGeom>
         </p:spPr>
         <p:txBody>
-          <a:bodyPr anchorCtr="0" anchor="t" bIns="91425" lIns="91425" spcFirstLastPara="1" rIns="91425" wrap="square" tIns="91425">
+          <a:bodyPr spcFirstLastPara="1" wrap="square" lIns="91425" tIns="91425" rIns="91425" bIns="91425" anchor="t" anchorCtr="0">
             <a:normAutofit/>
           </a:bodyPr>
           <a:lstStyle>
-            <a:lvl1pPr indent="-311150" lvl="0" marL="457200">
+            <a:lvl1pPr marL="457200" lvl="0" indent="-311150">
               <a:spcBef>
                 <a:spcPts val="0"/>
               </a:spcBef>
@@ -3198,7 +3304,7 @@
                 </a:solidFill>
               </a:defRPr>
             </a:lvl1pPr>
-            <a:lvl2pPr indent="-298450" lvl="1" marL="914400">
+            <a:lvl2pPr marL="914400" lvl="1" indent="-298450">
               <a:spcBef>
                 <a:spcPts val="0"/>
               </a:spcBef>
@@ -3216,7 +3322,7 @@
                 </a:solidFill>
               </a:defRPr>
             </a:lvl2pPr>
-            <a:lvl3pPr indent="-298450" lvl="2" marL="1371600">
+            <a:lvl3pPr marL="1371600" lvl="2" indent="-298450">
               <a:spcBef>
                 <a:spcPts val="0"/>
               </a:spcBef>
@@ -3234,7 +3340,7 @@
                 </a:solidFill>
               </a:defRPr>
             </a:lvl3pPr>
-            <a:lvl4pPr indent="-298450" lvl="3" marL="1828800">
+            <a:lvl4pPr marL="1828800" lvl="3" indent="-298450">
               <a:spcBef>
                 <a:spcPts val="0"/>
               </a:spcBef>
@@ -3252,7 +3358,7 @@
                 </a:solidFill>
               </a:defRPr>
             </a:lvl4pPr>
-            <a:lvl5pPr indent="-298450" lvl="4" marL="2286000">
+            <a:lvl5pPr marL="2286000" lvl="4" indent="-298450">
               <a:spcBef>
                 <a:spcPts val="0"/>
               </a:spcBef>
@@ -3270,7 +3376,7 @@
                 </a:solidFill>
               </a:defRPr>
             </a:lvl5pPr>
-            <a:lvl6pPr indent="-298450" lvl="5" marL="2743200">
+            <a:lvl6pPr marL="2743200" lvl="5" indent="-298450">
               <a:spcBef>
                 <a:spcPts val="0"/>
               </a:spcBef>
@@ -3288,7 +3394,7 @@
                 </a:solidFill>
               </a:defRPr>
             </a:lvl6pPr>
-            <a:lvl7pPr indent="-298450" lvl="6" marL="3200400">
+            <a:lvl7pPr marL="3200400" lvl="6" indent="-298450">
               <a:spcBef>
                 <a:spcPts val="0"/>
               </a:spcBef>
@@ -3306,7 +3412,7 @@
                 </a:solidFill>
               </a:defRPr>
             </a:lvl7pPr>
-            <a:lvl8pPr indent="-298450" lvl="7" marL="3657600">
+            <a:lvl8pPr marL="3657600" lvl="7" indent="-298450">
               <a:spcBef>
                 <a:spcPts val="0"/>
               </a:spcBef>
@@ -3324,7 +3430,7 @@
                 </a:solidFill>
               </a:defRPr>
             </a:lvl8pPr>
-            <a:lvl9pPr indent="-298450" lvl="8" marL="4114800">
+            <a:lvl9pPr marL="4114800" lvl="8" indent="-298450">
               <a:spcBef>
                 <a:spcPts val="0"/>
               </a:spcBef>
@@ -3343,15 +3449,19 @@
               </a:defRPr>
             </a:lvl9pPr>
           </a:lstStyle>
-          <a:p/>
+          <a:p>
+            <a:endParaRPr/>
+          </a:p>
         </p:txBody>
       </p:sp>
       <p:sp>
         <p:nvSpPr>
           <p:cNvPr id="79" name="Google Shape;79;p11"/>
-          <p:cNvSpPr txBox="1"/>
+          <p:cNvSpPr txBox="1">
+            <a:spLocks noGrp="1"/>
+          </p:cNvSpPr>
           <p:nvPr>
-            <p:ph idx="12" type="sldNum"/>
+            <p:ph type="sldNum" idx="12"/>
           </p:nvPr>
         </p:nvSpPr>
         <p:spPr>
@@ -3364,7 +3474,7 @@
           </a:prstGeom>
         </p:spPr>
         <p:txBody>
-          <a:bodyPr anchorCtr="0" anchor="ctr" bIns="91425" lIns="91425" spcFirstLastPara="1" rIns="91425" wrap="square" tIns="91425">
+          <a:bodyPr spcFirstLastPara="1" wrap="square" lIns="91425" tIns="91425" rIns="91425" bIns="91425" anchor="ctr" anchorCtr="0">
             <a:normAutofit/>
           </a:bodyPr>
           <a:lstStyle>
@@ -3442,7 +3552,7 @@
             </a:lvl9pPr>
           </a:lstStyle>
           <a:p>
-            <a:pPr indent="0" lvl="0" marL="0" rtl="0" algn="r">
+            <a:pPr marL="0" lvl="0" indent="0" algn="r" rtl="0">
               <a:spcBef>
                 <a:spcPts val="0"/>
               </a:spcBef>
@@ -3468,11 +3578,11 @@
 </file>
 
 <file path=ppt/slideLayouts/slideLayout11.xml><?xml version="1.0" encoding="utf-8"?>
-<p:sldLayout xmlns:a="http://schemas.openxmlformats.org/drawingml/2006/main" xmlns:r="http://schemas.openxmlformats.org/officeDocument/2006/relationships" xmlns:mc="http://schemas.openxmlformats.org/markup-compatibility/2006" xmlns:mv="urn:schemas-microsoft-com:mac:vml" xmlns:p="http://schemas.openxmlformats.org/presentationml/2006/main" xmlns:c="http://schemas.openxmlformats.org/drawingml/2006/chart" xmlns:dgm="http://schemas.openxmlformats.org/drawingml/2006/diagram" xmlns:o="urn:schemas-microsoft-com:office:office" xmlns:v="urn:schemas-microsoft-com:vml" xmlns:pvml="urn:schemas-microsoft-com:office:powerpoint" xmlns:com="http://schemas.openxmlformats.org/drawingml/2006/compatibility" xmlns:p14="http://schemas.microsoft.com/office/powerpoint/2010/main" xmlns:p15="http://schemas.microsoft.com/office/powerpoint/2012/main" xmlns:ahyp="http://schemas.microsoft.com/office/drawing/2018/hyperlinkcolor" matchingName="Blank" type="blank">
+<p:sldLayout xmlns:a="http://schemas.openxmlformats.org/drawingml/2006/main" xmlns:r="http://schemas.openxmlformats.org/officeDocument/2006/relationships" xmlns:p="http://schemas.openxmlformats.org/presentationml/2006/main" matchingName="Blank" type="blank">
   <p:cSld name="BLANK">
     <p:spTree>
       <p:nvGrpSpPr>
-        <p:cNvPr id="80" name="Shape 80"/>
+        <p:cNvPr id="1" name="Shape 80"/>
         <p:cNvGrpSpPr/>
         <p:nvPr/>
       </p:nvGrpSpPr>
@@ -3487,9 +3597,11 @@
       <p:sp>
         <p:nvSpPr>
           <p:cNvPr id="81" name="Google Shape;81;p12"/>
-          <p:cNvSpPr txBox="1"/>
+          <p:cNvSpPr txBox="1">
+            <a:spLocks noGrp="1"/>
+          </p:cNvSpPr>
           <p:nvPr>
-            <p:ph idx="12" type="sldNum"/>
+            <p:ph type="sldNum" idx="12"/>
           </p:nvPr>
         </p:nvSpPr>
         <p:spPr>
@@ -3502,7 +3614,7 @@
           </a:prstGeom>
         </p:spPr>
         <p:txBody>
-          <a:bodyPr anchorCtr="0" anchor="ctr" bIns="91425" lIns="91425" spcFirstLastPara="1" rIns="91425" wrap="square" tIns="91425">
+          <a:bodyPr spcFirstLastPara="1" wrap="square" lIns="91425" tIns="91425" rIns="91425" bIns="91425" anchor="ctr" anchorCtr="0">
             <a:normAutofit/>
           </a:bodyPr>
           <a:lstStyle>
@@ -3544,7 +3656,7 @@
             </a:lvl9pPr>
           </a:lstStyle>
           <a:p>
-            <a:pPr indent="0" lvl="0" marL="0" rtl="0" algn="r">
+            <a:pPr marL="0" lvl="0" indent="0" algn="r" rtl="0">
               <a:spcBef>
                 <a:spcPts val="0"/>
               </a:spcBef>
@@ -3570,18 +3682,19 @@
 </file>
 
 <file path=ppt/slideLayouts/slideLayout2.xml><?xml version="1.0" encoding="utf-8"?>
-<p:sldLayout xmlns:a="http://schemas.openxmlformats.org/drawingml/2006/main" xmlns:r="http://schemas.openxmlformats.org/officeDocument/2006/relationships" xmlns:mc="http://schemas.openxmlformats.org/markup-compatibility/2006" xmlns:mv="urn:schemas-microsoft-com:mac:vml" xmlns:p="http://schemas.openxmlformats.org/presentationml/2006/main" xmlns:c="http://schemas.openxmlformats.org/drawingml/2006/chart" xmlns:dgm="http://schemas.openxmlformats.org/drawingml/2006/diagram" xmlns:o="urn:schemas-microsoft-com:office:office" xmlns:v="urn:schemas-microsoft-com:vml" xmlns:pvml="urn:schemas-microsoft-com:office:powerpoint" xmlns:com="http://schemas.openxmlformats.org/drawingml/2006/compatibility" xmlns:p14="http://schemas.microsoft.com/office/powerpoint/2010/main" xmlns:p15="http://schemas.microsoft.com/office/powerpoint/2012/main" xmlns:ahyp="http://schemas.microsoft.com/office/drawing/2018/hyperlinkcolor" matchingName="Section header" type="secHead">
+<p:sldLayout xmlns:a="http://schemas.openxmlformats.org/drawingml/2006/main" xmlns:r="http://schemas.openxmlformats.org/officeDocument/2006/relationships" xmlns:p="http://schemas.openxmlformats.org/presentationml/2006/main" matchingName="Section header" type="secHead">
   <p:cSld name="SECTION_HEADER">
     <p:bg>
       <p:bgPr>
         <a:solidFill>
           <a:schemeClr val="dk1"/>
         </a:solidFill>
+        <a:effectLst/>
       </p:bgPr>
     </p:bg>
     <p:spTree>
       <p:nvGrpSpPr>
-        <p:cNvPr id="17" name="Shape 17"/>
+        <p:cNvPr id="1" name="Shape 17"/>
         <p:cNvGrpSpPr/>
         <p:nvPr/>
       </p:nvGrpSpPr>
@@ -3629,12 +3742,12 @@
             </a:ln>
           </p:spPr>
           <p:txBody>
-            <a:bodyPr anchorCtr="0" anchor="ctr" bIns="91425" lIns="91425" spcFirstLastPara="1" rIns="91425" wrap="square" tIns="91425">
+            <a:bodyPr spcFirstLastPara="1" wrap="square" lIns="91425" tIns="91425" rIns="91425" bIns="91425" anchor="ctr" anchorCtr="0">
               <a:noAutofit/>
             </a:bodyPr>
             <a:lstStyle/>
             <a:p>
-              <a:pPr indent="0" lvl="0" marL="0" rtl="0" algn="l">
+              <a:pPr marL="0" lvl="0" indent="0" algn="l" rtl="0">
                 <a:spcBef>
                   <a:spcPts val="0"/>
                 </a:spcBef>
@@ -3643,9 +3756,6 @@
                 </a:spcAft>
                 <a:buNone/>
               </a:pPr>
-              <a:r>
-                <a:t/>
-              </a:r>
               <a:endParaRPr/>
             </a:p>
           </p:txBody>
@@ -3672,12 +3782,12 @@
             </a:ln>
           </p:spPr>
           <p:txBody>
-            <a:bodyPr anchorCtr="0" anchor="ctr" bIns="91425" lIns="91425" spcFirstLastPara="1" rIns="91425" wrap="square" tIns="91425">
+            <a:bodyPr spcFirstLastPara="1" wrap="square" lIns="91425" tIns="91425" rIns="91425" bIns="91425" anchor="ctr" anchorCtr="0">
               <a:noAutofit/>
             </a:bodyPr>
             <a:lstStyle/>
             <a:p>
-              <a:pPr indent="0" lvl="0" marL="0" rtl="0" algn="l">
+              <a:pPr marL="0" lvl="0" indent="0" algn="l" rtl="0">
                 <a:spcBef>
                   <a:spcPts val="0"/>
                 </a:spcBef>
@@ -3686,9 +3796,6 @@
                 </a:spcAft>
                 <a:buNone/>
               </a:pPr>
-              <a:r>
-                <a:t/>
-              </a:r>
               <a:endParaRPr/>
             </a:p>
           </p:txBody>
@@ -3697,7 +3804,9 @@
       <p:sp>
         <p:nvSpPr>
           <p:cNvPr id="21" name="Google Shape;21;p3"/>
-          <p:cNvSpPr txBox="1"/>
+          <p:cNvSpPr txBox="1">
+            <a:spLocks noGrp="1"/>
+          </p:cNvSpPr>
           <p:nvPr>
             <p:ph type="title"/>
           </p:nvPr>
@@ -3712,7 +3821,7 @@
           </a:prstGeom>
         </p:spPr>
         <p:txBody>
-          <a:bodyPr anchorCtr="0" anchor="t" bIns="91425" lIns="91425" spcFirstLastPara="1" rIns="91425" wrap="square" tIns="91425">
+          <a:bodyPr spcFirstLastPara="1" wrap="square" lIns="91425" tIns="91425" rIns="91425" bIns="91425" anchor="t" anchorCtr="0">
             <a:normAutofit/>
           </a:bodyPr>
           <a:lstStyle>
@@ -3879,15 +3988,19 @@
               </a:defRPr>
             </a:lvl9pPr>
           </a:lstStyle>
-          <a:p/>
+          <a:p>
+            <a:endParaRPr/>
+          </a:p>
         </p:txBody>
       </p:sp>
       <p:sp>
         <p:nvSpPr>
           <p:cNvPr id="22" name="Google Shape;22;p3"/>
-          <p:cNvSpPr txBox="1"/>
+          <p:cNvSpPr txBox="1">
+            <a:spLocks noGrp="1"/>
+          </p:cNvSpPr>
           <p:nvPr>
-            <p:ph idx="12" type="sldNum"/>
+            <p:ph type="sldNum" idx="12"/>
           </p:nvPr>
         </p:nvSpPr>
         <p:spPr>
@@ -3900,7 +4013,7 @@
           </a:prstGeom>
         </p:spPr>
         <p:txBody>
-          <a:bodyPr anchorCtr="0" anchor="ctr" bIns="91425" lIns="91425" spcFirstLastPara="1" rIns="91425" wrap="square" tIns="91425">
+          <a:bodyPr spcFirstLastPara="1" wrap="square" lIns="91425" tIns="91425" rIns="91425" bIns="91425" anchor="ctr" anchorCtr="0">
             <a:normAutofit/>
           </a:bodyPr>
           <a:lstStyle>
@@ -3978,7 +4091,7 @@
             </a:lvl9pPr>
           </a:lstStyle>
           <a:p>
-            <a:pPr indent="0" lvl="0" marL="0" rtl="0" algn="r">
+            <a:pPr marL="0" lvl="0" indent="0" algn="r" rtl="0">
               <a:spcBef>
                 <a:spcPts val="0"/>
               </a:spcBef>
@@ -4004,11 +4117,11 @@
 </file>
 
 <file path=ppt/slideLayouts/slideLayout3.xml><?xml version="1.0" encoding="utf-8"?>
-<p:sldLayout xmlns:a="http://schemas.openxmlformats.org/drawingml/2006/main" xmlns:r="http://schemas.openxmlformats.org/officeDocument/2006/relationships" xmlns:mc="http://schemas.openxmlformats.org/markup-compatibility/2006" xmlns:mv="urn:schemas-microsoft-com:mac:vml" xmlns:p="http://schemas.openxmlformats.org/presentationml/2006/main" xmlns:c="http://schemas.openxmlformats.org/drawingml/2006/chart" xmlns:dgm="http://schemas.openxmlformats.org/drawingml/2006/diagram" xmlns:o="urn:schemas-microsoft-com:office:office" xmlns:v="urn:schemas-microsoft-com:vml" xmlns:pvml="urn:schemas-microsoft-com:office:powerpoint" xmlns:com="http://schemas.openxmlformats.org/drawingml/2006/compatibility" xmlns:p14="http://schemas.microsoft.com/office/powerpoint/2010/main" xmlns:p15="http://schemas.microsoft.com/office/powerpoint/2012/main" xmlns:ahyp="http://schemas.microsoft.com/office/drawing/2018/hyperlinkcolor" matchingName="Title and body" type="tx">
+<p:sldLayout xmlns:a="http://schemas.openxmlformats.org/drawingml/2006/main" xmlns:r="http://schemas.openxmlformats.org/officeDocument/2006/relationships" xmlns:p="http://schemas.openxmlformats.org/presentationml/2006/main" matchingName="Title and body" type="tx">
   <p:cSld name="TITLE_AND_BODY">
     <p:spTree>
       <p:nvGrpSpPr>
-        <p:cNvPr id="23" name="Shape 23"/>
+        <p:cNvPr id="1" name="Shape 23"/>
         <p:cNvGrpSpPr/>
         <p:nvPr/>
       </p:nvGrpSpPr>
@@ -4042,23 +4155,20 @@
           </a:ln>
         </p:spPr>
         <p:txBody>
-          <a:bodyPr anchorCtr="0" anchor="ctr" bIns="91425" lIns="91425" spcFirstLastPara="1" rIns="91425" wrap="square" tIns="91425">
+          <a:bodyPr spcFirstLastPara="1" wrap="square" lIns="91425" tIns="91425" rIns="91425" bIns="91425" anchor="ctr" anchorCtr="0">
             <a:noAutofit/>
           </a:bodyPr>
           <a:lstStyle/>
           <a:p>
-            <a:pPr indent="0" lvl="0" marL="0" rtl="0" algn="l">
-              <a:spcBef>
-                <a:spcPts val="0"/>
-              </a:spcBef>
-              <a:spcAft>
-                <a:spcPts val="0"/>
-              </a:spcAft>
-              <a:buNone/>
-            </a:pPr>
-            <a:r>
-              <a:t/>
-            </a:r>
+            <a:pPr marL="0" lvl="0" indent="0" algn="l" rtl="0">
+              <a:spcBef>
+                <a:spcPts val="0"/>
+              </a:spcBef>
+              <a:spcAft>
+                <a:spcPts val="0"/>
+              </a:spcAft>
+              <a:buNone/>
+            </a:pPr>
             <a:endParaRPr/>
           </a:p>
         </p:txBody>
@@ -4099,12 +4209,12 @@
             </a:ln>
           </p:spPr>
           <p:txBody>
-            <a:bodyPr anchorCtr="0" anchor="ctr" bIns="91425" lIns="91425" spcFirstLastPara="1" rIns="91425" wrap="square" tIns="91425">
+            <a:bodyPr spcFirstLastPara="1" wrap="square" lIns="91425" tIns="91425" rIns="91425" bIns="91425" anchor="ctr" anchorCtr="0">
               <a:noAutofit/>
             </a:bodyPr>
             <a:lstStyle/>
             <a:p>
-              <a:pPr indent="0" lvl="0" marL="0" rtl="0" algn="l">
+              <a:pPr marL="0" lvl="0" indent="0" algn="l" rtl="0">
                 <a:spcBef>
                   <a:spcPts val="0"/>
                 </a:spcBef>
@@ -4113,9 +4223,6 @@
                 </a:spcAft>
                 <a:buNone/>
               </a:pPr>
-              <a:r>
-                <a:t/>
-              </a:r>
               <a:endParaRPr/>
             </a:p>
           </p:txBody>
@@ -4142,12 +4249,12 @@
             </a:ln>
           </p:spPr>
           <p:txBody>
-            <a:bodyPr anchorCtr="0" anchor="ctr" bIns="91425" lIns="91425" spcFirstLastPara="1" rIns="91425" wrap="square" tIns="91425">
+            <a:bodyPr spcFirstLastPara="1" wrap="square" lIns="91425" tIns="91425" rIns="91425" bIns="91425" anchor="ctr" anchorCtr="0">
               <a:noAutofit/>
             </a:bodyPr>
             <a:lstStyle/>
             <a:p>
-              <a:pPr indent="0" lvl="0" marL="0" rtl="0" algn="l">
+              <a:pPr marL="0" lvl="0" indent="0" algn="l" rtl="0">
                 <a:spcBef>
                   <a:spcPts val="0"/>
                 </a:spcBef>
@@ -4156,9 +4263,6 @@
                 </a:spcAft>
                 <a:buNone/>
               </a:pPr>
-              <a:r>
-                <a:t/>
-              </a:r>
               <a:endParaRPr/>
             </a:p>
           </p:txBody>
@@ -4167,7 +4271,9 @@
       <p:sp>
         <p:nvSpPr>
           <p:cNvPr id="28" name="Google Shape;28;p4"/>
-          <p:cNvSpPr txBox="1"/>
+          <p:cNvSpPr txBox="1">
+            <a:spLocks noGrp="1"/>
+          </p:cNvSpPr>
           <p:nvPr>
             <p:ph type="title"/>
           </p:nvPr>
@@ -4182,7 +4288,7 @@
           </a:prstGeom>
         </p:spPr>
         <p:txBody>
-          <a:bodyPr anchorCtr="0" anchor="t" bIns="91425" lIns="91425" spcFirstLastPara="1" rIns="91425" wrap="square" tIns="91425">
+          <a:bodyPr spcFirstLastPara="1" wrap="square" lIns="91425" tIns="91425" rIns="91425" bIns="91425" anchor="t" anchorCtr="0">
             <a:normAutofit/>
           </a:bodyPr>
           <a:lstStyle>
@@ -4286,15 +4392,19 @@
               <a:defRPr sz="2600"/>
             </a:lvl9pPr>
           </a:lstStyle>
-          <a:p/>
+          <a:p>
+            <a:endParaRPr/>
+          </a:p>
         </p:txBody>
       </p:sp>
       <p:sp>
         <p:nvSpPr>
           <p:cNvPr id="29" name="Google Shape;29;p4"/>
-          <p:cNvSpPr txBox="1"/>
+          <p:cNvSpPr txBox="1">
+            <a:spLocks noGrp="1"/>
+          </p:cNvSpPr>
           <p:nvPr>
-            <p:ph idx="1" type="body"/>
+            <p:ph type="body" idx="1"/>
           </p:nvPr>
         </p:nvSpPr>
         <p:spPr>
@@ -4307,11 +4417,11 @@
           </a:prstGeom>
         </p:spPr>
         <p:txBody>
-          <a:bodyPr anchorCtr="0" anchor="t" bIns="91425" lIns="91425" spcFirstLastPara="1" rIns="91425" wrap="square" tIns="91425">
+          <a:bodyPr spcFirstLastPara="1" wrap="square" lIns="91425" tIns="91425" rIns="91425" bIns="91425" anchor="t" anchorCtr="0">
             <a:normAutofit/>
           </a:bodyPr>
           <a:lstStyle>
-            <a:lvl1pPr indent="-311150" lvl="0" marL="457200">
+            <a:lvl1pPr marL="457200" lvl="0" indent="-311150">
               <a:spcBef>
                 <a:spcPts val="0"/>
               </a:spcBef>
@@ -4322,7 +4432,7 @@
               <a:buChar char="●"/>
               <a:defRPr/>
             </a:lvl1pPr>
-            <a:lvl2pPr indent="-298450" lvl="1" marL="914400">
+            <a:lvl2pPr marL="914400" lvl="1" indent="-298450">
               <a:spcBef>
                 <a:spcPts val="0"/>
               </a:spcBef>
@@ -4333,7 +4443,7 @@
               <a:buChar char="○"/>
               <a:defRPr/>
             </a:lvl2pPr>
-            <a:lvl3pPr indent="-298450" lvl="2" marL="1371600">
+            <a:lvl3pPr marL="1371600" lvl="2" indent="-298450">
               <a:spcBef>
                 <a:spcPts val="0"/>
               </a:spcBef>
@@ -4344,7 +4454,7 @@
               <a:buChar char="■"/>
               <a:defRPr/>
             </a:lvl3pPr>
-            <a:lvl4pPr indent="-298450" lvl="3" marL="1828800">
+            <a:lvl4pPr marL="1828800" lvl="3" indent="-298450">
               <a:spcBef>
                 <a:spcPts val="0"/>
               </a:spcBef>
@@ -4355,7 +4465,7 @@
               <a:buChar char="●"/>
               <a:defRPr/>
             </a:lvl4pPr>
-            <a:lvl5pPr indent="-298450" lvl="4" marL="2286000">
+            <a:lvl5pPr marL="2286000" lvl="4" indent="-298450">
               <a:spcBef>
                 <a:spcPts val="0"/>
               </a:spcBef>
@@ -4366,7 +4476,7 @@
               <a:buChar char="○"/>
               <a:defRPr/>
             </a:lvl5pPr>
-            <a:lvl6pPr indent="-298450" lvl="5" marL="2743200">
+            <a:lvl6pPr marL="2743200" lvl="5" indent="-298450">
               <a:spcBef>
                 <a:spcPts val="0"/>
               </a:spcBef>
@@ -4377,7 +4487,7 @@
               <a:buChar char="■"/>
               <a:defRPr/>
             </a:lvl6pPr>
-            <a:lvl7pPr indent="-298450" lvl="6" marL="3200400">
+            <a:lvl7pPr marL="3200400" lvl="6" indent="-298450">
               <a:spcBef>
                 <a:spcPts val="0"/>
               </a:spcBef>
@@ -4388,7 +4498,7 @@
               <a:buChar char="●"/>
               <a:defRPr/>
             </a:lvl7pPr>
-            <a:lvl8pPr indent="-298450" lvl="7" marL="3657600">
+            <a:lvl8pPr marL="3657600" lvl="7" indent="-298450">
               <a:spcBef>
                 <a:spcPts val="0"/>
               </a:spcBef>
@@ -4399,7 +4509,7 @@
               <a:buChar char="○"/>
               <a:defRPr/>
             </a:lvl8pPr>
-            <a:lvl9pPr indent="-298450" lvl="8" marL="4114800">
+            <a:lvl9pPr marL="4114800" lvl="8" indent="-298450">
               <a:spcBef>
                 <a:spcPts val="0"/>
               </a:spcBef>
@@ -4411,15 +4521,19 @@
               <a:defRPr/>
             </a:lvl9pPr>
           </a:lstStyle>
-          <a:p/>
+          <a:p>
+            <a:endParaRPr/>
+          </a:p>
         </p:txBody>
       </p:sp>
       <p:sp>
         <p:nvSpPr>
           <p:cNvPr id="30" name="Google Shape;30;p4"/>
-          <p:cNvSpPr txBox="1"/>
+          <p:cNvSpPr txBox="1">
+            <a:spLocks noGrp="1"/>
+          </p:cNvSpPr>
           <p:nvPr>
-            <p:ph idx="12" type="sldNum"/>
+            <p:ph type="sldNum" idx="12"/>
           </p:nvPr>
         </p:nvSpPr>
         <p:spPr>
@@ -4432,7 +4546,7 @@
           </a:prstGeom>
         </p:spPr>
         <p:txBody>
-          <a:bodyPr anchorCtr="0" anchor="ctr" bIns="91425" lIns="91425" spcFirstLastPara="1" rIns="91425" wrap="square" tIns="91425">
+          <a:bodyPr spcFirstLastPara="1" wrap="square" lIns="91425" tIns="91425" rIns="91425" bIns="91425" anchor="ctr" anchorCtr="0">
             <a:normAutofit/>
           </a:bodyPr>
           <a:lstStyle>
@@ -4474,7 +4588,7 @@
             </a:lvl9pPr>
           </a:lstStyle>
           <a:p>
-            <a:pPr indent="0" lvl="0" marL="0" rtl="0" algn="r">
+            <a:pPr marL="0" lvl="0" indent="0" algn="r" rtl="0">
               <a:spcBef>
                 <a:spcPts val="0"/>
               </a:spcBef>
@@ -4500,11 +4614,11 @@
 </file>
 
 <file path=ppt/slideLayouts/slideLayout4.xml><?xml version="1.0" encoding="utf-8"?>
-<p:sldLayout xmlns:a="http://schemas.openxmlformats.org/drawingml/2006/main" xmlns:r="http://schemas.openxmlformats.org/officeDocument/2006/relationships" xmlns:mc="http://schemas.openxmlformats.org/markup-compatibility/2006" xmlns:mv="urn:schemas-microsoft-com:mac:vml" xmlns:p="http://schemas.openxmlformats.org/presentationml/2006/main" xmlns:c="http://schemas.openxmlformats.org/drawingml/2006/chart" xmlns:dgm="http://schemas.openxmlformats.org/drawingml/2006/diagram" xmlns:o="urn:schemas-microsoft-com:office:office" xmlns:v="urn:schemas-microsoft-com:vml" xmlns:pvml="urn:schemas-microsoft-com:office:powerpoint" xmlns:com="http://schemas.openxmlformats.org/drawingml/2006/compatibility" xmlns:p14="http://schemas.microsoft.com/office/powerpoint/2010/main" xmlns:p15="http://schemas.microsoft.com/office/powerpoint/2012/main" xmlns:ahyp="http://schemas.microsoft.com/office/drawing/2018/hyperlinkcolor" matchingName="Title and two columns" type="twoColTx">
+<p:sldLayout xmlns:a="http://schemas.openxmlformats.org/drawingml/2006/main" xmlns:r="http://schemas.openxmlformats.org/officeDocument/2006/relationships" xmlns:p="http://schemas.openxmlformats.org/presentationml/2006/main" matchingName="Title and two columns" type="twoColTx">
   <p:cSld name="TITLE_AND_TWO_COLUMNS">
     <p:spTree>
       <p:nvGrpSpPr>
-        <p:cNvPr id="31" name="Shape 31"/>
+        <p:cNvPr id="1" name="Shape 31"/>
         <p:cNvGrpSpPr/>
         <p:nvPr/>
       </p:nvGrpSpPr>
@@ -4538,23 +4652,20 @@
           </a:ln>
         </p:spPr>
         <p:txBody>
-          <a:bodyPr anchorCtr="0" anchor="ctr" bIns="91425" lIns="91425" spcFirstLastPara="1" rIns="91425" wrap="square" tIns="91425">
+          <a:bodyPr spcFirstLastPara="1" wrap="square" lIns="91425" tIns="91425" rIns="91425" bIns="91425" anchor="ctr" anchorCtr="0">
             <a:noAutofit/>
           </a:bodyPr>
           <a:lstStyle/>
           <a:p>
-            <a:pPr indent="0" lvl="0" marL="0" rtl="0" algn="l">
-              <a:spcBef>
-                <a:spcPts val="0"/>
-              </a:spcBef>
-              <a:spcAft>
-                <a:spcPts val="0"/>
-              </a:spcAft>
-              <a:buNone/>
-            </a:pPr>
-            <a:r>
-              <a:t/>
-            </a:r>
+            <a:pPr marL="0" lvl="0" indent="0" algn="l" rtl="0">
+              <a:spcBef>
+                <a:spcPts val="0"/>
+              </a:spcBef>
+              <a:spcAft>
+                <a:spcPts val="0"/>
+              </a:spcAft>
+              <a:buNone/>
+            </a:pPr>
             <a:endParaRPr/>
           </a:p>
         </p:txBody>
@@ -4595,12 +4706,12 @@
             </a:ln>
           </p:spPr>
           <p:txBody>
-            <a:bodyPr anchorCtr="0" anchor="ctr" bIns="91425" lIns="91425" spcFirstLastPara="1" rIns="91425" wrap="square" tIns="91425">
+            <a:bodyPr spcFirstLastPara="1" wrap="square" lIns="91425" tIns="91425" rIns="91425" bIns="91425" anchor="ctr" anchorCtr="0">
               <a:noAutofit/>
             </a:bodyPr>
             <a:lstStyle/>
             <a:p>
-              <a:pPr indent="0" lvl="0" marL="0" rtl="0" algn="l">
+              <a:pPr marL="0" lvl="0" indent="0" algn="l" rtl="0">
                 <a:spcBef>
                   <a:spcPts val="0"/>
                 </a:spcBef>
@@ -4609,9 +4720,6 @@
                 </a:spcAft>
                 <a:buNone/>
               </a:pPr>
-              <a:r>
-                <a:t/>
-              </a:r>
               <a:endParaRPr/>
             </a:p>
           </p:txBody>
@@ -4638,12 +4746,12 @@
             </a:ln>
           </p:spPr>
           <p:txBody>
-            <a:bodyPr anchorCtr="0" anchor="ctr" bIns="91425" lIns="91425" spcFirstLastPara="1" rIns="91425" wrap="square" tIns="91425">
+            <a:bodyPr spcFirstLastPara="1" wrap="square" lIns="91425" tIns="91425" rIns="91425" bIns="91425" anchor="ctr" anchorCtr="0">
               <a:noAutofit/>
             </a:bodyPr>
             <a:lstStyle/>
             <a:p>
-              <a:pPr indent="0" lvl="0" marL="0" rtl="0" algn="l">
+              <a:pPr marL="0" lvl="0" indent="0" algn="l" rtl="0">
                 <a:spcBef>
                   <a:spcPts val="0"/>
                 </a:spcBef>
@@ -4652,9 +4760,6 @@
                 </a:spcAft>
                 <a:buNone/>
               </a:pPr>
-              <a:r>
-                <a:t/>
-              </a:r>
               <a:endParaRPr/>
             </a:p>
           </p:txBody>
@@ -4663,7 +4768,9 @@
       <p:sp>
         <p:nvSpPr>
           <p:cNvPr id="36" name="Google Shape;36;p5"/>
-          <p:cNvSpPr txBox="1"/>
+          <p:cNvSpPr txBox="1">
+            <a:spLocks noGrp="1"/>
+          </p:cNvSpPr>
           <p:nvPr>
             <p:ph type="title"/>
           </p:nvPr>
@@ -4678,7 +4785,7 @@
           </a:prstGeom>
         </p:spPr>
         <p:txBody>
-          <a:bodyPr anchorCtr="0" anchor="t" bIns="91425" lIns="91425" spcFirstLastPara="1" rIns="91425" wrap="square" tIns="91425">
+          <a:bodyPr spcFirstLastPara="1" wrap="square" lIns="91425" tIns="91425" rIns="91425" bIns="91425" anchor="t" anchorCtr="0">
             <a:normAutofit/>
           </a:bodyPr>
           <a:lstStyle>
@@ -4782,15 +4889,19 @@
               <a:defRPr sz="2600"/>
             </a:lvl9pPr>
           </a:lstStyle>
-          <a:p/>
+          <a:p>
+            <a:endParaRPr/>
+          </a:p>
         </p:txBody>
       </p:sp>
       <p:sp>
         <p:nvSpPr>
           <p:cNvPr id="37" name="Google Shape;37;p5"/>
-          <p:cNvSpPr txBox="1"/>
+          <p:cNvSpPr txBox="1">
+            <a:spLocks noGrp="1"/>
+          </p:cNvSpPr>
           <p:nvPr>
-            <p:ph idx="1" type="body"/>
+            <p:ph type="body" idx="1"/>
           </p:nvPr>
         </p:nvSpPr>
         <p:spPr>
@@ -4803,11 +4914,11 @@
           </a:prstGeom>
         </p:spPr>
         <p:txBody>
-          <a:bodyPr anchorCtr="0" anchor="t" bIns="91425" lIns="91425" spcFirstLastPara="1" rIns="91425" wrap="square" tIns="91425">
+          <a:bodyPr spcFirstLastPara="1" wrap="square" lIns="91425" tIns="91425" rIns="91425" bIns="91425" anchor="t" anchorCtr="0">
             <a:normAutofit/>
           </a:bodyPr>
           <a:lstStyle>
-            <a:lvl1pPr indent="-311150" lvl="0" marL="457200">
+            <a:lvl1pPr marL="457200" lvl="0" indent="-311150">
               <a:spcBef>
                 <a:spcPts val="0"/>
               </a:spcBef>
@@ -4818,7 +4929,7 @@
               <a:buChar char="●"/>
               <a:defRPr/>
             </a:lvl1pPr>
-            <a:lvl2pPr indent="-298450" lvl="1" marL="914400">
+            <a:lvl2pPr marL="914400" lvl="1" indent="-298450">
               <a:spcBef>
                 <a:spcPts val="0"/>
               </a:spcBef>
@@ -4829,7 +4940,7 @@
               <a:buChar char="○"/>
               <a:defRPr/>
             </a:lvl2pPr>
-            <a:lvl3pPr indent="-298450" lvl="2" marL="1371600">
+            <a:lvl3pPr marL="1371600" lvl="2" indent="-298450">
               <a:spcBef>
                 <a:spcPts val="0"/>
               </a:spcBef>
@@ -4840,7 +4951,7 @@
               <a:buChar char="■"/>
               <a:defRPr/>
             </a:lvl3pPr>
-            <a:lvl4pPr indent="-298450" lvl="3" marL="1828800">
+            <a:lvl4pPr marL="1828800" lvl="3" indent="-298450">
               <a:spcBef>
                 <a:spcPts val="0"/>
               </a:spcBef>
@@ -4851,7 +4962,7 @@
               <a:buChar char="●"/>
               <a:defRPr/>
             </a:lvl4pPr>
-            <a:lvl5pPr indent="-298450" lvl="4" marL="2286000">
+            <a:lvl5pPr marL="2286000" lvl="4" indent="-298450">
               <a:spcBef>
                 <a:spcPts val="0"/>
               </a:spcBef>
@@ -4862,7 +4973,7 @@
               <a:buChar char="○"/>
               <a:defRPr/>
             </a:lvl5pPr>
-            <a:lvl6pPr indent="-298450" lvl="5" marL="2743200">
+            <a:lvl6pPr marL="2743200" lvl="5" indent="-298450">
               <a:spcBef>
                 <a:spcPts val="0"/>
               </a:spcBef>
@@ -4873,7 +4984,7 @@
               <a:buChar char="■"/>
               <a:defRPr/>
             </a:lvl6pPr>
-            <a:lvl7pPr indent="-298450" lvl="6" marL="3200400">
+            <a:lvl7pPr marL="3200400" lvl="6" indent="-298450">
               <a:spcBef>
                 <a:spcPts val="0"/>
               </a:spcBef>
@@ -4884,7 +4995,7 @@
               <a:buChar char="●"/>
               <a:defRPr/>
             </a:lvl7pPr>
-            <a:lvl8pPr indent="-298450" lvl="7" marL="3657600">
+            <a:lvl8pPr marL="3657600" lvl="7" indent="-298450">
               <a:spcBef>
                 <a:spcPts val="0"/>
               </a:spcBef>
@@ -4895,7 +5006,7 @@
               <a:buChar char="○"/>
               <a:defRPr/>
             </a:lvl8pPr>
-            <a:lvl9pPr indent="-298450" lvl="8" marL="4114800">
+            <a:lvl9pPr marL="4114800" lvl="8" indent="-298450">
               <a:spcBef>
                 <a:spcPts val="0"/>
               </a:spcBef>
@@ -4907,15 +5018,19 @@
               <a:defRPr/>
             </a:lvl9pPr>
           </a:lstStyle>
-          <a:p/>
+          <a:p>
+            <a:endParaRPr/>
+          </a:p>
         </p:txBody>
       </p:sp>
       <p:sp>
         <p:nvSpPr>
           <p:cNvPr id="38" name="Google Shape;38;p5"/>
-          <p:cNvSpPr txBox="1"/>
+          <p:cNvSpPr txBox="1">
+            <a:spLocks noGrp="1"/>
+          </p:cNvSpPr>
           <p:nvPr>
-            <p:ph idx="2" type="body"/>
+            <p:ph type="body" idx="2"/>
           </p:nvPr>
         </p:nvSpPr>
         <p:spPr>
@@ -4928,11 +5043,11 @@
           </a:prstGeom>
         </p:spPr>
         <p:txBody>
-          <a:bodyPr anchorCtr="0" anchor="t" bIns="91425" lIns="91425" spcFirstLastPara="1" rIns="91425" wrap="square" tIns="91425">
+          <a:bodyPr spcFirstLastPara="1" wrap="square" lIns="91425" tIns="91425" rIns="91425" bIns="91425" anchor="t" anchorCtr="0">
             <a:normAutofit/>
           </a:bodyPr>
           <a:lstStyle>
-            <a:lvl1pPr indent="-311150" lvl="0" marL="457200">
+            <a:lvl1pPr marL="457200" lvl="0" indent="-311150">
               <a:spcBef>
                 <a:spcPts val="0"/>
               </a:spcBef>
@@ -4943,7 +5058,7 @@
               <a:buChar char="●"/>
               <a:defRPr/>
             </a:lvl1pPr>
-            <a:lvl2pPr indent="-298450" lvl="1" marL="914400">
+            <a:lvl2pPr marL="914400" lvl="1" indent="-298450">
               <a:spcBef>
                 <a:spcPts val="0"/>
               </a:spcBef>
@@ -4954,7 +5069,7 @@
               <a:buChar char="○"/>
               <a:defRPr/>
             </a:lvl2pPr>
-            <a:lvl3pPr indent="-298450" lvl="2" marL="1371600">
+            <a:lvl3pPr marL="1371600" lvl="2" indent="-298450">
               <a:spcBef>
                 <a:spcPts val="0"/>
               </a:spcBef>
@@ -4965,7 +5080,7 @@
               <a:buChar char="■"/>
               <a:defRPr/>
             </a:lvl3pPr>
-            <a:lvl4pPr indent="-298450" lvl="3" marL="1828800">
+            <a:lvl4pPr marL="1828800" lvl="3" indent="-298450">
               <a:spcBef>
                 <a:spcPts val="0"/>
               </a:spcBef>
@@ -4976,7 +5091,7 @@
               <a:buChar char="●"/>
               <a:defRPr/>
             </a:lvl4pPr>
-            <a:lvl5pPr indent="-298450" lvl="4" marL="2286000">
+            <a:lvl5pPr marL="2286000" lvl="4" indent="-298450">
               <a:spcBef>
                 <a:spcPts val="0"/>
               </a:spcBef>
@@ -4987,7 +5102,7 @@
               <a:buChar char="○"/>
               <a:defRPr/>
             </a:lvl5pPr>
-            <a:lvl6pPr indent="-298450" lvl="5" marL="2743200">
+            <a:lvl6pPr marL="2743200" lvl="5" indent="-298450">
               <a:spcBef>
                 <a:spcPts val="0"/>
               </a:spcBef>
@@ -4998,7 +5113,7 @@
               <a:buChar char="■"/>
               <a:defRPr/>
             </a:lvl6pPr>
-            <a:lvl7pPr indent="-298450" lvl="6" marL="3200400">
+            <a:lvl7pPr marL="3200400" lvl="6" indent="-298450">
               <a:spcBef>
                 <a:spcPts val="0"/>
               </a:spcBef>
@@ -5009,7 +5124,7 @@
               <a:buChar char="●"/>
               <a:defRPr/>
             </a:lvl7pPr>
-            <a:lvl8pPr indent="-298450" lvl="7" marL="3657600">
+            <a:lvl8pPr marL="3657600" lvl="7" indent="-298450">
               <a:spcBef>
                 <a:spcPts val="0"/>
               </a:spcBef>
@@ -5020,7 +5135,7 @@
               <a:buChar char="○"/>
               <a:defRPr/>
             </a:lvl8pPr>
-            <a:lvl9pPr indent="-298450" lvl="8" marL="4114800">
+            <a:lvl9pPr marL="4114800" lvl="8" indent="-298450">
               <a:spcBef>
                 <a:spcPts val="0"/>
               </a:spcBef>
@@ -5032,15 +5147,19 @@
               <a:defRPr/>
             </a:lvl9pPr>
           </a:lstStyle>
-          <a:p/>
+          <a:p>
+            <a:endParaRPr/>
+          </a:p>
         </p:txBody>
       </p:sp>
       <p:sp>
         <p:nvSpPr>
           <p:cNvPr id="39" name="Google Shape;39;p5"/>
-          <p:cNvSpPr txBox="1"/>
+          <p:cNvSpPr txBox="1">
+            <a:spLocks noGrp="1"/>
+          </p:cNvSpPr>
           <p:nvPr>
-            <p:ph idx="12" type="sldNum"/>
+            <p:ph type="sldNum" idx="12"/>
           </p:nvPr>
         </p:nvSpPr>
         <p:spPr>
@@ -5053,7 +5172,7 @@
           </a:prstGeom>
         </p:spPr>
         <p:txBody>
-          <a:bodyPr anchorCtr="0" anchor="ctr" bIns="91425" lIns="91425" spcFirstLastPara="1" rIns="91425" wrap="square" tIns="91425">
+          <a:bodyPr spcFirstLastPara="1" wrap="square" lIns="91425" tIns="91425" rIns="91425" bIns="91425" anchor="ctr" anchorCtr="0">
             <a:normAutofit/>
           </a:bodyPr>
           <a:lstStyle>
@@ -5095,7 +5214,7 @@
             </a:lvl9pPr>
           </a:lstStyle>
           <a:p>
-            <a:pPr indent="0" lvl="0" marL="0" rtl="0" algn="r">
+            <a:pPr marL="0" lvl="0" indent="0" algn="r" rtl="0">
               <a:spcBef>
                 <a:spcPts val="0"/>
               </a:spcBef>
@@ -5121,11 +5240,11 @@
 </file>
 
 <file path=ppt/slideLayouts/slideLayout5.xml><?xml version="1.0" encoding="utf-8"?>
-<p:sldLayout xmlns:a="http://schemas.openxmlformats.org/drawingml/2006/main" xmlns:r="http://schemas.openxmlformats.org/officeDocument/2006/relationships" xmlns:mc="http://schemas.openxmlformats.org/markup-compatibility/2006" xmlns:mv="urn:schemas-microsoft-com:mac:vml" xmlns:p="http://schemas.openxmlformats.org/presentationml/2006/main" xmlns:c="http://schemas.openxmlformats.org/drawingml/2006/chart" xmlns:dgm="http://schemas.openxmlformats.org/drawingml/2006/diagram" xmlns:o="urn:schemas-microsoft-com:office:office" xmlns:v="urn:schemas-microsoft-com:vml" xmlns:pvml="urn:schemas-microsoft-com:office:powerpoint" xmlns:com="http://schemas.openxmlformats.org/drawingml/2006/compatibility" xmlns:p14="http://schemas.microsoft.com/office/powerpoint/2010/main" xmlns:p15="http://schemas.microsoft.com/office/powerpoint/2012/main" xmlns:ahyp="http://schemas.microsoft.com/office/drawing/2018/hyperlinkcolor" matchingName="Title only" type="titleOnly">
+<p:sldLayout xmlns:a="http://schemas.openxmlformats.org/drawingml/2006/main" xmlns:r="http://schemas.openxmlformats.org/officeDocument/2006/relationships" xmlns:p="http://schemas.openxmlformats.org/presentationml/2006/main" matchingName="Title only" type="titleOnly">
   <p:cSld name="TITLE_ONLY">
     <p:spTree>
       <p:nvGrpSpPr>
-        <p:cNvPr id="40" name="Shape 40"/>
+        <p:cNvPr id="1" name="Shape 40"/>
         <p:cNvGrpSpPr/>
         <p:nvPr/>
       </p:nvGrpSpPr>
@@ -5159,23 +5278,20 @@
           </a:ln>
         </p:spPr>
         <p:txBody>
-          <a:bodyPr anchorCtr="0" anchor="ctr" bIns="91425" lIns="91425" spcFirstLastPara="1" rIns="91425" wrap="square" tIns="91425">
+          <a:bodyPr spcFirstLastPara="1" wrap="square" lIns="91425" tIns="91425" rIns="91425" bIns="91425" anchor="ctr" anchorCtr="0">
             <a:noAutofit/>
           </a:bodyPr>
           <a:lstStyle/>
           <a:p>
-            <a:pPr indent="0" lvl="0" marL="0" rtl="0" algn="l">
-              <a:spcBef>
-                <a:spcPts val="0"/>
-              </a:spcBef>
-              <a:spcAft>
-                <a:spcPts val="0"/>
-              </a:spcAft>
-              <a:buNone/>
-            </a:pPr>
-            <a:r>
-              <a:t/>
-            </a:r>
+            <a:pPr marL="0" lvl="0" indent="0" algn="l" rtl="0">
+              <a:spcBef>
+                <a:spcPts val="0"/>
+              </a:spcBef>
+              <a:spcAft>
+                <a:spcPts val="0"/>
+              </a:spcAft>
+              <a:buNone/>
+            </a:pPr>
             <a:endParaRPr/>
           </a:p>
         </p:txBody>
@@ -5216,12 +5332,12 @@
             </a:ln>
           </p:spPr>
           <p:txBody>
-            <a:bodyPr anchorCtr="0" anchor="ctr" bIns="91425" lIns="91425" spcFirstLastPara="1" rIns="91425" wrap="square" tIns="91425">
+            <a:bodyPr spcFirstLastPara="1" wrap="square" lIns="91425" tIns="91425" rIns="91425" bIns="91425" anchor="ctr" anchorCtr="0">
               <a:noAutofit/>
             </a:bodyPr>
             <a:lstStyle/>
             <a:p>
-              <a:pPr indent="0" lvl="0" marL="0" rtl="0" algn="l">
+              <a:pPr marL="0" lvl="0" indent="0" algn="l" rtl="0">
                 <a:spcBef>
                   <a:spcPts val="0"/>
                 </a:spcBef>
@@ -5230,9 +5346,6 @@
                 </a:spcAft>
                 <a:buNone/>
               </a:pPr>
-              <a:r>
-                <a:t/>
-              </a:r>
               <a:endParaRPr/>
             </a:p>
           </p:txBody>
@@ -5259,12 +5372,12 @@
             </a:ln>
           </p:spPr>
           <p:txBody>
-            <a:bodyPr anchorCtr="0" anchor="ctr" bIns="91425" lIns="91425" spcFirstLastPara="1" rIns="91425" wrap="square" tIns="91425">
+            <a:bodyPr spcFirstLastPara="1" wrap="square" lIns="91425" tIns="91425" rIns="91425" bIns="91425" anchor="ctr" anchorCtr="0">
               <a:noAutofit/>
             </a:bodyPr>
             <a:lstStyle/>
             <a:p>
-              <a:pPr indent="0" lvl="0" marL="0" rtl="0" algn="l">
+              <a:pPr marL="0" lvl="0" indent="0" algn="l" rtl="0">
                 <a:spcBef>
                   <a:spcPts val="0"/>
                 </a:spcBef>
@@ -5273,9 +5386,6 @@
                 </a:spcAft>
                 <a:buNone/>
               </a:pPr>
-              <a:r>
-                <a:t/>
-              </a:r>
               <a:endParaRPr/>
             </a:p>
           </p:txBody>
@@ -5284,7 +5394,9 @@
       <p:sp>
         <p:nvSpPr>
           <p:cNvPr id="45" name="Google Shape;45;p6"/>
-          <p:cNvSpPr txBox="1"/>
+          <p:cNvSpPr txBox="1">
+            <a:spLocks noGrp="1"/>
+          </p:cNvSpPr>
           <p:nvPr>
             <p:ph type="title"/>
           </p:nvPr>
@@ -5299,7 +5411,7 @@
           </a:prstGeom>
         </p:spPr>
         <p:txBody>
-          <a:bodyPr anchorCtr="0" anchor="t" bIns="91425" lIns="91425" spcFirstLastPara="1" rIns="91425" wrap="square" tIns="91425">
+          <a:bodyPr spcFirstLastPara="1" wrap="square" lIns="91425" tIns="91425" rIns="91425" bIns="91425" anchor="t" anchorCtr="0">
             <a:normAutofit/>
           </a:bodyPr>
           <a:lstStyle>
@@ -5403,15 +5515,19 @@
               <a:defRPr sz="2600"/>
             </a:lvl9pPr>
           </a:lstStyle>
-          <a:p/>
+          <a:p>
+            <a:endParaRPr/>
+          </a:p>
         </p:txBody>
       </p:sp>
       <p:sp>
         <p:nvSpPr>
           <p:cNvPr id="46" name="Google Shape;46;p6"/>
-          <p:cNvSpPr txBox="1"/>
+          <p:cNvSpPr txBox="1">
+            <a:spLocks noGrp="1"/>
+          </p:cNvSpPr>
           <p:nvPr>
-            <p:ph idx="12" type="sldNum"/>
+            <p:ph type="sldNum" idx="12"/>
           </p:nvPr>
         </p:nvSpPr>
         <p:spPr>
@@ -5424,7 +5540,7 @@
           </a:prstGeom>
         </p:spPr>
         <p:txBody>
-          <a:bodyPr anchorCtr="0" anchor="ctr" bIns="91425" lIns="91425" spcFirstLastPara="1" rIns="91425" wrap="square" tIns="91425">
+          <a:bodyPr spcFirstLastPara="1" wrap="square" lIns="91425" tIns="91425" rIns="91425" bIns="91425" anchor="ctr" anchorCtr="0">
             <a:normAutofit/>
           </a:bodyPr>
           <a:lstStyle>
@@ -5466,7 +5582,7 @@
             </a:lvl9pPr>
           </a:lstStyle>
           <a:p>
-            <a:pPr indent="0" lvl="0" marL="0" rtl="0" algn="r">
+            <a:pPr marL="0" lvl="0" indent="0" algn="r" rtl="0">
               <a:spcBef>
                 <a:spcPts val="0"/>
               </a:spcBef>
@@ -5492,11 +5608,11 @@
 </file>
 
 <file path=ppt/slideLayouts/slideLayout6.xml><?xml version="1.0" encoding="utf-8"?>
-<p:sldLayout xmlns:a="http://schemas.openxmlformats.org/drawingml/2006/main" xmlns:r="http://schemas.openxmlformats.org/officeDocument/2006/relationships" xmlns:mc="http://schemas.openxmlformats.org/markup-compatibility/2006" xmlns:mv="urn:schemas-microsoft-com:mac:vml" xmlns:p="http://schemas.openxmlformats.org/presentationml/2006/main" xmlns:c="http://schemas.openxmlformats.org/drawingml/2006/chart" xmlns:dgm="http://schemas.openxmlformats.org/drawingml/2006/diagram" xmlns:o="urn:schemas-microsoft-com:office:office" xmlns:v="urn:schemas-microsoft-com:vml" xmlns:pvml="urn:schemas-microsoft-com:office:powerpoint" xmlns:com="http://schemas.openxmlformats.org/drawingml/2006/compatibility" xmlns:p14="http://schemas.microsoft.com/office/powerpoint/2010/main" xmlns:p15="http://schemas.microsoft.com/office/powerpoint/2012/main" xmlns:ahyp="http://schemas.microsoft.com/office/drawing/2018/hyperlinkcolor" matchingName="One column text">
+<p:sldLayout xmlns:a="http://schemas.openxmlformats.org/drawingml/2006/main" xmlns:r="http://schemas.openxmlformats.org/officeDocument/2006/relationships" xmlns:p="http://schemas.openxmlformats.org/presentationml/2006/main" matchingName="One column text">
   <p:cSld name="ONE_COLUMN_TEXT">
     <p:spTree>
       <p:nvGrpSpPr>
-        <p:cNvPr id="47" name="Shape 47"/>
+        <p:cNvPr id="1" name="Shape 47"/>
         <p:cNvGrpSpPr/>
         <p:nvPr/>
       </p:nvGrpSpPr>
@@ -5530,23 +5646,20 @@
           </a:ln>
         </p:spPr>
         <p:txBody>
-          <a:bodyPr anchorCtr="0" anchor="ctr" bIns="91425" lIns="91425" spcFirstLastPara="1" rIns="91425" wrap="square" tIns="91425">
+          <a:bodyPr spcFirstLastPara="1" wrap="square" lIns="91425" tIns="91425" rIns="91425" bIns="91425" anchor="ctr" anchorCtr="0">
             <a:noAutofit/>
           </a:bodyPr>
           <a:lstStyle/>
           <a:p>
-            <a:pPr indent="0" lvl="0" marL="0" rtl="0" algn="l">
-              <a:spcBef>
-                <a:spcPts val="0"/>
-              </a:spcBef>
-              <a:spcAft>
-                <a:spcPts val="0"/>
-              </a:spcAft>
-              <a:buNone/>
-            </a:pPr>
-            <a:r>
-              <a:t/>
-            </a:r>
+            <a:pPr marL="0" lvl="0" indent="0" algn="l" rtl="0">
+              <a:spcBef>
+                <a:spcPts val="0"/>
+              </a:spcBef>
+              <a:spcAft>
+                <a:spcPts val="0"/>
+              </a:spcAft>
+              <a:buNone/>
+            </a:pPr>
             <a:endParaRPr/>
           </a:p>
         </p:txBody>
@@ -5587,12 +5700,12 @@
             </a:ln>
           </p:spPr>
           <p:txBody>
-            <a:bodyPr anchorCtr="0" anchor="ctr" bIns="91425" lIns="91425" spcFirstLastPara="1" rIns="91425" wrap="square" tIns="91425">
+            <a:bodyPr spcFirstLastPara="1" wrap="square" lIns="91425" tIns="91425" rIns="91425" bIns="91425" anchor="ctr" anchorCtr="0">
               <a:noAutofit/>
             </a:bodyPr>
             <a:lstStyle/>
             <a:p>
-              <a:pPr indent="0" lvl="0" marL="0" rtl="0" algn="l">
+              <a:pPr marL="0" lvl="0" indent="0" algn="l" rtl="0">
                 <a:spcBef>
                   <a:spcPts val="0"/>
                 </a:spcBef>
@@ -5601,9 +5714,6 @@
                 </a:spcAft>
                 <a:buNone/>
               </a:pPr>
-              <a:r>
-                <a:t/>
-              </a:r>
               <a:endParaRPr/>
             </a:p>
           </p:txBody>
@@ -5630,12 +5740,12 @@
             </a:ln>
           </p:spPr>
           <p:txBody>
-            <a:bodyPr anchorCtr="0" anchor="ctr" bIns="91425" lIns="91425" spcFirstLastPara="1" rIns="91425" wrap="square" tIns="91425">
+            <a:bodyPr spcFirstLastPara="1" wrap="square" lIns="91425" tIns="91425" rIns="91425" bIns="91425" anchor="ctr" anchorCtr="0">
               <a:noAutofit/>
             </a:bodyPr>
             <a:lstStyle/>
             <a:p>
-              <a:pPr indent="0" lvl="0" marL="0" rtl="0" algn="l">
+              <a:pPr marL="0" lvl="0" indent="0" algn="l" rtl="0">
                 <a:spcBef>
                   <a:spcPts val="0"/>
                 </a:spcBef>
@@ -5644,9 +5754,6 @@
                 </a:spcAft>
                 <a:buNone/>
               </a:pPr>
-              <a:r>
-                <a:t/>
-              </a:r>
               <a:endParaRPr/>
             </a:p>
           </p:txBody>
@@ -5655,7 +5762,9 @@
       <p:sp>
         <p:nvSpPr>
           <p:cNvPr id="52" name="Google Shape;52;p7"/>
-          <p:cNvSpPr txBox="1"/>
+          <p:cNvSpPr txBox="1">
+            <a:spLocks noGrp="1"/>
+          </p:cNvSpPr>
           <p:nvPr>
             <p:ph type="title"/>
           </p:nvPr>
@@ -5670,7 +5779,7 @@
           </a:prstGeom>
         </p:spPr>
         <p:txBody>
-          <a:bodyPr anchorCtr="0" anchor="t" bIns="91425" lIns="91425" spcFirstLastPara="1" rIns="91425" wrap="square" tIns="91425">
+          <a:bodyPr spcFirstLastPara="1" wrap="square" lIns="91425" tIns="91425" rIns="91425" bIns="91425" anchor="t" anchorCtr="0">
             <a:normAutofit/>
           </a:bodyPr>
           <a:lstStyle>
@@ -5774,15 +5883,19 @@
               <a:defRPr sz="2600"/>
             </a:lvl9pPr>
           </a:lstStyle>
-          <a:p/>
+          <a:p>
+            <a:endParaRPr/>
+          </a:p>
         </p:txBody>
       </p:sp>
       <p:sp>
         <p:nvSpPr>
           <p:cNvPr id="53" name="Google Shape;53;p7"/>
-          <p:cNvSpPr txBox="1"/>
+          <p:cNvSpPr txBox="1">
+            <a:spLocks noGrp="1"/>
+          </p:cNvSpPr>
           <p:nvPr>
-            <p:ph idx="1" type="body"/>
+            <p:ph type="body" idx="1"/>
           </p:nvPr>
         </p:nvSpPr>
         <p:spPr>
@@ -5795,11 +5908,11 @@
           </a:prstGeom>
         </p:spPr>
         <p:txBody>
-          <a:bodyPr anchorCtr="0" anchor="t" bIns="91425" lIns="91425" spcFirstLastPara="1" rIns="91425" wrap="square" tIns="91425">
+          <a:bodyPr spcFirstLastPara="1" wrap="square" lIns="91425" tIns="91425" rIns="91425" bIns="91425" anchor="t" anchorCtr="0">
             <a:normAutofit/>
           </a:bodyPr>
           <a:lstStyle>
-            <a:lvl1pPr indent="-311150" lvl="0" marL="457200">
+            <a:lvl1pPr marL="457200" lvl="0" indent="-311150">
               <a:spcBef>
                 <a:spcPts val="0"/>
               </a:spcBef>
@@ -5810,7 +5923,7 @@
               <a:buChar char="●"/>
               <a:defRPr/>
             </a:lvl1pPr>
-            <a:lvl2pPr indent="-298450" lvl="1" marL="914400">
+            <a:lvl2pPr marL="914400" lvl="1" indent="-298450">
               <a:spcBef>
                 <a:spcPts val="0"/>
               </a:spcBef>
@@ -5821,7 +5934,7 @@
               <a:buChar char="○"/>
               <a:defRPr/>
             </a:lvl2pPr>
-            <a:lvl3pPr indent="-298450" lvl="2" marL="1371600">
+            <a:lvl3pPr marL="1371600" lvl="2" indent="-298450">
               <a:spcBef>
                 <a:spcPts val="0"/>
               </a:spcBef>
@@ -5832,7 +5945,7 @@
               <a:buChar char="■"/>
               <a:defRPr/>
             </a:lvl3pPr>
-            <a:lvl4pPr indent="-298450" lvl="3" marL="1828800">
+            <a:lvl4pPr marL="1828800" lvl="3" indent="-298450">
               <a:spcBef>
                 <a:spcPts val="0"/>
               </a:spcBef>
@@ -5843,7 +5956,7 @@
               <a:buChar char="●"/>
               <a:defRPr/>
             </a:lvl4pPr>
-            <a:lvl5pPr indent="-298450" lvl="4" marL="2286000">
+            <a:lvl5pPr marL="2286000" lvl="4" indent="-298450">
               <a:spcBef>
                 <a:spcPts val="0"/>
               </a:spcBef>
@@ -5854,7 +5967,7 @@
               <a:buChar char="○"/>
               <a:defRPr/>
             </a:lvl5pPr>
-            <a:lvl6pPr indent="-298450" lvl="5" marL="2743200">
+            <a:lvl6pPr marL="2743200" lvl="5" indent="-298450">
               <a:spcBef>
                 <a:spcPts val="0"/>
               </a:spcBef>
@@ -5865,7 +5978,7 @@
               <a:buChar char="■"/>
               <a:defRPr/>
             </a:lvl6pPr>
-            <a:lvl7pPr indent="-298450" lvl="6" marL="3200400">
+            <a:lvl7pPr marL="3200400" lvl="6" indent="-298450">
               <a:spcBef>
                 <a:spcPts val="0"/>
               </a:spcBef>
@@ -5876,7 +5989,7 @@
               <a:buChar char="●"/>
               <a:defRPr/>
             </a:lvl7pPr>
-            <a:lvl8pPr indent="-298450" lvl="7" marL="3657600">
+            <a:lvl8pPr marL="3657600" lvl="7" indent="-298450">
               <a:spcBef>
                 <a:spcPts val="0"/>
               </a:spcBef>
@@ -5887,7 +6000,7 @@
               <a:buChar char="○"/>
               <a:defRPr/>
             </a:lvl8pPr>
-            <a:lvl9pPr indent="-298450" lvl="8" marL="4114800">
+            <a:lvl9pPr marL="4114800" lvl="8" indent="-298450">
               <a:spcBef>
                 <a:spcPts val="0"/>
               </a:spcBef>
@@ -5899,15 +6012,19 @@
               <a:defRPr/>
             </a:lvl9pPr>
           </a:lstStyle>
-          <a:p/>
+          <a:p>
+            <a:endParaRPr/>
+          </a:p>
         </p:txBody>
       </p:sp>
       <p:sp>
         <p:nvSpPr>
           <p:cNvPr id="54" name="Google Shape;54;p7"/>
-          <p:cNvSpPr txBox="1"/>
+          <p:cNvSpPr txBox="1">
+            <a:spLocks noGrp="1"/>
+          </p:cNvSpPr>
           <p:nvPr>
-            <p:ph idx="12" type="sldNum"/>
+            <p:ph type="sldNum" idx="12"/>
           </p:nvPr>
         </p:nvSpPr>
         <p:spPr>
@@ -5920,7 +6037,7 @@
           </a:prstGeom>
         </p:spPr>
         <p:txBody>
-          <a:bodyPr anchorCtr="0" anchor="ctr" bIns="91425" lIns="91425" spcFirstLastPara="1" rIns="91425" wrap="square" tIns="91425">
+          <a:bodyPr spcFirstLastPara="1" wrap="square" lIns="91425" tIns="91425" rIns="91425" bIns="91425" anchor="ctr" anchorCtr="0">
             <a:normAutofit/>
           </a:bodyPr>
           <a:lstStyle>
@@ -5962,7 +6079,7 @@
             </a:lvl9pPr>
           </a:lstStyle>
           <a:p>
-            <a:pPr indent="0" lvl="0" marL="0" rtl="0" algn="r">
+            <a:pPr marL="0" lvl="0" indent="0" algn="r" rtl="0">
               <a:spcBef>
                 <a:spcPts val="0"/>
               </a:spcBef>
@@ -5988,18 +6105,19 @@
 </file>
 
 <file path=ppt/slideLayouts/slideLayout7.xml><?xml version="1.0" encoding="utf-8"?>
-<p:sldLayout xmlns:a="http://schemas.openxmlformats.org/drawingml/2006/main" xmlns:r="http://schemas.openxmlformats.org/officeDocument/2006/relationships" xmlns:mc="http://schemas.openxmlformats.org/markup-compatibility/2006" xmlns:mv="urn:schemas-microsoft-com:mac:vml" xmlns:p="http://schemas.openxmlformats.org/presentationml/2006/main" xmlns:c="http://schemas.openxmlformats.org/drawingml/2006/chart" xmlns:dgm="http://schemas.openxmlformats.org/drawingml/2006/diagram" xmlns:o="urn:schemas-microsoft-com:office:office" xmlns:v="urn:schemas-microsoft-com:vml" xmlns:pvml="urn:schemas-microsoft-com:office:powerpoint" xmlns:com="http://schemas.openxmlformats.org/drawingml/2006/compatibility" xmlns:p14="http://schemas.microsoft.com/office/powerpoint/2010/main" xmlns:p15="http://schemas.microsoft.com/office/powerpoint/2012/main" xmlns:ahyp="http://schemas.microsoft.com/office/drawing/2018/hyperlinkcolor" matchingName="Main point">
+<p:sldLayout xmlns:a="http://schemas.openxmlformats.org/drawingml/2006/main" xmlns:r="http://schemas.openxmlformats.org/officeDocument/2006/relationships" xmlns:p="http://schemas.openxmlformats.org/presentationml/2006/main" matchingName="Main point">
   <p:cSld name="MAIN_POINT">
     <p:bg>
       <p:bgPr>
         <a:solidFill>
           <a:schemeClr val="accent3"/>
         </a:solidFill>
+        <a:effectLst/>
       </p:bgPr>
     </p:bg>
     <p:spTree>
       <p:nvGrpSpPr>
-        <p:cNvPr id="55" name="Shape 55"/>
+        <p:cNvPr id="1" name="Shape 55"/>
         <p:cNvGrpSpPr/>
         <p:nvPr/>
       </p:nvGrpSpPr>
@@ -6047,12 +6165,12 @@
             </a:ln>
           </p:spPr>
           <p:txBody>
-            <a:bodyPr anchorCtr="0" anchor="ctr" bIns="91425" lIns="91425" spcFirstLastPara="1" rIns="91425" wrap="square" tIns="91425">
+            <a:bodyPr spcFirstLastPara="1" wrap="square" lIns="91425" tIns="91425" rIns="91425" bIns="91425" anchor="ctr" anchorCtr="0">
               <a:noAutofit/>
             </a:bodyPr>
             <a:lstStyle/>
             <a:p>
-              <a:pPr indent="0" lvl="0" marL="0" rtl="0" algn="l">
+              <a:pPr marL="0" lvl="0" indent="0" algn="l" rtl="0">
                 <a:spcBef>
                   <a:spcPts val="0"/>
                 </a:spcBef>
@@ -6061,9 +6179,6 @@
                 </a:spcAft>
                 <a:buNone/>
               </a:pPr>
-              <a:r>
-                <a:t/>
-              </a:r>
               <a:endParaRPr/>
             </a:p>
           </p:txBody>
@@ -6090,12 +6205,12 @@
             </a:ln>
           </p:spPr>
           <p:txBody>
-            <a:bodyPr anchorCtr="0" anchor="ctr" bIns="91425" lIns="91425" spcFirstLastPara="1" rIns="91425" wrap="square" tIns="91425">
+            <a:bodyPr spcFirstLastPara="1" wrap="square" lIns="91425" tIns="91425" rIns="91425" bIns="91425" anchor="ctr" anchorCtr="0">
               <a:noAutofit/>
             </a:bodyPr>
             <a:lstStyle/>
             <a:p>
-              <a:pPr indent="0" lvl="0" marL="0" rtl="0" algn="l">
+              <a:pPr marL="0" lvl="0" indent="0" algn="l" rtl="0">
                 <a:spcBef>
                   <a:spcPts val="0"/>
                 </a:spcBef>
@@ -6104,9 +6219,6 @@
                 </a:spcAft>
                 <a:buNone/>
               </a:pPr>
-              <a:r>
-                <a:t/>
-              </a:r>
               <a:endParaRPr/>
             </a:p>
           </p:txBody>
@@ -6115,7 +6227,9 @@
       <p:sp>
         <p:nvSpPr>
           <p:cNvPr id="59" name="Google Shape;59;p8"/>
-          <p:cNvSpPr txBox="1"/>
+          <p:cNvSpPr txBox="1">
+            <a:spLocks noGrp="1"/>
+          </p:cNvSpPr>
           <p:nvPr>
             <p:ph type="title"/>
           </p:nvPr>
@@ -6130,7 +6244,7 @@
           </a:prstGeom>
         </p:spPr>
         <p:txBody>
-          <a:bodyPr anchorCtr="0" anchor="ctr" bIns="91425" lIns="91425" spcFirstLastPara="1" rIns="91425" wrap="square" tIns="91425">
+          <a:bodyPr spcFirstLastPara="1" wrap="square" lIns="91425" tIns="91425" rIns="91425" bIns="91425" anchor="ctr" anchorCtr="0">
             <a:normAutofit/>
           </a:bodyPr>
           <a:lstStyle>
@@ -6297,15 +6411,19 @@
               </a:defRPr>
             </a:lvl9pPr>
           </a:lstStyle>
-          <a:p/>
+          <a:p>
+            <a:endParaRPr/>
+          </a:p>
         </p:txBody>
       </p:sp>
       <p:sp>
         <p:nvSpPr>
           <p:cNvPr id="60" name="Google Shape;60;p8"/>
-          <p:cNvSpPr txBox="1"/>
+          <p:cNvSpPr txBox="1">
+            <a:spLocks noGrp="1"/>
+          </p:cNvSpPr>
           <p:nvPr>
-            <p:ph idx="12" type="sldNum"/>
+            <p:ph type="sldNum" idx="12"/>
           </p:nvPr>
         </p:nvSpPr>
         <p:spPr>
@@ -6318,7 +6436,7 @@
           </a:prstGeom>
         </p:spPr>
         <p:txBody>
-          <a:bodyPr anchorCtr="0" anchor="ctr" bIns="91425" lIns="91425" spcFirstLastPara="1" rIns="91425" wrap="square" tIns="91425">
+          <a:bodyPr spcFirstLastPara="1" wrap="square" lIns="91425" tIns="91425" rIns="91425" bIns="91425" anchor="ctr" anchorCtr="0">
             <a:normAutofit/>
           </a:bodyPr>
           <a:lstStyle>
@@ -6396,7 +6514,7 @@
             </a:lvl9pPr>
           </a:lstStyle>
           <a:p>
-            <a:pPr indent="0" lvl="0" marL="0" rtl="0" algn="r">
+            <a:pPr marL="0" lvl="0" indent="0" algn="r" rtl="0">
               <a:spcBef>
                 <a:spcPts val="0"/>
               </a:spcBef>
@@ -6422,11 +6540,11 @@
 </file>
 
 <file path=ppt/slideLayouts/slideLayout8.xml><?xml version="1.0" encoding="utf-8"?>
-<p:sldLayout xmlns:a="http://schemas.openxmlformats.org/drawingml/2006/main" xmlns:r="http://schemas.openxmlformats.org/officeDocument/2006/relationships" xmlns:mc="http://schemas.openxmlformats.org/markup-compatibility/2006" xmlns:mv="urn:schemas-microsoft-com:mac:vml" xmlns:p="http://schemas.openxmlformats.org/presentationml/2006/main" xmlns:c="http://schemas.openxmlformats.org/drawingml/2006/chart" xmlns:dgm="http://schemas.openxmlformats.org/drawingml/2006/diagram" xmlns:o="urn:schemas-microsoft-com:office:office" xmlns:v="urn:schemas-microsoft-com:vml" xmlns:pvml="urn:schemas-microsoft-com:office:powerpoint" xmlns:com="http://schemas.openxmlformats.org/drawingml/2006/compatibility" xmlns:p14="http://schemas.microsoft.com/office/powerpoint/2010/main" xmlns:p15="http://schemas.microsoft.com/office/powerpoint/2012/main" xmlns:ahyp="http://schemas.microsoft.com/office/drawing/2018/hyperlinkcolor" matchingName="Section title and description">
+<p:sldLayout xmlns:a="http://schemas.openxmlformats.org/drawingml/2006/main" xmlns:r="http://schemas.openxmlformats.org/officeDocument/2006/relationships" xmlns:p="http://schemas.openxmlformats.org/presentationml/2006/main" matchingName="Section title and description">
   <p:cSld name="SECTION_TITLE_AND_DESCRIPTION">
     <p:spTree>
       <p:nvGrpSpPr>
-        <p:cNvPr id="61" name="Shape 61"/>
+        <p:cNvPr id="1" name="Shape 61"/>
         <p:cNvGrpSpPr/>
         <p:nvPr/>
       </p:nvGrpSpPr>
@@ -6460,23 +6578,20 @@
           </a:ln>
         </p:spPr>
         <p:txBody>
-          <a:bodyPr anchorCtr="0" anchor="ctr" bIns="91425" lIns="91425" spcFirstLastPara="1" rIns="91425" wrap="square" tIns="91425">
+          <a:bodyPr spcFirstLastPara="1" wrap="square" lIns="91425" tIns="91425" rIns="91425" bIns="91425" anchor="ctr" anchorCtr="0">
             <a:noAutofit/>
           </a:bodyPr>
           <a:lstStyle/>
           <a:p>
-            <a:pPr indent="0" lvl="0" marL="0" rtl="0" algn="l">
-              <a:spcBef>
-                <a:spcPts val="0"/>
-              </a:spcBef>
-              <a:spcAft>
-                <a:spcPts val="0"/>
-              </a:spcAft>
-              <a:buNone/>
-            </a:pPr>
-            <a:r>
-              <a:t/>
-            </a:r>
+            <a:pPr marL="0" lvl="0" indent="0" algn="l" rtl="0">
+              <a:spcBef>
+                <a:spcPts val="0"/>
+              </a:spcBef>
+              <a:spcAft>
+                <a:spcPts val="0"/>
+              </a:spcAft>
+              <a:buNone/>
+            </a:pPr>
             <a:endParaRPr/>
           </a:p>
         </p:txBody>
@@ -6517,12 +6632,12 @@
             </a:ln>
           </p:spPr>
           <p:txBody>
-            <a:bodyPr anchorCtr="0" anchor="ctr" bIns="91425" lIns="91425" spcFirstLastPara="1" rIns="91425" wrap="square" tIns="91425">
+            <a:bodyPr spcFirstLastPara="1" wrap="square" lIns="91425" tIns="91425" rIns="91425" bIns="91425" anchor="ctr" anchorCtr="0">
               <a:noAutofit/>
             </a:bodyPr>
             <a:lstStyle/>
             <a:p>
-              <a:pPr indent="0" lvl="0" marL="0" rtl="0" algn="l">
+              <a:pPr marL="0" lvl="0" indent="0" algn="l" rtl="0">
                 <a:spcBef>
                   <a:spcPts val="0"/>
                 </a:spcBef>
@@ -6531,9 +6646,6 @@
                 </a:spcAft>
                 <a:buNone/>
               </a:pPr>
-              <a:r>
-                <a:t/>
-              </a:r>
               <a:endParaRPr/>
             </a:p>
           </p:txBody>
@@ -6560,12 +6672,12 @@
             </a:ln>
           </p:spPr>
           <p:txBody>
-            <a:bodyPr anchorCtr="0" anchor="ctr" bIns="91425" lIns="91425" spcFirstLastPara="1" rIns="91425" wrap="square" tIns="91425">
+            <a:bodyPr spcFirstLastPara="1" wrap="square" lIns="91425" tIns="91425" rIns="91425" bIns="91425" anchor="ctr" anchorCtr="0">
               <a:noAutofit/>
             </a:bodyPr>
             <a:lstStyle/>
             <a:p>
-              <a:pPr indent="0" lvl="0" marL="0" rtl="0" algn="l">
+              <a:pPr marL="0" lvl="0" indent="0" algn="l" rtl="0">
                 <a:spcBef>
                   <a:spcPts val="0"/>
                 </a:spcBef>
@@ -6574,9 +6686,6 @@
                 </a:spcAft>
                 <a:buNone/>
               </a:pPr>
-              <a:r>
-                <a:t/>
-              </a:r>
               <a:endParaRPr/>
             </a:p>
           </p:txBody>
@@ -6585,7 +6694,9 @@
       <p:sp>
         <p:nvSpPr>
           <p:cNvPr id="66" name="Google Shape;66;p9"/>
-          <p:cNvSpPr txBox="1"/>
+          <p:cNvSpPr txBox="1">
+            <a:spLocks noGrp="1"/>
+          </p:cNvSpPr>
           <p:nvPr>
             <p:ph type="title"/>
           </p:nvPr>
@@ -6600,7 +6711,7 @@
           </a:prstGeom>
         </p:spPr>
         <p:txBody>
-          <a:bodyPr anchorCtr="0" anchor="t" bIns="91425" lIns="91425" spcFirstLastPara="1" rIns="91425" wrap="square" tIns="91425">
+          <a:bodyPr spcFirstLastPara="1" wrap="square" lIns="91425" tIns="91425" rIns="91425" bIns="91425" anchor="t" anchorCtr="0">
             <a:normAutofit/>
           </a:bodyPr>
           <a:lstStyle>
@@ -6704,15 +6815,19 @@
               <a:defRPr sz="2600"/>
             </a:lvl9pPr>
           </a:lstStyle>
-          <a:p/>
+          <a:p>
+            <a:endParaRPr/>
+          </a:p>
         </p:txBody>
       </p:sp>
       <p:sp>
         <p:nvSpPr>
           <p:cNvPr id="67" name="Google Shape;67;p9"/>
-          <p:cNvSpPr txBox="1"/>
+          <p:cNvSpPr txBox="1">
+            <a:spLocks noGrp="1"/>
+          </p:cNvSpPr>
           <p:nvPr>
-            <p:ph idx="1" type="subTitle"/>
+            <p:ph type="subTitle" idx="1"/>
           </p:nvPr>
         </p:nvSpPr>
         <p:spPr>
@@ -6725,7 +6840,7 @@
           </a:prstGeom>
         </p:spPr>
         <p:txBody>
-          <a:bodyPr anchorCtr="0" anchor="t" bIns="91425" lIns="91425" spcFirstLastPara="1" rIns="91425" wrap="square" tIns="91425">
+          <a:bodyPr spcFirstLastPara="1" wrap="square" lIns="91425" tIns="91425" rIns="91425" bIns="91425" anchor="t" anchorCtr="0">
             <a:normAutofit/>
           </a:bodyPr>
           <a:lstStyle>
@@ -6856,15 +6971,19 @@
               <a:defRPr sz="1600"/>
             </a:lvl9pPr>
           </a:lstStyle>
-          <a:p/>
+          <a:p>
+            <a:endParaRPr/>
+          </a:p>
         </p:txBody>
       </p:sp>
       <p:sp>
         <p:nvSpPr>
           <p:cNvPr id="68" name="Google Shape;68;p9"/>
-          <p:cNvSpPr txBox="1"/>
+          <p:cNvSpPr txBox="1">
+            <a:spLocks noGrp="1"/>
+          </p:cNvSpPr>
           <p:nvPr>
-            <p:ph idx="2" type="body"/>
+            <p:ph type="body" idx="2"/>
           </p:nvPr>
         </p:nvSpPr>
         <p:spPr>
@@ -6877,11 +6996,11 @@
           </a:prstGeom>
         </p:spPr>
         <p:txBody>
-          <a:bodyPr anchorCtr="0" anchor="t" bIns="91425" lIns="91425" spcFirstLastPara="1" rIns="91425" wrap="square" tIns="91425">
+          <a:bodyPr spcFirstLastPara="1" wrap="square" lIns="91425" tIns="91425" rIns="91425" bIns="91425" anchor="t" anchorCtr="0">
             <a:normAutofit/>
           </a:bodyPr>
           <a:lstStyle>
-            <a:lvl1pPr indent="-311150" lvl="0" marL="457200">
+            <a:lvl1pPr marL="457200" lvl="0" indent="-311150">
               <a:spcBef>
                 <a:spcPts val="0"/>
               </a:spcBef>
@@ -6892,7 +7011,7 @@
               <a:buChar char="●"/>
               <a:defRPr/>
             </a:lvl1pPr>
-            <a:lvl2pPr indent="-298450" lvl="1" marL="914400">
+            <a:lvl2pPr marL="914400" lvl="1" indent="-298450">
               <a:spcBef>
                 <a:spcPts val="0"/>
               </a:spcBef>
@@ -6903,7 +7022,7 @@
               <a:buChar char="○"/>
               <a:defRPr/>
             </a:lvl2pPr>
-            <a:lvl3pPr indent="-298450" lvl="2" marL="1371600">
+            <a:lvl3pPr marL="1371600" lvl="2" indent="-298450">
               <a:spcBef>
                 <a:spcPts val="0"/>
               </a:spcBef>
@@ -6914,7 +7033,7 @@
               <a:buChar char="■"/>
               <a:defRPr/>
             </a:lvl3pPr>
-            <a:lvl4pPr indent="-298450" lvl="3" marL="1828800">
+            <a:lvl4pPr marL="1828800" lvl="3" indent="-298450">
               <a:spcBef>
                 <a:spcPts val="0"/>
               </a:spcBef>
@@ -6925,7 +7044,7 @@
               <a:buChar char="●"/>
               <a:defRPr/>
             </a:lvl4pPr>
-            <a:lvl5pPr indent="-298450" lvl="4" marL="2286000">
+            <a:lvl5pPr marL="2286000" lvl="4" indent="-298450">
               <a:spcBef>
                 <a:spcPts val="0"/>
               </a:spcBef>
@@ -6936,7 +7055,7 @@
               <a:buChar char="○"/>
               <a:defRPr/>
             </a:lvl5pPr>
-            <a:lvl6pPr indent="-298450" lvl="5" marL="2743200">
+            <a:lvl6pPr marL="2743200" lvl="5" indent="-298450">
               <a:spcBef>
                 <a:spcPts val="0"/>
               </a:spcBef>
@@ -6947,7 +7066,7 @@
               <a:buChar char="■"/>
               <a:defRPr/>
             </a:lvl6pPr>
-            <a:lvl7pPr indent="-298450" lvl="6" marL="3200400">
+            <a:lvl7pPr marL="3200400" lvl="6" indent="-298450">
               <a:spcBef>
                 <a:spcPts val="0"/>
               </a:spcBef>
@@ -6958,7 +7077,7 @@
               <a:buChar char="●"/>
               <a:defRPr/>
             </a:lvl7pPr>
-            <a:lvl8pPr indent="-298450" lvl="7" marL="3657600">
+            <a:lvl8pPr marL="3657600" lvl="7" indent="-298450">
               <a:spcBef>
                 <a:spcPts val="0"/>
               </a:spcBef>
@@ -6969,7 +7088,7 @@
               <a:buChar char="○"/>
               <a:defRPr/>
             </a:lvl8pPr>
-            <a:lvl9pPr indent="-298450" lvl="8" marL="4114800">
+            <a:lvl9pPr marL="4114800" lvl="8" indent="-298450">
               <a:spcBef>
                 <a:spcPts val="0"/>
               </a:spcBef>
@@ -6981,15 +7100,19 @@
               <a:defRPr/>
             </a:lvl9pPr>
           </a:lstStyle>
-          <a:p/>
+          <a:p>
+            <a:endParaRPr/>
+          </a:p>
         </p:txBody>
       </p:sp>
       <p:sp>
         <p:nvSpPr>
           <p:cNvPr id="69" name="Google Shape;69;p9"/>
-          <p:cNvSpPr txBox="1"/>
+          <p:cNvSpPr txBox="1">
+            <a:spLocks noGrp="1"/>
+          </p:cNvSpPr>
           <p:nvPr>
-            <p:ph idx="12" type="sldNum"/>
+            <p:ph type="sldNum" idx="12"/>
           </p:nvPr>
         </p:nvSpPr>
         <p:spPr>
@@ -7002,7 +7125,7 @@
           </a:prstGeom>
         </p:spPr>
         <p:txBody>
-          <a:bodyPr anchorCtr="0" anchor="ctr" bIns="91425" lIns="91425" spcFirstLastPara="1" rIns="91425" wrap="square" tIns="91425">
+          <a:bodyPr spcFirstLastPara="1" wrap="square" lIns="91425" tIns="91425" rIns="91425" bIns="91425" anchor="ctr" anchorCtr="0">
             <a:normAutofit/>
           </a:bodyPr>
           <a:lstStyle>
@@ -7044,7 +7167,7 @@
             </a:lvl9pPr>
           </a:lstStyle>
           <a:p>
-            <a:pPr indent="0" lvl="0" marL="0" rtl="0" algn="r">
+            <a:pPr marL="0" lvl="0" indent="0" algn="r" rtl="0">
               <a:spcBef>
                 <a:spcPts val="0"/>
               </a:spcBef>
@@ -7070,11 +7193,11 @@
 </file>
 
 <file path=ppt/slideLayouts/slideLayout9.xml><?xml version="1.0" encoding="utf-8"?>
-<p:sldLayout xmlns:a="http://schemas.openxmlformats.org/drawingml/2006/main" xmlns:r="http://schemas.openxmlformats.org/officeDocument/2006/relationships" xmlns:mc="http://schemas.openxmlformats.org/markup-compatibility/2006" xmlns:mv="urn:schemas-microsoft-com:mac:vml" xmlns:p="http://schemas.openxmlformats.org/presentationml/2006/main" xmlns:c="http://schemas.openxmlformats.org/drawingml/2006/chart" xmlns:dgm="http://schemas.openxmlformats.org/drawingml/2006/diagram" xmlns:o="urn:schemas-microsoft-com:office:office" xmlns:v="urn:schemas-microsoft-com:vml" xmlns:pvml="urn:schemas-microsoft-com:office:powerpoint" xmlns:com="http://schemas.openxmlformats.org/drawingml/2006/compatibility" xmlns:p14="http://schemas.microsoft.com/office/powerpoint/2010/main" xmlns:p15="http://schemas.microsoft.com/office/powerpoint/2012/main" xmlns:ahyp="http://schemas.microsoft.com/office/drawing/2018/hyperlinkcolor" matchingName="Caption">
+<p:sldLayout xmlns:a="http://schemas.openxmlformats.org/drawingml/2006/main" xmlns:r="http://schemas.openxmlformats.org/officeDocument/2006/relationships" xmlns:p="http://schemas.openxmlformats.org/presentationml/2006/main" matchingName="Caption">
   <p:cSld name="CAPTION_ONLY">
     <p:spTree>
       <p:nvGrpSpPr>
-        <p:cNvPr id="70" name="Shape 70"/>
+        <p:cNvPr id="1" name="Shape 70"/>
         <p:cNvGrpSpPr/>
         <p:nvPr/>
       </p:nvGrpSpPr>
@@ -7089,9 +7212,11 @@
       <p:sp>
         <p:nvSpPr>
           <p:cNvPr id="71" name="Google Shape;71;p10"/>
-          <p:cNvSpPr txBox="1"/>
+          <p:cNvSpPr txBox="1">
+            <a:spLocks noGrp="1"/>
+          </p:cNvSpPr>
           <p:nvPr>
-            <p:ph idx="1" type="body"/>
+            <p:ph type="body" idx="1"/>
           </p:nvPr>
         </p:nvSpPr>
         <p:spPr>
@@ -7104,11 +7229,11 @@
           </a:prstGeom>
         </p:spPr>
         <p:txBody>
-          <a:bodyPr anchorCtr="0" anchor="ctr" bIns="91425" lIns="91425" spcFirstLastPara="1" rIns="91425" wrap="square" tIns="91425">
+          <a:bodyPr spcFirstLastPara="1" wrap="square" lIns="91425" tIns="91425" rIns="91425" bIns="91425" anchor="ctr" anchorCtr="0">
             <a:normAutofit/>
           </a:bodyPr>
           <a:lstStyle>
-            <a:lvl1pPr indent="-228600" lvl="0" marL="457200">
+            <a:lvl1pPr marL="457200" lvl="0" indent="-228600">
               <a:lnSpc>
                 <a:spcPct val="100000"/>
               </a:lnSpc>
@@ -7123,15 +7248,19 @@
               <a:defRPr/>
             </a:lvl1pPr>
           </a:lstStyle>
-          <a:p/>
+          <a:p>
+            <a:endParaRPr/>
+          </a:p>
         </p:txBody>
       </p:sp>
       <p:sp>
         <p:nvSpPr>
           <p:cNvPr id="72" name="Google Shape;72;p10"/>
-          <p:cNvSpPr txBox="1"/>
+          <p:cNvSpPr txBox="1">
+            <a:spLocks noGrp="1"/>
+          </p:cNvSpPr>
           <p:nvPr>
-            <p:ph idx="12" type="sldNum"/>
+            <p:ph type="sldNum" idx="12"/>
           </p:nvPr>
         </p:nvSpPr>
         <p:spPr>
@@ -7144,7 +7273,7 @@
           </a:prstGeom>
         </p:spPr>
         <p:txBody>
-          <a:bodyPr anchorCtr="0" anchor="ctr" bIns="91425" lIns="91425" spcFirstLastPara="1" rIns="91425" wrap="square" tIns="91425">
+          <a:bodyPr spcFirstLastPara="1" wrap="square" lIns="91425" tIns="91425" rIns="91425" bIns="91425" anchor="ctr" anchorCtr="0">
             <a:normAutofit/>
           </a:bodyPr>
           <a:lstStyle>
@@ -7186,7 +7315,7 @@
             </a:lvl9pPr>
           </a:lstStyle>
           <a:p>
-            <a:pPr indent="0" lvl="0" marL="0" rtl="0" algn="r">
+            <a:pPr marL="0" lvl="0" indent="0" algn="r" rtl="0">
               <a:spcBef>
                 <a:spcPts val="0"/>
               </a:spcBef>
@@ -7212,18 +7341,19 @@
 </file>
 
 <file path=ppt/slideMasters/slideMaster1.xml><?xml version="1.0" encoding="utf-8"?>
-<p:sldMaster xmlns:a="http://schemas.openxmlformats.org/drawingml/2006/main" xmlns:r="http://schemas.openxmlformats.org/officeDocument/2006/relationships" xmlns:mc="http://schemas.openxmlformats.org/markup-compatibility/2006" xmlns:mv="urn:schemas-microsoft-com:mac:vml" xmlns:p="http://schemas.openxmlformats.org/presentationml/2006/main" xmlns:c="http://schemas.openxmlformats.org/drawingml/2006/chart" xmlns:dgm="http://schemas.openxmlformats.org/drawingml/2006/diagram" xmlns:o="urn:schemas-microsoft-com:office:office" xmlns:v="urn:schemas-microsoft-com:vml" xmlns:pvml="urn:schemas-microsoft-com:office:powerpoint" xmlns:com="http://schemas.openxmlformats.org/drawingml/2006/compatibility" xmlns:p14="http://schemas.microsoft.com/office/powerpoint/2010/main" xmlns:p15="http://schemas.microsoft.com/office/powerpoint/2012/main" xmlns:ahyp="http://schemas.microsoft.com/office/drawing/2018/hyperlinkcolor">
+<p:sldMaster xmlns:a="http://schemas.openxmlformats.org/drawingml/2006/main" xmlns:r="http://schemas.openxmlformats.org/officeDocument/2006/relationships" xmlns:p="http://schemas.openxmlformats.org/presentationml/2006/main">
   <p:cSld name="streamline">
     <p:bg>
       <p:bgPr>
         <a:solidFill>
           <a:schemeClr val="lt1"/>
         </a:solidFill>
+        <a:effectLst/>
       </p:bgPr>
     </p:bg>
     <p:spTree>
       <p:nvGrpSpPr>
-        <p:cNvPr id="5" name="Shape 5"/>
+        <p:cNvPr id="1" name="Shape 5"/>
         <p:cNvGrpSpPr/>
         <p:nvPr/>
       </p:nvGrpSpPr>
@@ -7238,7 +7368,9 @@
       <p:sp>
         <p:nvSpPr>
           <p:cNvPr id="6" name="Google Shape;6;p1"/>
-          <p:cNvSpPr txBox="1"/>
+          <p:cNvSpPr txBox="1">
+            <a:spLocks noGrp="1"/>
+          </p:cNvSpPr>
           <p:nvPr>
             <p:ph type="title"/>
           </p:nvPr>
@@ -7257,7 +7389,7 @@
           </a:ln>
         </p:spPr>
         <p:txBody>
-          <a:bodyPr anchorCtr="0" anchor="t" bIns="91425" lIns="91425" spcFirstLastPara="1" rIns="91425" wrap="square" tIns="91425">
+          <a:bodyPr spcFirstLastPara="1" wrap="square" lIns="91425" tIns="91425" rIns="91425" bIns="91425" anchor="t" anchorCtr="0">
             <a:normAutofit/>
           </a:bodyPr>
           <a:lstStyle>
@@ -7274,7 +7406,7 @@
               <a:buSzPts val="2800"/>
               <a:buFont typeface="Raleway"/>
               <a:buNone/>
-              <a:defRPr b="1" sz="2800">
+              <a:defRPr sz="2800" b="1">
                 <a:solidFill>
                   <a:schemeClr val="dk2"/>
                 </a:solidFill>
@@ -7297,7 +7429,7 @@
               <a:buSzPts val="2800"/>
               <a:buFont typeface="Raleway"/>
               <a:buNone/>
-              <a:defRPr b="1" sz="2800">
+              <a:defRPr sz="2800" b="1">
                 <a:solidFill>
                   <a:schemeClr val="dk2"/>
                 </a:solidFill>
@@ -7320,7 +7452,7 @@
               <a:buSzPts val="2800"/>
               <a:buFont typeface="Raleway"/>
               <a:buNone/>
-              <a:defRPr b="1" sz="2800">
+              <a:defRPr sz="2800" b="1">
                 <a:solidFill>
                   <a:schemeClr val="dk2"/>
                 </a:solidFill>
@@ -7343,7 +7475,7 @@
               <a:buSzPts val="2800"/>
               <a:buFont typeface="Raleway"/>
               <a:buNone/>
-              <a:defRPr b="1" sz="2800">
+              <a:defRPr sz="2800" b="1">
                 <a:solidFill>
                   <a:schemeClr val="dk2"/>
                 </a:solidFill>
@@ -7366,7 +7498,7 @@
               <a:buSzPts val="2800"/>
               <a:buFont typeface="Raleway"/>
               <a:buNone/>
-              <a:defRPr b="1" sz="2800">
+              <a:defRPr sz="2800" b="1">
                 <a:solidFill>
                   <a:schemeClr val="dk2"/>
                 </a:solidFill>
@@ -7389,7 +7521,7 @@
               <a:buSzPts val="2800"/>
               <a:buFont typeface="Raleway"/>
               <a:buNone/>
-              <a:defRPr b="1" sz="2800">
+              <a:defRPr sz="2800" b="1">
                 <a:solidFill>
                   <a:schemeClr val="dk2"/>
                 </a:solidFill>
@@ -7412,7 +7544,7 @@
               <a:buSzPts val="2800"/>
               <a:buFont typeface="Raleway"/>
               <a:buNone/>
-              <a:defRPr b="1" sz="2800">
+              <a:defRPr sz="2800" b="1">
                 <a:solidFill>
                   <a:schemeClr val="dk2"/>
                 </a:solidFill>
@@ -7435,7 +7567,7 @@
               <a:buSzPts val="2800"/>
               <a:buFont typeface="Raleway"/>
               <a:buNone/>
-              <a:defRPr b="1" sz="2800">
+              <a:defRPr sz="2800" b="1">
                 <a:solidFill>
                   <a:schemeClr val="dk2"/>
                 </a:solidFill>
@@ -7458,7 +7590,7 @@
               <a:buSzPts val="2800"/>
               <a:buFont typeface="Raleway"/>
               <a:buNone/>
-              <a:defRPr b="1" sz="2800">
+              <a:defRPr sz="2800" b="1">
                 <a:solidFill>
                   <a:schemeClr val="dk2"/>
                 </a:solidFill>
@@ -7469,15 +7601,19 @@
               </a:defRPr>
             </a:lvl9pPr>
           </a:lstStyle>
-          <a:p/>
+          <a:p>
+            <a:endParaRPr/>
+          </a:p>
         </p:txBody>
       </p:sp>
       <p:sp>
         <p:nvSpPr>
           <p:cNvPr id="7" name="Google Shape;7;p1"/>
-          <p:cNvSpPr txBox="1"/>
+          <p:cNvSpPr txBox="1">
+            <a:spLocks noGrp="1"/>
+          </p:cNvSpPr>
           <p:nvPr>
-            <p:ph idx="1" type="body"/>
+            <p:ph type="body" idx="1"/>
           </p:nvPr>
         </p:nvSpPr>
         <p:spPr>
@@ -7494,11 +7630,11 @@
           </a:ln>
         </p:spPr>
         <p:txBody>
-          <a:bodyPr anchorCtr="0" anchor="t" bIns="91425" lIns="91425" spcFirstLastPara="1" rIns="91425" wrap="square" tIns="91425">
+          <a:bodyPr spcFirstLastPara="1" wrap="square" lIns="91425" tIns="91425" rIns="91425" bIns="91425" anchor="t" anchorCtr="0">
             <a:normAutofit/>
           </a:bodyPr>
           <a:lstStyle>
-            <a:lvl1pPr indent="-311150" lvl="0" marL="457200">
+            <a:lvl1pPr marL="457200" lvl="0" indent="-311150">
               <a:lnSpc>
                 <a:spcPct val="115000"/>
               </a:lnSpc>
@@ -7524,7 +7660,7 @@
                 <a:sym typeface="Lato"/>
               </a:defRPr>
             </a:lvl1pPr>
-            <a:lvl2pPr indent="-298450" lvl="1" marL="914400">
+            <a:lvl2pPr marL="914400" lvl="1" indent="-298450">
               <a:lnSpc>
                 <a:spcPct val="115000"/>
               </a:lnSpc>
@@ -7550,7 +7686,7 @@
                 <a:sym typeface="Lato"/>
               </a:defRPr>
             </a:lvl2pPr>
-            <a:lvl3pPr indent="-298450" lvl="2" marL="1371600">
+            <a:lvl3pPr marL="1371600" lvl="2" indent="-298450">
               <a:lnSpc>
                 <a:spcPct val="115000"/>
               </a:lnSpc>
@@ -7576,7 +7712,7 @@
                 <a:sym typeface="Lato"/>
               </a:defRPr>
             </a:lvl3pPr>
-            <a:lvl4pPr indent="-298450" lvl="3" marL="1828800">
+            <a:lvl4pPr marL="1828800" lvl="3" indent="-298450">
               <a:lnSpc>
                 <a:spcPct val="115000"/>
               </a:lnSpc>
@@ -7602,7 +7738,7 @@
                 <a:sym typeface="Lato"/>
               </a:defRPr>
             </a:lvl4pPr>
-            <a:lvl5pPr indent="-298450" lvl="4" marL="2286000">
+            <a:lvl5pPr marL="2286000" lvl="4" indent="-298450">
               <a:lnSpc>
                 <a:spcPct val="115000"/>
               </a:lnSpc>
@@ -7628,7 +7764,7 @@
                 <a:sym typeface="Lato"/>
               </a:defRPr>
             </a:lvl5pPr>
-            <a:lvl6pPr indent="-298450" lvl="5" marL="2743200">
+            <a:lvl6pPr marL="2743200" lvl="5" indent="-298450">
               <a:lnSpc>
                 <a:spcPct val="115000"/>
               </a:lnSpc>
@@ -7654,7 +7790,7 @@
                 <a:sym typeface="Lato"/>
               </a:defRPr>
             </a:lvl6pPr>
-            <a:lvl7pPr indent="-298450" lvl="6" marL="3200400">
+            <a:lvl7pPr marL="3200400" lvl="6" indent="-298450">
               <a:lnSpc>
                 <a:spcPct val="115000"/>
               </a:lnSpc>
@@ -7680,7 +7816,7 @@
                 <a:sym typeface="Lato"/>
               </a:defRPr>
             </a:lvl7pPr>
-            <a:lvl8pPr indent="-298450" lvl="7" marL="3657600">
+            <a:lvl8pPr marL="3657600" lvl="7" indent="-298450">
               <a:lnSpc>
                 <a:spcPct val="115000"/>
               </a:lnSpc>
@@ -7706,7 +7842,7 @@
                 <a:sym typeface="Lato"/>
               </a:defRPr>
             </a:lvl8pPr>
-            <a:lvl9pPr indent="-298450" lvl="8" marL="4114800">
+            <a:lvl9pPr marL="4114800" lvl="8" indent="-298450">
               <a:lnSpc>
                 <a:spcPct val="115000"/>
               </a:lnSpc>
@@ -7733,15 +7869,19 @@
               </a:defRPr>
             </a:lvl9pPr>
           </a:lstStyle>
-          <a:p/>
+          <a:p>
+            <a:endParaRPr/>
+          </a:p>
         </p:txBody>
       </p:sp>
       <p:sp>
         <p:nvSpPr>
           <p:cNvPr id="8" name="Google Shape;8;p1"/>
-          <p:cNvSpPr txBox="1"/>
+          <p:cNvSpPr txBox="1">
+            <a:spLocks noGrp="1"/>
+          </p:cNvSpPr>
           <p:nvPr>
-            <p:ph idx="12" type="sldNum"/>
+            <p:ph type="sldNum" idx="12"/>
           </p:nvPr>
         </p:nvSpPr>
         <p:spPr>
@@ -7758,7 +7898,7 @@
           </a:ln>
         </p:spPr>
         <p:txBody>
-          <a:bodyPr anchorCtr="0" anchor="ctr" bIns="91425" lIns="91425" spcFirstLastPara="1" rIns="91425" wrap="square" tIns="91425">
+          <a:bodyPr spcFirstLastPara="1" wrap="square" lIns="91425" tIns="91425" rIns="91425" bIns="91425" anchor="ctr" anchorCtr="0">
             <a:normAutofit/>
           </a:bodyPr>
           <a:lstStyle>
@@ -7872,7 +8012,7 @@
             </a:lvl9pPr>
           </a:lstStyle>
           <a:p>
-            <a:pPr indent="0" lvl="0" marL="0" rtl="0" algn="r">
+            <a:pPr marL="0" lvl="0" indent="0" algn="r" rtl="0">
               <a:spcBef>
                 <a:spcPts val="0"/>
               </a:spcBef>
@@ -7891,7 +8031,7 @@
       </p:sp>
     </p:spTree>
   </p:cSld>
-  <p:clrMap accent1="accent1" accent2="accent2" accent3="accent3" accent4="accent4" accent5="accent5" accent6="accent6" bg1="lt1" bg2="dk2" tx1="dk1" tx2="lt2" folHlink="folHlink" hlink="hlink"/>
+  <p:clrMap bg1="lt1" tx1="dk1" bg2="dk2" tx2="lt2" accent1="accent1" accent2="accent2" accent3="accent3" accent4="accent4" accent5="accent5" accent6="accent6" hlink="hlink" folHlink="folHlink"/>
   <p:sldLayoutIdLst>
     <p:sldLayoutId id="2147483648" r:id="rId1"/>
     <p:sldLayoutId id="2147483649" r:id="rId2"/>
@@ -7905,10 +8045,10 @@
     <p:sldLayoutId id="2147483657" r:id="rId10"/>
     <p:sldLayoutId id="2147483658" r:id="rId11"/>
   </p:sldLayoutIdLst>
-  <p:hf dt="0" ftr="0" hdr="0" sldNum="0"/>
+  <p:hf sldNum="0" hdr="0" ftr="0" dt="0"/>
   <p:txStyles>
     <p:titleStyle>
-      <a:defPPr lvl="0" marR="0" rtl="0" algn="l">
+      <a:defPPr marR="0" lvl="0" algn="l" rtl="0">
         <a:lnSpc>
           <a:spcPct val="100000"/>
         </a:lnSpc>
@@ -7919,7 +8059,7 @@
           <a:spcPts val="0"/>
         </a:spcAft>
       </a:defPPr>
-      <a:lvl1pPr lvl="0" marR="0" rtl="0" algn="l">
+      <a:lvl1pPr marR="0" lvl="0" algn="l" rtl="0">
         <a:lnSpc>
           <a:spcPct val="100000"/>
         </a:lnSpc>
@@ -7933,7 +8073,7 @@
           <a:srgbClr val="000000"/>
         </a:buClr>
         <a:buFont typeface="Arial"/>
-        <a:defRPr b="0" i="0" sz="1400" u="none" cap="none" strike="noStrike">
+        <a:defRPr sz="1400" b="0" i="0" u="none" strike="noStrike" cap="none">
           <a:solidFill>
             <a:srgbClr val="000000"/>
           </a:solidFill>
@@ -7943,7 +8083,7 @@
           <a:sym typeface="Arial"/>
         </a:defRPr>
       </a:lvl1pPr>
-      <a:lvl2pPr lvl="1" marR="0" rtl="0" algn="l">
+      <a:lvl2pPr marR="0" lvl="1" algn="l" rtl="0">
         <a:lnSpc>
           <a:spcPct val="100000"/>
         </a:lnSpc>
@@ -7957,7 +8097,7 @@
           <a:srgbClr val="000000"/>
         </a:buClr>
         <a:buFont typeface="Arial"/>
-        <a:defRPr b="0" i="0" sz="1400" u="none" cap="none" strike="noStrike">
+        <a:defRPr sz="1400" b="0" i="0" u="none" strike="noStrike" cap="none">
           <a:solidFill>
             <a:srgbClr val="000000"/>
           </a:solidFill>
@@ -7967,7 +8107,7 @@
           <a:sym typeface="Arial"/>
         </a:defRPr>
       </a:lvl2pPr>
-      <a:lvl3pPr lvl="2" marR="0" rtl="0" algn="l">
+      <a:lvl3pPr marR="0" lvl="2" algn="l" rtl="0">
         <a:lnSpc>
           <a:spcPct val="100000"/>
         </a:lnSpc>
@@ -7981,7 +8121,7 @@
           <a:srgbClr val="000000"/>
         </a:buClr>
         <a:buFont typeface="Arial"/>
-        <a:defRPr b="0" i="0" sz="1400" u="none" cap="none" strike="noStrike">
+        <a:defRPr sz="1400" b="0" i="0" u="none" strike="noStrike" cap="none">
           <a:solidFill>
             <a:srgbClr val="000000"/>
           </a:solidFill>
@@ -7991,7 +8131,7 @@
           <a:sym typeface="Arial"/>
         </a:defRPr>
       </a:lvl3pPr>
-      <a:lvl4pPr lvl="3" marR="0" rtl="0" algn="l">
+      <a:lvl4pPr marR="0" lvl="3" algn="l" rtl="0">
         <a:lnSpc>
           <a:spcPct val="100000"/>
         </a:lnSpc>
@@ -8005,7 +8145,7 @@
           <a:srgbClr val="000000"/>
         </a:buClr>
         <a:buFont typeface="Arial"/>
-        <a:defRPr b="0" i="0" sz="1400" u="none" cap="none" strike="noStrike">
+        <a:defRPr sz="1400" b="0" i="0" u="none" strike="noStrike" cap="none">
           <a:solidFill>
             <a:srgbClr val="000000"/>
           </a:solidFill>
@@ -8015,7 +8155,7 @@
           <a:sym typeface="Arial"/>
         </a:defRPr>
       </a:lvl4pPr>
-      <a:lvl5pPr lvl="4" marR="0" rtl="0" algn="l">
+      <a:lvl5pPr marR="0" lvl="4" algn="l" rtl="0">
         <a:lnSpc>
           <a:spcPct val="100000"/>
         </a:lnSpc>
@@ -8029,7 +8169,7 @@
           <a:srgbClr val="000000"/>
         </a:buClr>
         <a:buFont typeface="Arial"/>
-        <a:defRPr b="0" i="0" sz="1400" u="none" cap="none" strike="noStrike">
+        <a:defRPr sz="1400" b="0" i="0" u="none" strike="noStrike" cap="none">
           <a:solidFill>
             <a:srgbClr val="000000"/>
           </a:solidFill>
@@ -8039,7 +8179,7 @@
           <a:sym typeface="Arial"/>
         </a:defRPr>
       </a:lvl5pPr>
-      <a:lvl6pPr lvl="5" marR="0" rtl="0" algn="l">
+      <a:lvl6pPr marR="0" lvl="5" algn="l" rtl="0">
         <a:lnSpc>
           <a:spcPct val="100000"/>
         </a:lnSpc>
@@ -8053,7 +8193,7 @@
           <a:srgbClr val="000000"/>
         </a:buClr>
         <a:buFont typeface="Arial"/>
-        <a:defRPr b="0" i="0" sz="1400" u="none" cap="none" strike="noStrike">
+        <a:defRPr sz="1400" b="0" i="0" u="none" strike="noStrike" cap="none">
           <a:solidFill>
             <a:srgbClr val="000000"/>
           </a:solidFill>
@@ -8063,7 +8203,7 @@
           <a:sym typeface="Arial"/>
         </a:defRPr>
       </a:lvl6pPr>
-      <a:lvl7pPr lvl="6" marR="0" rtl="0" algn="l">
+      <a:lvl7pPr marR="0" lvl="6" algn="l" rtl="0">
         <a:lnSpc>
           <a:spcPct val="100000"/>
         </a:lnSpc>
@@ -8077,7 +8217,7 @@
           <a:srgbClr val="000000"/>
         </a:buClr>
         <a:buFont typeface="Arial"/>
-        <a:defRPr b="0" i="0" sz="1400" u="none" cap="none" strike="noStrike">
+        <a:defRPr sz="1400" b="0" i="0" u="none" strike="noStrike" cap="none">
           <a:solidFill>
             <a:srgbClr val="000000"/>
           </a:solidFill>
@@ -8087,7 +8227,7 @@
           <a:sym typeface="Arial"/>
         </a:defRPr>
       </a:lvl7pPr>
-      <a:lvl8pPr lvl="7" marR="0" rtl="0" algn="l">
+      <a:lvl8pPr marR="0" lvl="7" algn="l" rtl="0">
         <a:lnSpc>
           <a:spcPct val="100000"/>
         </a:lnSpc>
@@ -8101,7 +8241,7 @@
           <a:srgbClr val="000000"/>
         </a:buClr>
         <a:buFont typeface="Arial"/>
-        <a:defRPr b="0" i="0" sz="1400" u="none" cap="none" strike="noStrike">
+        <a:defRPr sz="1400" b="0" i="0" u="none" strike="noStrike" cap="none">
           <a:solidFill>
             <a:srgbClr val="000000"/>
           </a:solidFill>
@@ -8111,7 +8251,7 @@
           <a:sym typeface="Arial"/>
         </a:defRPr>
       </a:lvl8pPr>
-      <a:lvl9pPr lvl="8" marR="0" rtl="0" algn="l">
+      <a:lvl9pPr marR="0" lvl="8" algn="l" rtl="0">
         <a:lnSpc>
           <a:spcPct val="100000"/>
         </a:lnSpc>
@@ -8125,7 +8265,7 @@
           <a:srgbClr val="000000"/>
         </a:buClr>
         <a:buFont typeface="Arial"/>
-        <a:defRPr b="0" i="0" sz="1400" u="none" cap="none" strike="noStrike">
+        <a:defRPr sz="1400" b="0" i="0" u="none" strike="noStrike" cap="none">
           <a:solidFill>
             <a:srgbClr val="000000"/>
           </a:solidFill>
@@ -8137,7 +8277,7 @@
       </a:lvl9pPr>
     </p:titleStyle>
     <p:bodyStyle>
-      <a:defPPr lvl="0" marR="0" rtl="0" algn="l">
+      <a:defPPr marR="0" lvl="0" algn="l" rtl="0">
         <a:lnSpc>
           <a:spcPct val="100000"/>
         </a:lnSpc>
@@ -8148,7 +8288,7 @@
           <a:spcPts val="0"/>
         </a:spcAft>
       </a:defPPr>
-      <a:lvl1pPr lvl="0" marR="0" rtl="0" algn="l">
+      <a:lvl1pPr marR="0" lvl="0" algn="l" rtl="0">
         <a:lnSpc>
           <a:spcPct val="100000"/>
         </a:lnSpc>
@@ -8162,7 +8302,7 @@
           <a:srgbClr val="000000"/>
         </a:buClr>
         <a:buFont typeface="Arial"/>
-        <a:defRPr b="0" i="0" sz="1400" u="none" cap="none" strike="noStrike">
+        <a:defRPr sz="1400" b="0" i="0" u="none" strike="noStrike" cap="none">
           <a:solidFill>
             <a:srgbClr val="000000"/>
           </a:solidFill>
@@ -8172,7 +8312,7 @@
           <a:sym typeface="Arial"/>
         </a:defRPr>
       </a:lvl1pPr>
-      <a:lvl2pPr lvl="1" marR="0" rtl="0" algn="l">
+      <a:lvl2pPr marR="0" lvl="1" algn="l" rtl="0">
         <a:lnSpc>
           <a:spcPct val="100000"/>
         </a:lnSpc>
@@ -8186,7 +8326,7 @@
           <a:srgbClr val="000000"/>
         </a:buClr>
         <a:buFont typeface="Arial"/>
-        <a:defRPr b="0" i="0" sz="1400" u="none" cap="none" strike="noStrike">
+        <a:defRPr sz="1400" b="0" i="0" u="none" strike="noStrike" cap="none">
           <a:solidFill>
             <a:srgbClr val="000000"/>
           </a:solidFill>
@@ -8196,7 +8336,7 @@
           <a:sym typeface="Arial"/>
         </a:defRPr>
       </a:lvl2pPr>
-      <a:lvl3pPr lvl="2" marR="0" rtl="0" algn="l">
+      <a:lvl3pPr marR="0" lvl="2" algn="l" rtl="0">
         <a:lnSpc>
           <a:spcPct val="100000"/>
         </a:lnSpc>
@@ -8210,7 +8350,7 @@
           <a:srgbClr val="000000"/>
         </a:buClr>
         <a:buFont typeface="Arial"/>
-        <a:defRPr b="0" i="0" sz="1400" u="none" cap="none" strike="noStrike">
+        <a:defRPr sz="1400" b="0" i="0" u="none" strike="noStrike" cap="none">
           <a:solidFill>
             <a:srgbClr val="000000"/>
           </a:solidFill>
@@ -8220,7 +8360,7 @@
           <a:sym typeface="Arial"/>
         </a:defRPr>
       </a:lvl3pPr>
-      <a:lvl4pPr lvl="3" marR="0" rtl="0" algn="l">
+      <a:lvl4pPr marR="0" lvl="3" algn="l" rtl="0">
         <a:lnSpc>
           <a:spcPct val="100000"/>
         </a:lnSpc>
@@ -8234,7 +8374,7 @@
           <a:srgbClr val="000000"/>
         </a:buClr>
         <a:buFont typeface="Arial"/>
-        <a:defRPr b="0" i="0" sz="1400" u="none" cap="none" strike="noStrike">
+        <a:defRPr sz="1400" b="0" i="0" u="none" strike="noStrike" cap="none">
           <a:solidFill>
             <a:srgbClr val="000000"/>
           </a:solidFill>
@@ -8244,7 +8384,7 @@
           <a:sym typeface="Arial"/>
         </a:defRPr>
       </a:lvl4pPr>
-      <a:lvl5pPr lvl="4" marR="0" rtl="0" algn="l">
+      <a:lvl5pPr marR="0" lvl="4" algn="l" rtl="0">
         <a:lnSpc>
           <a:spcPct val="100000"/>
         </a:lnSpc>
@@ -8258,7 +8398,7 @@
           <a:srgbClr val="000000"/>
         </a:buClr>
         <a:buFont typeface="Arial"/>
-        <a:defRPr b="0" i="0" sz="1400" u="none" cap="none" strike="noStrike">
+        <a:defRPr sz="1400" b="0" i="0" u="none" strike="noStrike" cap="none">
           <a:solidFill>
             <a:srgbClr val="000000"/>
           </a:solidFill>
@@ -8268,7 +8408,7 @@
           <a:sym typeface="Arial"/>
         </a:defRPr>
       </a:lvl5pPr>
-      <a:lvl6pPr lvl="5" marR="0" rtl="0" algn="l">
+      <a:lvl6pPr marR="0" lvl="5" algn="l" rtl="0">
         <a:lnSpc>
           <a:spcPct val="100000"/>
         </a:lnSpc>
@@ -8282,7 +8422,7 @@
           <a:srgbClr val="000000"/>
         </a:buClr>
         <a:buFont typeface="Arial"/>
-        <a:defRPr b="0" i="0" sz="1400" u="none" cap="none" strike="noStrike">
+        <a:defRPr sz="1400" b="0" i="0" u="none" strike="noStrike" cap="none">
           <a:solidFill>
             <a:srgbClr val="000000"/>
           </a:solidFill>
@@ -8292,7 +8432,7 @@
           <a:sym typeface="Arial"/>
         </a:defRPr>
       </a:lvl6pPr>
-      <a:lvl7pPr lvl="6" marR="0" rtl="0" algn="l">
+      <a:lvl7pPr marR="0" lvl="6" algn="l" rtl="0">
         <a:lnSpc>
           <a:spcPct val="100000"/>
         </a:lnSpc>
@@ -8306,7 +8446,7 @@
           <a:srgbClr val="000000"/>
         </a:buClr>
         <a:buFont typeface="Arial"/>
-        <a:defRPr b="0" i="0" sz="1400" u="none" cap="none" strike="noStrike">
+        <a:defRPr sz="1400" b="0" i="0" u="none" strike="noStrike" cap="none">
           <a:solidFill>
             <a:srgbClr val="000000"/>
           </a:solidFill>
@@ -8316,7 +8456,7 @@
           <a:sym typeface="Arial"/>
         </a:defRPr>
       </a:lvl7pPr>
-      <a:lvl8pPr lvl="7" marR="0" rtl="0" algn="l">
+      <a:lvl8pPr marR="0" lvl="7" algn="l" rtl="0">
         <a:lnSpc>
           <a:spcPct val="100000"/>
         </a:lnSpc>
@@ -8330,7 +8470,7 @@
           <a:srgbClr val="000000"/>
         </a:buClr>
         <a:buFont typeface="Arial"/>
-        <a:defRPr b="0" i="0" sz="1400" u="none" cap="none" strike="noStrike">
+        <a:defRPr sz="1400" b="0" i="0" u="none" strike="noStrike" cap="none">
           <a:solidFill>
             <a:srgbClr val="000000"/>
           </a:solidFill>
@@ -8340,7 +8480,7 @@
           <a:sym typeface="Arial"/>
         </a:defRPr>
       </a:lvl8pPr>
-      <a:lvl9pPr lvl="8" marR="0" rtl="0" algn="l">
+      <a:lvl9pPr marR="0" lvl="8" algn="l" rtl="0">
         <a:lnSpc>
           <a:spcPct val="100000"/>
         </a:lnSpc>
@@ -8354,7 +8494,7 @@
           <a:srgbClr val="000000"/>
         </a:buClr>
         <a:buFont typeface="Arial"/>
-        <a:defRPr b="0" i="0" sz="1400" u="none" cap="none" strike="noStrike">
+        <a:defRPr sz="1400" b="0" i="0" u="none" strike="noStrike" cap="none">
           <a:solidFill>
             <a:srgbClr val="000000"/>
           </a:solidFill>
@@ -8366,7 +8506,7 @@
       </a:lvl9pPr>
     </p:bodyStyle>
     <p:otherStyle>
-      <a:defPPr lvl="0" marR="0" rtl="0" algn="l">
+      <a:defPPr marR="0" lvl="0" algn="l" rtl="0">
         <a:lnSpc>
           <a:spcPct val="100000"/>
         </a:lnSpc>
@@ -8377,7 +8517,7 @@
           <a:spcPts val="0"/>
         </a:spcAft>
       </a:defPPr>
-      <a:lvl1pPr lvl="0" marR="0" rtl="0" algn="l">
+      <a:lvl1pPr marR="0" lvl="0" algn="l" rtl="0">
         <a:lnSpc>
           <a:spcPct val="100000"/>
         </a:lnSpc>
@@ -8391,7 +8531,7 @@
           <a:srgbClr val="000000"/>
         </a:buClr>
         <a:buFont typeface="Arial"/>
-        <a:defRPr b="0" i="0" sz="1400" u="none" cap="none" strike="noStrike">
+        <a:defRPr sz="1400" b="0" i="0" u="none" strike="noStrike" cap="none">
           <a:solidFill>
             <a:srgbClr val="000000"/>
           </a:solidFill>
@@ -8401,7 +8541,7 @@
           <a:sym typeface="Arial"/>
         </a:defRPr>
       </a:lvl1pPr>
-      <a:lvl2pPr lvl="1" marR="0" rtl="0" algn="l">
+      <a:lvl2pPr marR="0" lvl="1" algn="l" rtl="0">
         <a:lnSpc>
           <a:spcPct val="100000"/>
         </a:lnSpc>
@@ -8415,7 +8555,7 @@
           <a:srgbClr val="000000"/>
         </a:buClr>
         <a:buFont typeface="Arial"/>
-        <a:defRPr b="0" i="0" sz="1400" u="none" cap="none" strike="noStrike">
+        <a:defRPr sz="1400" b="0" i="0" u="none" strike="noStrike" cap="none">
           <a:solidFill>
             <a:srgbClr val="000000"/>
           </a:solidFill>
@@ -8425,7 +8565,7 @@
           <a:sym typeface="Arial"/>
         </a:defRPr>
       </a:lvl2pPr>
-      <a:lvl3pPr lvl="2" marR="0" rtl="0" algn="l">
+      <a:lvl3pPr marR="0" lvl="2" algn="l" rtl="0">
         <a:lnSpc>
           <a:spcPct val="100000"/>
         </a:lnSpc>
@@ -8439,7 +8579,7 @@
           <a:srgbClr val="000000"/>
         </a:buClr>
         <a:buFont typeface="Arial"/>
-        <a:defRPr b="0" i="0" sz="1400" u="none" cap="none" strike="noStrike">
+        <a:defRPr sz="1400" b="0" i="0" u="none" strike="noStrike" cap="none">
           <a:solidFill>
             <a:srgbClr val="000000"/>
           </a:solidFill>
@@ -8449,7 +8589,7 @@
           <a:sym typeface="Arial"/>
         </a:defRPr>
       </a:lvl3pPr>
-      <a:lvl4pPr lvl="3" marR="0" rtl="0" algn="l">
+      <a:lvl4pPr marR="0" lvl="3" algn="l" rtl="0">
         <a:lnSpc>
           <a:spcPct val="100000"/>
         </a:lnSpc>
@@ -8463,7 +8603,7 @@
           <a:srgbClr val="000000"/>
         </a:buClr>
         <a:buFont typeface="Arial"/>
-        <a:defRPr b="0" i="0" sz="1400" u="none" cap="none" strike="noStrike">
+        <a:defRPr sz="1400" b="0" i="0" u="none" strike="noStrike" cap="none">
           <a:solidFill>
             <a:srgbClr val="000000"/>
           </a:solidFill>
@@ -8473,7 +8613,7 @@
           <a:sym typeface="Arial"/>
         </a:defRPr>
       </a:lvl4pPr>
-      <a:lvl5pPr lvl="4" marR="0" rtl="0" algn="l">
+      <a:lvl5pPr marR="0" lvl="4" algn="l" rtl="0">
         <a:lnSpc>
           <a:spcPct val="100000"/>
         </a:lnSpc>
@@ -8487,7 +8627,7 @@
           <a:srgbClr val="000000"/>
         </a:buClr>
         <a:buFont typeface="Arial"/>
-        <a:defRPr b="0" i="0" sz="1400" u="none" cap="none" strike="noStrike">
+        <a:defRPr sz="1400" b="0" i="0" u="none" strike="noStrike" cap="none">
           <a:solidFill>
             <a:srgbClr val="000000"/>
           </a:solidFill>
@@ -8497,7 +8637,7 @@
           <a:sym typeface="Arial"/>
         </a:defRPr>
       </a:lvl5pPr>
-      <a:lvl6pPr lvl="5" marR="0" rtl="0" algn="l">
+      <a:lvl6pPr marR="0" lvl="5" algn="l" rtl="0">
         <a:lnSpc>
           <a:spcPct val="100000"/>
         </a:lnSpc>
@@ -8511,7 +8651,7 @@
           <a:srgbClr val="000000"/>
         </a:buClr>
         <a:buFont typeface="Arial"/>
-        <a:defRPr b="0" i="0" sz="1400" u="none" cap="none" strike="noStrike">
+        <a:defRPr sz="1400" b="0" i="0" u="none" strike="noStrike" cap="none">
           <a:solidFill>
             <a:srgbClr val="000000"/>
           </a:solidFill>
@@ -8521,7 +8661,7 @@
           <a:sym typeface="Arial"/>
         </a:defRPr>
       </a:lvl6pPr>
-      <a:lvl7pPr lvl="6" marR="0" rtl="0" algn="l">
+      <a:lvl7pPr marR="0" lvl="6" algn="l" rtl="0">
         <a:lnSpc>
           <a:spcPct val="100000"/>
         </a:lnSpc>
@@ -8535,7 +8675,7 @@
           <a:srgbClr val="000000"/>
         </a:buClr>
         <a:buFont typeface="Arial"/>
-        <a:defRPr b="0" i="0" sz="1400" u="none" cap="none" strike="noStrike">
+        <a:defRPr sz="1400" b="0" i="0" u="none" strike="noStrike" cap="none">
           <a:solidFill>
             <a:srgbClr val="000000"/>
           </a:solidFill>
@@ -8545,7 +8685,7 @@
           <a:sym typeface="Arial"/>
         </a:defRPr>
       </a:lvl7pPr>
-      <a:lvl8pPr lvl="7" marR="0" rtl="0" algn="l">
+      <a:lvl8pPr marR="0" lvl="7" algn="l" rtl="0">
         <a:lnSpc>
           <a:spcPct val="100000"/>
         </a:lnSpc>
@@ -8559,7 +8699,7 @@
           <a:srgbClr val="000000"/>
         </a:buClr>
         <a:buFont typeface="Arial"/>
-        <a:defRPr b="0" i="0" sz="1400" u="none" cap="none" strike="noStrike">
+        <a:defRPr sz="1400" b="0" i="0" u="none" strike="noStrike" cap="none">
           <a:solidFill>
             <a:srgbClr val="000000"/>
           </a:solidFill>
@@ -8569,7 +8709,7 @@
           <a:sym typeface="Arial"/>
         </a:defRPr>
       </a:lvl8pPr>
-      <a:lvl9pPr lvl="8" marR="0" rtl="0" algn="l">
+      <a:lvl9pPr marR="0" lvl="8" algn="l" rtl="0">
         <a:lnSpc>
           <a:spcPct val="100000"/>
         </a:lnSpc>
@@ -8583,7 +8723,7 @@
           <a:srgbClr val="000000"/>
         </a:buClr>
         <a:buFont typeface="Arial"/>
-        <a:defRPr b="0" i="0" sz="1400" u="none" cap="none" strike="noStrike">
+        <a:defRPr sz="1400" b="0" i="0" u="none" strike="noStrike" cap="none">
           <a:solidFill>
             <a:srgbClr val="000000"/>
           </a:solidFill>
@@ -8599,11 +8739,11 @@
 </file>
 
 <file path=ppt/slides/slide1.xml><?xml version="1.0" encoding="utf-8"?>
-<p:sld xmlns:a="http://schemas.openxmlformats.org/drawingml/2006/main" xmlns:r="http://schemas.openxmlformats.org/officeDocument/2006/relationships" xmlns:mc="http://schemas.openxmlformats.org/markup-compatibility/2006" xmlns:mv="urn:schemas-microsoft-com:mac:vml" xmlns:p="http://schemas.openxmlformats.org/presentationml/2006/main" xmlns:c="http://schemas.openxmlformats.org/drawingml/2006/chart" xmlns:dgm="http://schemas.openxmlformats.org/drawingml/2006/diagram" xmlns:o="urn:schemas-microsoft-com:office:office" xmlns:v="urn:schemas-microsoft-com:vml" xmlns:pvml="urn:schemas-microsoft-com:office:powerpoint" xmlns:com="http://schemas.openxmlformats.org/drawingml/2006/compatibility" xmlns:p14="http://schemas.microsoft.com/office/powerpoint/2010/main" xmlns:p15="http://schemas.microsoft.com/office/powerpoint/2012/main" xmlns:ahyp="http://schemas.microsoft.com/office/drawing/2018/hyperlinkcolor">
+<p:sld xmlns:a="http://schemas.openxmlformats.org/drawingml/2006/main" xmlns:r="http://schemas.openxmlformats.org/officeDocument/2006/relationships" xmlns:p="http://schemas.openxmlformats.org/presentationml/2006/main">
   <p:cSld>
     <p:spTree>
       <p:nvGrpSpPr>
-        <p:cNvPr id="85" name="Shape 85"/>
+        <p:cNvPr id="1" name="Shape 85"/>
         <p:cNvGrpSpPr/>
         <p:nvPr/>
       </p:nvGrpSpPr>
@@ -8618,7 +8758,9 @@
       <p:sp>
         <p:nvSpPr>
           <p:cNvPr id="86" name="Google Shape;86;p13"/>
-          <p:cNvSpPr txBox="1"/>
+          <p:cNvSpPr txBox="1">
+            <a:spLocks noGrp="1"/>
+          </p:cNvSpPr>
           <p:nvPr>
             <p:ph type="ctrTitle"/>
           </p:nvPr>
@@ -8633,12 +8775,12 @@
           </a:prstGeom>
         </p:spPr>
         <p:txBody>
-          <a:bodyPr anchorCtr="0" anchor="t" bIns="91425" lIns="91425" spcFirstLastPara="1" rIns="91425" wrap="square" tIns="91425">
+          <a:bodyPr spcFirstLastPara="1" wrap="square" lIns="91425" tIns="91425" rIns="91425" bIns="91425" anchor="t" anchorCtr="0">
             <a:normAutofit fontScale="90000"/>
           </a:bodyPr>
           <a:lstStyle/>
           <a:p>
-            <a:pPr indent="0" lvl="0" marL="0" rtl="0" algn="l">
+            <a:pPr marL="0" lvl="0" indent="0" algn="l" rtl="0">
               <a:spcBef>
                 <a:spcPts val="0"/>
               </a:spcBef>
@@ -8658,9 +8800,11 @@
       <p:sp>
         <p:nvSpPr>
           <p:cNvPr id="87" name="Google Shape;87;p13"/>
-          <p:cNvSpPr txBox="1"/>
+          <p:cNvSpPr txBox="1">
+            <a:spLocks noGrp="1"/>
+          </p:cNvSpPr>
           <p:nvPr>
-            <p:ph idx="1" type="subTitle"/>
+            <p:ph type="subTitle" idx="1"/>
           </p:nvPr>
         </p:nvSpPr>
         <p:spPr>
@@ -8673,12 +8817,12 @@
           </a:prstGeom>
         </p:spPr>
         <p:txBody>
-          <a:bodyPr anchorCtr="0" anchor="t" bIns="91425" lIns="91425" spcFirstLastPara="1" rIns="91425" wrap="square" tIns="91425">
+          <a:bodyPr spcFirstLastPara="1" wrap="square" lIns="91425" tIns="91425" rIns="91425" bIns="91425" anchor="t" anchorCtr="0">
             <a:normAutofit fontScale="85000" lnSpcReduction="20000"/>
           </a:bodyPr>
           <a:lstStyle/>
           <a:p>
-            <a:pPr indent="0" lvl="0" marL="0" rtl="0" algn="l">
+            <a:pPr marL="0" lvl="0" indent="0" algn="l" rtl="0">
               <a:spcBef>
                 <a:spcPts val="0"/>
               </a:spcBef>
@@ -8694,7 +8838,7 @@
             <a:endParaRPr/>
           </a:p>
           <a:p>
-            <a:pPr indent="0" lvl="0" marL="0" rtl="0" algn="l">
+            <a:pPr marL="0" lvl="0" indent="0" algn="l" rtl="0">
               <a:spcBef>
                 <a:spcPts val="0"/>
               </a:spcBef>
@@ -8720,11 +8864,11 @@
 </file>
 
 <file path=ppt/slides/slide10.xml><?xml version="1.0" encoding="utf-8"?>
-<p:sld xmlns:a="http://schemas.openxmlformats.org/drawingml/2006/main" xmlns:r="http://schemas.openxmlformats.org/officeDocument/2006/relationships" xmlns:mc="http://schemas.openxmlformats.org/markup-compatibility/2006" xmlns:mv="urn:schemas-microsoft-com:mac:vml" xmlns:p="http://schemas.openxmlformats.org/presentationml/2006/main" xmlns:c="http://schemas.openxmlformats.org/drawingml/2006/chart" xmlns:dgm="http://schemas.openxmlformats.org/drawingml/2006/diagram" xmlns:o="urn:schemas-microsoft-com:office:office" xmlns:v="urn:schemas-microsoft-com:vml" xmlns:pvml="urn:schemas-microsoft-com:office:powerpoint" xmlns:com="http://schemas.openxmlformats.org/drawingml/2006/compatibility" xmlns:p14="http://schemas.microsoft.com/office/powerpoint/2010/main" xmlns:p15="http://schemas.microsoft.com/office/powerpoint/2012/main" xmlns:ahyp="http://schemas.microsoft.com/office/drawing/2018/hyperlinkcolor">
+<p:sld xmlns:a="http://schemas.openxmlformats.org/drawingml/2006/main" xmlns:r="http://schemas.openxmlformats.org/officeDocument/2006/relationships" xmlns:p="http://schemas.openxmlformats.org/presentationml/2006/main">
   <p:cSld>
     <p:spTree>
       <p:nvGrpSpPr>
-        <p:cNvPr id="142" name="Shape 142"/>
+        <p:cNvPr id="1" name="Shape 142"/>
         <p:cNvGrpSpPr/>
         <p:nvPr/>
       </p:nvGrpSpPr>
@@ -8739,7 +8883,9 @@
       <p:sp>
         <p:nvSpPr>
           <p:cNvPr id="143" name="Google Shape;143;p22"/>
-          <p:cNvSpPr txBox="1"/>
+          <p:cNvSpPr txBox="1">
+            <a:spLocks noGrp="1"/>
+          </p:cNvSpPr>
           <p:nvPr>
             <p:ph type="title"/>
           </p:nvPr>
@@ -8754,12 +8900,12 @@
           </a:prstGeom>
         </p:spPr>
         <p:txBody>
-          <a:bodyPr anchorCtr="0" anchor="t" bIns="91425" lIns="91425" spcFirstLastPara="1" rIns="91425" wrap="square" tIns="91425">
+          <a:bodyPr spcFirstLastPara="1" wrap="square" lIns="91425" tIns="91425" rIns="91425" bIns="91425" anchor="t" anchorCtr="0">
             <a:normAutofit fontScale="90000"/>
           </a:bodyPr>
           <a:lstStyle/>
           <a:p>
-            <a:pPr indent="0" lvl="0" marL="0" rtl="0" algn="l">
+            <a:pPr marL="0" lvl="0" indent="0" algn="l" rtl="0">
               <a:spcBef>
                 <a:spcPts val="0"/>
               </a:spcBef>
@@ -8813,11 +8959,11 @@
 </file>
 
 <file path=ppt/slides/slide11.xml><?xml version="1.0" encoding="utf-8"?>
-<p:sld xmlns:a="http://schemas.openxmlformats.org/drawingml/2006/main" xmlns:r="http://schemas.openxmlformats.org/officeDocument/2006/relationships" xmlns:mc="http://schemas.openxmlformats.org/markup-compatibility/2006" xmlns:mv="urn:schemas-microsoft-com:mac:vml" xmlns:p="http://schemas.openxmlformats.org/presentationml/2006/main" xmlns:c="http://schemas.openxmlformats.org/drawingml/2006/chart" xmlns:dgm="http://schemas.openxmlformats.org/drawingml/2006/diagram" xmlns:o="urn:schemas-microsoft-com:office:office" xmlns:v="urn:schemas-microsoft-com:vml" xmlns:pvml="urn:schemas-microsoft-com:office:powerpoint" xmlns:com="http://schemas.openxmlformats.org/drawingml/2006/compatibility" xmlns:p14="http://schemas.microsoft.com/office/powerpoint/2010/main" xmlns:p15="http://schemas.microsoft.com/office/powerpoint/2012/main" xmlns:ahyp="http://schemas.microsoft.com/office/drawing/2018/hyperlinkcolor">
+<p:sld xmlns:a="http://schemas.openxmlformats.org/drawingml/2006/main" xmlns:r="http://schemas.openxmlformats.org/officeDocument/2006/relationships" xmlns:p="http://schemas.openxmlformats.org/presentationml/2006/main">
   <p:cSld>
     <p:spTree>
       <p:nvGrpSpPr>
-        <p:cNvPr id="148" name="Shape 148"/>
+        <p:cNvPr id="1" name="Shape 148"/>
         <p:cNvGrpSpPr/>
         <p:nvPr/>
       </p:nvGrpSpPr>
@@ -8832,7 +8978,9 @@
       <p:sp>
         <p:nvSpPr>
           <p:cNvPr id="149" name="Google Shape;149;p23"/>
-          <p:cNvSpPr txBox="1"/>
+          <p:cNvSpPr txBox="1">
+            <a:spLocks noGrp="1"/>
+          </p:cNvSpPr>
           <p:nvPr>
             <p:ph type="title"/>
           </p:nvPr>
@@ -8847,12 +8995,12 @@
           </a:prstGeom>
         </p:spPr>
         <p:txBody>
-          <a:bodyPr anchorCtr="0" anchor="t" bIns="91425" lIns="91425" spcFirstLastPara="1" rIns="91425" wrap="square" tIns="91425">
+          <a:bodyPr spcFirstLastPara="1" wrap="square" lIns="91425" tIns="91425" rIns="91425" bIns="91425" anchor="t" anchorCtr="0">
             <a:normAutofit fontScale="90000"/>
           </a:bodyPr>
           <a:lstStyle/>
           <a:p>
-            <a:pPr indent="0" lvl="0" marL="0" rtl="0" algn="l">
+            <a:pPr marL="0" lvl="0" indent="0" algn="l" rtl="0">
               <a:spcBef>
                 <a:spcPts val="0"/>
               </a:spcBef>
@@ -8879,9 +9027,11 @@
       <p:sp>
         <p:nvSpPr>
           <p:cNvPr id="150" name="Google Shape;150;p23"/>
-          <p:cNvSpPr txBox="1"/>
+          <p:cNvSpPr txBox="1">
+            <a:spLocks noGrp="1"/>
+          </p:cNvSpPr>
           <p:nvPr>
-            <p:ph idx="1" type="body"/>
+            <p:ph type="body" idx="1"/>
           </p:nvPr>
         </p:nvSpPr>
         <p:spPr>
@@ -8894,12 +9044,12 @@
           </a:prstGeom>
         </p:spPr>
         <p:txBody>
-          <a:bodyPr anchorCtr="0" anchor="t" bIns="91425" lIns="91425" spcFirstLastPara="1" rIns="91425" wrap="square" tIns="91425">
+          <a:bodyPr spcFirstLastPara="1" wrap="square" lIns="91425" tIns="91425" rIns="91425" bIns="91425" anchor="t" anchorCtr="0">
             <a:normAutofit lnSpcReduction="10000"/>
           </a:bodyPr>
           <a:lstStyle/>
           <a:p>
-            <a:pPr indent="-311150" lvl="0" marL="457200" rtl="0" algn="l">
+            <a:pPr marL="457200" lvl="0" indent="-311150" algn="l" rtl="0">
               <a:spcBef>
                 <a:spcPts val="0"/>
               </a:spcBef>
@@ -8916,7 +9066,7 @@
             <a:endParaRPr/>
           </a:p>
           <a:p>
-            <a:pPr indent="-311150" lvl="0" marL="457200" rtl="0" algn="l">
+            <a:pPr marL="457200" lvl="0" indent="-311150" algn="l" rtl="0">
               <a:spcBef>
                 <a:spcPts val="0"/>
               </a:spcBef>
@@ -8933,7 +9083,7 @@
             <a:endParaRPr/>
           </a:p>
           <a:p>
-            <a:pPr indent="-311150" lvl="0" marL="457200" rtl="0" algn="l">
+            <a:pPr marL="457200" lvl="0" indent="-311150" algn="l" rtl="0">
               <a:spcBef>
                 <a:spcPts val="0"/>
               </a:spcBef>
@@ -9072,11 +9222,11 @@
 </file>
 
 <file path=ppt/slides/slide12.xml><?xml version="1.0" encoding="utf-8"?>
-<p:sld xmlns:a="http://schemas.openxmlformats.org/drawingml/2006/main" xmlns:r="http://schemas.openxmlformats.org/officeDocument/2006/relationships" xmlns:mc="http://schemas.openxmlformats.org/markup-compatibility/2006" xmlns:mv="urn:schemas-microsoft-com:mac:vml" xmlns:p="http://schemas.openxmlformats.org/presentationml/2006/main" xmlns:c="http://schemas.openxmlformats.org/drawingml/2006/chart" xmlns:dgm="http://schemas.openxmlformats.org/drawingml/2006/diagram" xmlns:o="urn:schemas-microsoft-com:office:office" xmlns:v="urn:schemas-microsoft-com:vml" xmlns:pvml="urn:schemas-microsoft-com:office:powerpoint" xmlns:com="http://schemas.openxmlformats.org/drawingml/2006/compatibility" xmlns:p14="http://schemas.microsoft.com/office/powerpoint/2010/main" xmlns:p15="http://schemas.microsoft.com/office/powerpoint/2012/main" xmlns:ahyp="http://schemas.microsoft.com/office/drawing/2018/hyperlinkcolor">
+<p:sld xmlns:a="http://schemas.openxmlformats.org/drawingml/2006/main" xmlns:r="http://schemas.openxmlformats.org/officeDocument/2006/relationships" xmlns:p="http://schemas.openxmlformats.org/presentationml/2006/main">
   <p:cSld>
     <p:spTree>
       <p:nvGrpSpPr>
-        <p:cNvPr id="158" name="Shape 158"/>
+        <p:cNvPr id="1" name="Shape 158"/>
         <p:cNvGrpSpPr/>
         <p:nvPr/>
       </p:nvGrpSpPr>
@@ -9091,7 +9241,9 @@
       <p:sp>
         <p:nvSpPr>
           <p:cNvPr id="159" name="Google Shape;159;p24"/>
-          <p:cNvSpPr txBox="1"/>
+          <p:cNvSpPr txBox="1">
+            <a:spLocks noGrp="1"/>
+          </p:cNvSpPr>
           <p:nvPr>
             <p:ph type="title"/>
           </p:nvPr>
@@ -9106,12 +9258,12 @@
           </a:prstGeom>
         </p:spPr>
         <p:txBody>
-          <a:bodyPr anchorCtr="0" anchor="t" bIns="91425" lIns="91425" spcFirstLastPara="1" rIns="91425" wrap="square" tIns="91425">
+          <a:bodyPr spcFirstLastPara="1" wrap="square" lIns="91425" tIns="91425" rIns="91425" bIns="91425" anchor="t" anchorCtr="0">
             <a:normAutofit fontScale="90000"/>
           </a:bodyPr>
           <a:lstStyle/>
           <a:p>
-            <a:pPr indent="0" lvl="0" marL="0" rtl="0" algn="l">
+            <a:pPr marL="0" lvl="0" indent="0" algn="l" rtl="0">
               <a:spcBef>
                 <a:spcPts val="0"/>
               </a:spcBef>
@@ -9131,9 +9283,11 @@
       <p:sp>
         <p:nvSpPr>
           <p:cNvPr id="160" name="Google Shape;160;p24"/>
-          <p:cNvSpPr txBox="1"/>
+          <p:cNvSpPr txBox="1">
+            <a:spLocks noGrp="1"/>
+          </p:cNvSpPr>
           <p:nvPr>
-            <p:ph idx="1" type="body"/>
+            <p:ph type="body" idx="1"/>
           </p:nvPr>
         </p:nvSpPr>
         <p:spPr>
@@ -9146,12 +9300,12 @@
           </a:prstGeom>
         </p:spPr>
         <p:txBody>
-          <a:bodyPr anchorCtr="0" anchor="t" bIns="91425" lIns="91425" spcFirstLastPara="1" rIns="91425" wrap="square" tIns="91425">
+          <a:bodyPr spcFirstLastPara="1" wrap="square" lIns="91425" tIns="91425" rIns="91425" bIns="91425" anchor="t" anchorCtr="0">
             <a:normAutofit/>
           </a:bodyPr>
           <a:lstStyle/>
           <a:p>
-            <a:pPr indent="-311150" lvl="0" marL="457200" rtl="0" algn="l">
+            <a:pPr marL="457200" lvl="0" indent="-311150" algn="l" rtl="0">
               <a:spcBef>
                 <a:spcPts val="0"/>
               </a:spcBef>
@@ -9168,7 +9322,7 @@
             <a:endParaRPr/>
           </a:p>
           <a:p>
-            <a:pPr indent="-311150" lvl="0" marL="457200" rtl="0" algn="l">
+            <a:pPr marL="457200" lvl="0" indent="-311150" algn="l" rtl="0">
               <a:spcBef>
                 <a:spcPts val="0"/>
               </a:spcBef>
@@ -9185,7 +9339,7 @@
             <a:endParaRPr/>
           </a:p>
           <a:p>
-            <a:pPr indent="-298450" lvl="1" marL="914400" rtl="0" algn="l">
+            <a:pPr marL="914400" lvl="1" indent="-298450" algn="l" rtl="0">
               <a:spcBef>
                 <a:spcPts val="0"/>
               </a:spcBef>
@@ -9202,7 +9356,7 @@
             <a:endParaRPr/>
           </a:p>
           <a:p>
-            <a:pPr indent="-298450" lvl="1" marL="914400" rtl="0" algn="l">
+            <a:pPr marL="914400" lvl="1" indent="-298450" algn="l" rtl="0">
               <a:spcBef>
                 <a:spcPts val="0"/>
               </a:spcBef>
@@ -9219,7 +9373,7 @@
             <a:endParaRPr/>
           </a:p>
           <a:p>
-            <a:pPr indent="-311150" lvl="0" marL="457200" rtl="0" algn="l">
+            <a:pPr marL="457200" lvl="0" indent="-311150" algn="l" rtl="0">
               <a:spcBef>
                 <a:spcPts val="0"/>
               </a:spcBef>
@@ -9240,9 +9394,11 @@
       <p:sp>
         <p:nvSpPr>
           <p:cNvPr id="161" name="Google Shape;161;p24"/>
-          <p:cNvSpPr txBox="1"/>
+          <p:cNvSpPr txBox="1">
+            <a:spLocks noGrp="1"/>
+          </p:cNvSpPr>
           <p:nvPr>
-            <p:ph idx="2" type="body"/>
+            <p:ph type="body" idx="2"/>
           </p:nvPr>
         </p:nvSpPr>
         <p:spPr>
@@ -9255,12 +9411,12 @@
           </a:prstGeom>
         </p:spPr>
         <p:txBody>
-          <a:bodyPr anchorCtr="0" anchor="t" bIns="91425" lIns="91425" spcFirstLastPara="1" rIns="91425" wrap="square" tIns="91425">
+          <a:bodyPr spcFirstLastPara="1" wrap="square" lIns="91425" tIns="91425" rIns="91425" bIns="91425" anchor="t" anchorCtr="0">
             <a:normAutofit/>
           </a:bodyPr>
           <a:lstStyle/>
           <a:p>
-            <a:pPr indent="0" lvl="0" marL="0" rtl="0" algn="l">
+            <a:pPr marL="0" lvl="0" indent="0" algn="l" rtl="0">
               <a:spcBef>
                 <a:spcPts val="0"/>
               </a:spcBef>
@@ -9269,9 +9425,6 @@
               </a:spcAft>
               <a:buNone/>
             </a:pPr>
-            <a:r>
-              <a:t/>
-            </a:r>
             <a:endParaRPr/>
           </a:p>
         </p:txBody>
@@ -9313,11 +9466,11 @@
 </file>
 
 <file path=ppt/slides/slide13.xml><?xml version="1.0" encoding="utf-8"?>
-<p:sld xmlns:a="http://schemas.openxmlformats.org/drawingml/2006/main" xmlns:r="http://schemas.openxmlformats.org/officeDocument/2006/relationships" xmlns:mc="http://schemas.openxmlformats.org/markup-compatibility/2006" xmlns:mv="urn:schemas-microsoft-com:mac:vml" xmlns:p="http://schemas.openxmlformats.org/presentationml/2006/main" xmlns:c="http://schemas.openxmlformats.org/drawingml/2006/chart" xmlns:dgm="http://schemas.openxmlformats.org/drawingml/2006/diagram" xmlns:o="urn:schemas-microsoft-com:office:office" xmlns:v="urn:schemas-microsoft-com:vml" xmlns:pvml="urn:schemas-microsoft-com:office:powerpoint" xmlns:com="http://schemas.openxmlformats.org/drawingml/2006/compatibility" xmlns:p14="http://schemas.microsoft.com/office/powerpoint/2010/main" xmlns:p15="http://schemas.microsoft.com/office/powerpoint/2012/main" xmlns:ahyp="http://schemas.microsoft.com/office/drawing/2018/hyperlinkcolor">
+<p:sld xmlns:a="http://schemas.openxmlformats.org/drawingml/2006/main" xmlns:r="http://schemas.openxmlformats.org/officeDocument/2006/relationships" xmlns:p="http://schemas.openxmlformats.org/presentationml/2006/main">
   <p:cSld>
     <p:spTree>
       <p:nvGrpSpPr>
-        <p:cNvPr id="166" name="Shape 166"/>
+        <p:cNvPr id="1" name="Shape 166"/>
         <p:cNvGrpSpPr/>
         <p:nvPr/>
       </p:nvGrpSpPr>
@@ -9332,7 +9485,9 @@
       <p:sp>
         <p:nvSpPr>
           <p:cNvPr id="167" name="Google Shape;167;p25"/>
-          <p:cNvSpPr txBox="1"/>
+          <p:cNvSpPr txBox="1">
+            <a:spLocks noGrp="1"/>
+          </p:cNvSpPr>
           <p:nvPr>
             <p:ph type="title"/>
           </p:nvPr>
@@ -9347,12 +9502,12 @@
           </a:prstGeom>
         </p:spPr>
         <p:txBody>
-          <a:bodyPr anchorCtr="0" anchor="t" bIns="91425" lIns="91425" spcFirstLastPara="1" rIns="91425" wrap="square" tIns="91425">
+          <a:bodyPr spcFirstLastPara="1" wrap="square" lIns="91425" tIns="91425" rIns="91425" bIns="91425" anchor="t" anchorCtr="0">
             <a:normAutofit fontScale="90000"/>
           </a:bodyPr>
           <a:lstStyle/>
           <a:p>
-            <a:pPr indent="0" lvl="0" marL="0" rtl="0" algn="l">
+            <a:pPr marL="0" lvl="0" indent="0" algn="l" rtl="0">
               <a:spcBef>
                 <a:spcPts val="0"/>
               </a:spcBef>
@@ -9372,9 +9527,11 @@
       <p:sp>
         <p:nvSpPr>
           <p:cNvPr id="168" name="Google Shape;168;p25"/>
-          <p:cNvSpPr txBox="1"/>
+          <p:cNvSpPr txBox="1">
+            <a:spLocks noGrp="1"/>
+          </p:cNvSpPr>
           <p:nvPr>
-            <p:ph idx="1" type="body"/>
+            <p:ph type="body" idx="1"/>
           </p:nvPr>
         </p:nvSpPr>
         <p:spPr>
@@ -9387,12 +9544,12 @@
           </a:prstGeom>
         </p:spPr>
         <p:txBody>
-          <a:bodyPr anchorCtr="0" anchor="t" bIns="91425" lIns="91425" spcFirstLastPara="1" rIns="91425" wrap="square" tIns="91425">
+          <a:bodyPr spcFirstLastPara="1" wrap="square" lIns="91425" tIns="91425" rIns="91425" bIns="91425" anchor="t" anchorCtr="0">
             <a:normAutofit/>
           </a:bodyPr>
           <a:lstStyle/>
           <a:p>
-            <a:pPr indent="-311150" lvl="0" marL="457200" rtl="0" algn="l">
+            <a:pPr marL="457200" lvl="0" indent="-311150" algn="l" rtl="0">
               <a:spcBef>
                 <a:spcPts val="0"/>
               </a:spcBef>
@@ -9404,16 +9561,12 @@
             </a:pPr>
             <a:r>
               <a:rPr lang="en"/>
-              <a:t>W</a:t>
-            </a:r>
-            <a:r>
-              <a:rPr lang="en"/>
-              <a:t>e demonstrated that "off-the-shelf" machine learning algorithms can be used to identify the hazardous nature of extraterrestrial objects. </a:t>
+              <a:t>We demonstrated that "off-the-shelf" machine learning algorithms can be used to identify the hazardous nature of extraterrestrial objects. </a:t>
             </a:r>
             <a:endParaRPr/>
           </a:p>
           <a:p>
-            <a:pPr indent="-311150" lvl="0" marL="457200" rtl="0" algn="l">
+            <a:pPr marL="457200" lvl="0" indent="-311150" algn="l" rtl="0">
               <a:spcBef>
                 <a:spcPts val="0"/>
               </a:spcBef>
@@ -9430,7 +9583,7 @@
             <a:endParaRPr/>
           </a:p>
           <a:p>
-            <a:pPr indent="-311150" lvl="0" marL="457200" rtl="0" algn="l">
+            <a:pPr marL="457200" lvl="0" indent="-311150" algn="l" rtl="0">
               <a:spcBef>
                 <a:spcPts val="0"/>
               </a:spcBef>
@@ -9447,7 +9600,7 @@
             <a:endParaRPr/>
           </a:p>
           <a:p>
-            <a:pPr indent="-311150" lvl="0" marL="457200" rtl="0" algn="l">
+            <a:pPr marL="457200" lvl="0" indent="-311150" algn="l" rtl="0">
               <a:spcBef>
                 <a:spcPts val="0"/>
               </a:spcBef>
@@ -9474,11 +9627,11 @@
 </file>
 
 <file path=ppt/slides/slide14.xml><?xml version="1.0" encoding="utf-8"?>
-<p:sld xmlns:a="http://schemas.openxmlformats.org/drawingml/2006/main" xmlns:r="http://schemas.openxmlformats.org/officeDocument/2006/relationships" xmlns:mc="http://schemas.openxmlformats.org/markup-compatibility/2006" xmlns:mv="urn:schemas-microsoft-com:mac:vml" xmlns:p="http://schemas.openxmlformats.org/presentationml/2006/main" xmlns:c="http://schemas.openxmlformats.org/drawingml/2006/chart" xmlns:dgm="http://schemas.openxmlformats.org/drawingml/2006/diagram" xmlns:o="urn:schemas-microsoft-com:office:office" xmlns:v="urn:schemas-microsoft-com:vml" xmlns:pvml="urn:schemas-microsoft-com:office:powerpoint" xmlns:com="http://schemas.openxmlformats.org/drawingml/2006/compatibility" xmlns:p14="http://schemas.microsoft.com/office/powerpoint/2010/main" xmlns:p15="http://schemas.microsoft.com/office/powerpoint/2012/main" xmlns:ahyp="http://schemas.microsoft.com/office/drawing/2018/hyperlinkcolor">
+<p:sld xmlns:a="http://schemas.openxmlformats.org/drawingml/2006/main" xmlns:r="http://schemas.openxmlformats.org/officeDocument/2006/relationships" xmlns:p="http://schemas.openxmlformats.org/presentationml/2006/main">
   <p:cSld>
     <p:spTree>
       <p:nvGrpSpPr>
-        <p:cNvPr id="172" name="Shape 172"/>
+        <p:cNvPr id="1" name="Shape 172"/>
         <p:cNvGrpSpPr/>
         <p:nvPr/>
       </p:nvGrpSpPr>
@@ -9493,7 +9646,9 @@
       <p:sp>
         <p:nvSpPr>
           <p:cNvPr id="173" name="Google Shape;173;p26"/>
-          <p:cNvSpPr txBox="1"/>
+          <p:cNvSpPr txBox="1">
+            <a:spLocks noGrp="1"/>
+          </p:cNvSpPr>
           <p:nvPr>
             <p:ph type="title"/>
           </p:nvPr>
@@ -9508,12 +9663,12 @@
           </a:prstGeom>
         </p:spPr>
         <p:txBody>
-          <a:bodyPr anchorCtr="0" anchor="t" bIns="91425" lIns="91425" spcFirstLastPara="1" rIns="91425" wrap="square" tIns="91425">
+          <a:bodyPr spcFirstLastPara="1" wrap="square" lIns="91425" tIns="91425" rIns="91425" bIns="91425" anchor="t" anchorCtr="0">
             <a:normAutofit fontScale="90000"/>
           </a:bodyPr>
           <a:lstStyle/>
           <a:p>
-            <a:pPr indent="0" lvl="0" marL="0" rtl="0" algn="l">
+            <a:pPr marL="0" lvl="0" indent="0" algn="l" rtl="0">
               <a:spcBef>
                 <a:spcPts val="0"/>
               </a:spcBef>
@@ -9533,9 +9688,11 @@
       <p:sp>
         <p:nvSpPr>
           <p:cNvPr id="174" name="Google Shape;174;p26"/>
-          <p:cNvSpPr txBox="1"/>
+          <p:cNvSpPr txBox="1">
+            <a:spLocks noGrp="1"/>
+          </p:cNvSpPr>
           <p:nvPr>
-            <p:ph idx="1" type="body"/>
+            <p:ph type="body" idx="1"/>
           </p:nvPr>
         </p:nvSpPr>
         <p:spPr>
@@ -9548,12 +9705,12 @@
           </a:prstGeom>
         </p:spPr>
         <p:txBody>
-          <a:bodyPr anchorCtr="0" anchor="t" bIns="91425" lIns="91425" spcFirstLastPara="1" rIns="91425" wrap="square" tIns="91425">
+          <a:bodyPr spcFirstLastPara="1" wrap="square" lIns="91425" tIns="91425" rIns="91425" bIns="91425" anchor="t" anchorCtr="0">
             <a:noAutofit/>
           </a:bodyPr>
           <a:lstStyle/>
           <a:p>
-            <a:pPr indent="0" lvl="0" marL="0" rtl="0" algn="l">
+            <a:pPr marL="0" lvl="0" indent="0" algn="l" rtl="0">
               <a:lnSpc>
                 <a:spcPct val="95000"/>
               </a:lnSpc>
@@ -9573,7 +9730,7 @@
             <a:endParaRPr sz="725"/>
           </a:p>
           <a:p>
-            <a:pPr indent="0" lvl="0" marL="0" rtl="0" algn="l">
+            <a:pPr marL="0" lvl="0" indent="0" algn="l" rtl="0">
               <a:lnSpc>
                 <a:spcPct val="95000"/>
               </a:lnSpc>
@@ -9593,7 +9750,7 @@
             <a:endParaRPr sz="725"/>
           </a:p>
           <a:p>
-            <a:pPr indent="0" lvl="0" marL="0" rtl="0" algn="l">
+            <a:pPr marL="0" lvl="0" indent="0" algn="l" rtl="0">
               <a:lnSpc>
                 <a:spcPct val="95000"/>
               </a:lnSpc>
@@ -9613,7 +9770,7 @@
             <a:endParaRPr sz="725"/>
           </a:p>
           <a:p>
-            <a:pPr indent="0" lvl="0" marL="0" rtl="0" algn="l">
+            <a:pPr marL="0" lvl="0" indent="0" algn="l" rtl="0">
               <a:lnSpc>
                 <a:spcPct val="95000"/>
               </a:lnSpc>
@@ -9633,7 +9790,7 @@
             <a:endParaRPr sz="725"/>
           </a:p>
           <a:p>
-            <a:pPr indent="0" lvl="0" marL="0" rtl="0" algn="l">
+            <a:pPr marL="0" lvl="0" indent="0" algn="l" rtl="0">
               <a:lnSpc>
                 <a:spcPct val="95000"/>
               </a:lnSpc>
@@ -9653,7 +9810,7 @@
             <a:endParaRPr sz="725"/>
           </a:p>
           <a:p>
-            <a:pPr indent="0" lvl="0" marL="0" rtl="0" algn="l">
+            <a:pPr marL="0" lvl="0" indent="0" algn="l" rtl="0">
               <a:lnSpc>
                 <a:spcPct val="95000"/>
               </a:lnSpc>
@@ -9673,7 +9830,7 @@
             <a:endParaRPr sz="725"/>
           </a:p>
           <a:p>
-            <a:pPr indent="0" lvl="0" marL="0" rtl="0" algn="l">
+            <a:pPr marL="0" lvl="0" indent="0" algn="l" rtl="0">
               <a:lnSpc>
                 <a:spcPct val="95000"/>
               </a:lnSpc>
@@ -9693,7 +9850,7 @@
             <a:endParaRPr sz="725"/>
           </a:p>
           <a:p>
-            <a:pPr indent="0" lvl="0" marL="0" rtl="0" algn="l">
+            <a:pPr marL="0" lvl="0" indent="0" algn="l" rtl="0">
               <a:lnSpc>
                 <a:spcPct val="95000"/>
               </a:lnSpc>
@@ -9713,7 +9870,7 @@
             <a:endParaRPr sz="725"/>
           </a:p>
           <a:p>
-            <a:pPr indent="0" lvl="0" marL="0" rtl="0" algn="l">
+            <a:pPr marL="0" lvl="0" indent="0" algn="l" rtl="0">
               <a:lnSpc>
                 <a:spcPct val="95000"/>
               </a:lnSpc>
@@ -9733,7 +9890,7 @@
             <a:endParaRPr sz="725"/>
           </a:p>
           <a:p>
-            <a:pPr indent="0" lvl="0" marL="0" rtl="0" algn="l">
+            <a:pPr marL="0" lvl="0" indent="0" algn="l" rtl="0">
               <a:lnSpc>
                 <a:spcPct val="95000"/>
               </a:lnSpc>
@@ -9763,11 +9920,11 @@
 </file>
 
 <file path=ppt/slides/slide15.xml><?xml version="1.0" encoding="utf-8"?>
-<p:sld xmlns:a="http://schemas.openxmlformats.org/drawingml/2006/main" xmlns:r="http://schemas.openxmlformats.org/officeDocument/2006/relationships" xmlns:mc="http://schemas.openxmlformats.org/markup-compatibility/2006" xmlns:mv="urn:schemas-microsoft-com:mac:vml" xmlns:p="http://schemas.openxmlformats.org/presentationml/2006/main" xmlns:c="http://schemas.openxmlformats.org/drawingml/2006/chart" xmlns:dgm="http://schemas.openxmlformats.org/drawingml/2006/diagram" xmlns:o="urn:schemas-microsoft-com:office:office" xmlns:v="urn:schemas-microsoft-com:vml" xmlns:pvml="urn:schemas-microsoft-com:office:powerpoint" xmlns:com="http://schemas.openxmlformats.org/drawingml/2006/compatibility" xmlns:p14="http://schemas.microsoft.com/office/powerpoint/2010/main" xmlns:p15="http://schemas.microsoft.com/office/powerpoint/2012/main" xmlns:ahyp="http://schemas.microsoft.com/office/drawing/2018/hyperlinkcolor">
+<p:sld xmlns:a="http://schemas.openxmlformats.org/drawingml/2006/main" xmlns:r="http://schemas.openxmlformats.org/officeDocument/2006/relationships" xmlns:p="http://schemas.openxmlformats.org/presentationml/2006/main">
   <p:cSld>
     <p:spTree>
       <p:nvGrpSpPr>
-        <p:cNvPr id="178" name="Shape 178"/>
+        <p:cNvPr id="1" name="Shape 178"/>
         <p:cNvGrpSpPr/>
         <p:nvPr/>
       </p:nvGrpSpPr>
@@ -9782,7 +9939,9 @@
       <p:sp>
         <p:nvSpPr>
           <p:cNvPr id="179" name="Google Shape;179;p27"/>
-          <p:cNvSpPr txBox="1"/>
+          <p:cNvSpPr txBox="1">
+            <a:spLocks noGrp="1"/>
+          </p:cNvSpPr>
           <p:nvPr>
             <p:ph type="title"/>
           </p:nvPr>
@@ -9797,12 +9956,12 @@
           </a:prstGeom>
         </p:spPr>
         <p:txBody>
-          <a:bodyPr anchorCtr="0" anchor="t" bIns="91425" lIns="91425" spcFirstLastPara="1" rIns="91425" wrap="square" tIns="91425">
+          <a:bodyPr spcFirstLastPara="1" wrap="square" lIns="91425" tIns="91425" rIns="91425" bIns="91425" anchor="t" anchorCtr="0">
             <a:normAutofit fontScale="90000"/>
           </a:bodyPr>
           <a:lstStyle/>
           <a:p>
-            <a:pPr indent="0" lvl="0" marL="0" rtl="0" algn="l">
+            <a:pPr marL="0" lvl="0" indent="0" algn="l" rtl="0">
               <a:spcBef>
                 <a:spcPts val="0"/>
               </a:spcBef>
@@ -9822,9 +9981,11 @@
       <p:sp>
         <p:nvSpPr>
           <p:cNvPr id="180" name="Google Shape;180;p27"/>
-          <p:cNvSpPr txBox="1"/>
+          <p:cNvSpPr txBox="1">
+            <a:spLocks noGrp="1"/>
+          </p:cNvSpPr>
           <p:nvPr>
-            <p:ph idx="1" type="body"/>
+            <p:ph type="body" idx="1"/>
           </p:nvPr>
         </p:nvSpPr>
         <p:spPr>
@@ -9837,12 +9998,12 @@
           </a:prstGeom>
         </p:spPr>
         <p:txBody>
-          <a:bodyPr anchorCtr="0" anchor="t" bIns="91425" lIns="91425" spcFirstLastPara="1" rIns="91425" wrap="square" tIns="91425">
+          <a:bodyPr spcFirstLastPara="1" wrap="square" lIns="91425" tIns="91425" rIns="91425" bIns="91425" anchor="t" anchorCtr="0">
             <a:noAutofit/>
           </a:bodyPr>
           <a:lstStyle/>
           <a:p>
-            <a:pPr indent="0" lvl="0" marL="0" rtl="0" algn="l">
+            <a:pPr marL="0" lvl="0" indent="0" algn="l" rtl="0">
               <a:lnSpc>
                 <a:spcPct val="95000"/>
               </a:lnSpc>
@@ -9862,7 +10023,7 @@
             <a:endParaRPr sz="725"/>
           </a:p>
           <a:p>
-            <a:pPr indent="0" lvl="0" marL="0" rtl="0" algn="l">
+            <a:pPr marL="0" lvl="0" indent="0" algn="l" rtl="0">
               <a:lnSpc>
                 <a:spcPct val="95000"/>
               </a:lnSpc>
@@ -9882,7 +10043,7 @@
             <a:endParaRPr sz="725"/>
           </a:p>
           <a:p>
-            <a:pPr indent="0" lvl="0" marL="0" rtl="0" algn="l">
+            <a:pPr marL="0" lvl="0" indent="0" algn="l" rtl="0">
               <a:lnSpc>
                 <a:spcPct val="95000"/>
               </a:lnSpc>
@@ -9902,7 +10063,7 @@
             <a:endParaRPr sz="725"/>
           </a:p>
           <a:p>
-            <a:pPr indent="0" lvl="0" marL="0" rtl="0" algn="l">
+            <a:pPr marL="0" lvl="0" indent="0" algn="l" rtl="0">
               <a:lnSpc>
                 <a:spcPct val="95000"/>
               </a:lnSpc>
@@ -9922,7 +10083,7 @@
             <a:endParaRPr sz="725"/>
           </a:p>
           <a:p>
-            <a:pPr indent="0" lvl="0" marL="0" rtl="0" algn="l">
+            <a:pPr marL="0" lvl="0" indent="0" algn="l" rtl="0">
               <a:lnSpc>
                 <a:spcPct val="95000"/>
               </a:lnSpc>
@@ -9942,7 +10103,7 @@
             <a:endParaRPr sz="725"/>
           </a:p>
           <a:p>
-            <a:pPr indent="0" lvl="0" marL="0" rtl="0" algn="l">
+            <a:pPr marL="0" lvl="0" indent="0" algn="l" rtl="0">
               <a:lnSpc>
                 <a:spcPct val="95000"/>
               </a:lnSpc>
@@ -9962,7 +10123,7 @@
             <a:endParaRPr sz="725"/>
           </a:p>
           <a:p>
-            <a:pPr indent="0" lvl="0" marL="0" rtl="0" algn="l">
+            <a:pPr marL="0" lvl="0" indent="0" algn="l" rtl="0">
               <a:lnSpc>
                 <a:spcPct val="95000"/>
               </a:lnSpc>
@@ -9982,7 +10143,7 @@
             <a:endParaRPr sz="725"/>
           </a:p>
           <a:p>
-            <a:pPr indent="0" lvl="0" marL="0" rtl="0" algn="l">
+            <a:pPr marL="0" lvl="0" indent="0" algn="l" rtl="0">
               <a:lnSpc>
                 <a:spcPct val="95000"/>
               </a:lnSpc>
@@ -10012,11 +10173,11 @@
 </file>
 
 <file path=ppt/slides/slide2.xml><?xml version="1.0" encoding="utf-8"?>
-<p:sld xmlns:a="http://schemas.openxmlformats.org/drawingml/2006/main" xmlns:r="http://schemas.openxmlformats.org/officeDocument/2006/relationships" xmlns:mc="http://schemas.openxmlformats.org/markup-compatibility/2006" xmlns:mv="urn:schemas-microsoft-com:mac:vml" xmlns:p="http://schemas.openxmlformats.org/presentationml/2006/main" xmlns:c="http://schemas.openxmlformats.org/drawingml/2006/chart" xmlns:dgm="http://schemas.openxmlformats.org/drawingml/2006/diagram" xmlns:o="urn:schemas-microsoft-com:office:office" xmlns:v="urn:schemas-microsoft-com:vml" xmlns:pvml="urn:schemas-microsoft-com:office:powerpoint" xmlns:com="http://schemas.openxmlformats.org/drawingml/2006/compatibility" xmlns:p14="http://schemas.microsoft.com/office/powerpoint/2010/main" xmlns:p15="http://schemas.microsoft.com/office/powerpoint/2012/main" xmlns:ahyp="http://schemas.microsoft.com/office/drawing/2018/hyperlinkcolor">
+<p:sld xmlns:a="http://schemas.openxmlformats.org/drawingml/2006/main" xmlns:r="http://schemas.openxmlformats.org/officeDocument/2006/relationships" xmlns:p="http://schemas.openxmlformats.org/presentationml/2006/main">
   <p:cSld>
     <p:spTree>
       <p:nvGrpSpPr>
-        <p:cNvPr id="91" name="Shape 91"/>
+        <p:cNvPr id="1" name="Shape 91"/>
         <p:cNvGrpSpPr/>
         <p:nvPr/>
       </p:nvGrpSpPr>
@@ -10031,7 +10192,9 @@
       <p:sp>
         <p:nvSpPr>
           <p:cNvPr id="92" name="Google Shape;92;p14"/>
-          <p:cNvSpPr txBox="1"/>
+          <p:cNvSpPr txBox="1">
+            <a:spLocks noGrp="1"/>
+          </p:cNvSpPr>
           <p:nvPr>
             <p:ph type="title"/>
           </p:nvPr>
@@ -10046,12 +10209,12 @@
           </a:prstGeom>
         </p:spPr>
         <p:txBody>
-          <a:bodyPr anchorCtr="0" anchor="t" bIns="91425" lIns="91425" spcFirstLastPara="1" rIns="91425" wrap="square" tIns="91425">
+          <a:bodyPr spcFirstLastPara="1" wrap="square" lIns="91425" tIns="91425" rIns="91425" bIns="91425" anchor="t" anchorCtr="0">
             <a:normAutofit fontScale="90000"/>
           </a:bodyPr>
           <a:lstStyle/>
           <a:p>
-            <a:pPr indent="0" lvl="0" marL="0" rtl="0" algn="l">
+            <a:pPr marL="0" lvl="0" indent="0" algn="l" rtl="0">
               <a:spcBef>
                 <a:spcPts val="0"/>
               </a:spcBef>
@@ -10071,9 +10234,11 @@
       <p:sp>
         <p:nvSpPr>
           <p:cNvPr id="93" name="Google Shape;93;p14"/>
-          <p:cNvSpPr txBox="1"/>
+          <p:cNvSpPr txBox="1">
+            <a:spLocks noGrp="1"/>
+          </p:cNvSpPr>
           <p:nvPr>
-            <p:ph idx="1" type="body"/>
+            <p:ph type="body" idx="1"/>
           </p:nvPr>
         </p:nvSpPr>
         <p:spPr>
@@ -10086,12 +10251,12 @@
           </a:prstGeom>
         </p:spPr>
         <p:txBody>
-          <a:bodyPr anchorCtr="0" anchor="t" bIns="91425" lIns="91425" spcFirstLastPara="1" rIns="91425" wrap="square" tIns="91425">
+          <a:bodyPr spcFirstLastPara="1" wrap="square" lIns="91425" tIns="91425" rIns="91425" bIns="91425" anchor="t" anchorCtr="0">
             <a:normAutofit/>
           </a:bodyPr>
           <a:lstStyle/>
           <a:p>
-            <a:pPr indent="-311150" lvl="0" marL="457200" rtl="0" algn="l">
+            <a:pPr marL="457200" lvl="0" indent="-311150" algn="l" rtl="0">
               <a:spcBef>
                 <a:spcPts val="0"/>
               </a:spcBef>
@@ -10102,7 +10267,7 @@
               <a:buChar char="●"/>
             </a:pPr>
             <a:r>
-              <a:rPr b="1" lang="en"/>
+              <a:rPr lang="en" b="1"/>
               <a:t>Edmond Halley</a:t>
             </a:r>
             <a:r>
@@ -10112,7 +10277,7 @@
             <a:endParaRPr/>
           </a:p>
           <a:p>
-            <a:pPr indent="-311150" lvl="0" marL="457200" rtl="0" algn="l">
+            <a:pPr marL="457200" lvl="0" indent="-311150" algn="l" rtl="0">
               <a:spcBef>
                 <a:spcPts val="0"/>
               </a:spcBef>
@@ -10123,7 +10288,7 @@
               <a:buChar char="●"/>
             </a:pPr>
             <a:r>
-              <a:rPr b="1" lang="en"/>
+              <a:rPr lang="en" b="1"/>
               <a:t>Alvarez et al. </a:t>
             </a:r>
             <a:r>
@@ -10133,7 +10298,7 @@
             <a:endParaRPr/>
           </a:p>
           <a:p>
-            <a:pPr indent="0" lvl="0" marL="457200" rtl="0" algn="l">
+            <a:pPr marL="457200" lvl="0" indent="0" algn="l" rtl="0">
               <a:spcBef>
                 <a:spcPts val="1200"/>
               </a:spcBef>
@@ -10142,38 +10307,27 @@
               </a:spcAft>
               <a:buNone/>
             </a:pPr>
+            <a:endParaRPr/>
+          </a:p>
+          <a:p>
+            <a:pPr marL="457200" lvl="0" indent="-311150" algn="l" rtl="0">
+              <a:spcBef>
+                <a:spcPts val="1200"/>
+              </a:spcBef>
+              <a:spcAft>
+                <a:spcPts val="0"/>
+              </a:spcAft>
+              <a:buSzPts val="1300"/>
+              <a:buChar char="●"/>
+            </a:pPr>
             <a:r>
-              <a:t/>
+              <a:rPr lang="en"/>
+              <a:t>US Congress ordered NASA to develop mitigation strategies</a:t>
             </a:r>
             <a:endParaRPr/>
           </a:p>
           <a:p>
-            <a:pPr indent="-311150" lvl="0" marL="457200" rtl="0" algn="l">
-              <a:spcBef>
-                <a:spcPts val="1200"/>
-              </a:spcBef>
-              <a:spcAft>
-                <a:spcPts val="0"/>
-              </a:spcAft>
-              <a:buSzPts val="1300"/>
-              <a:buChar char="●"/>
-            </a:pPr>
-            <a:r>
-              <a:rPr lang="en"/>
-              <a:t>US Congress ordered NASA to </a:t>
-            </a:r>
-            <a:r>
-              <a:rPr lang="en"/>
-              <a:t>develop</a:t>
-            </a:r>
-            <a:r>
-              <a:rPr lang="en"/>
-              <a:t> mitigation strategies</a:t>
-            </a:r>
-            <a:endParaRPr/>
-          </a:p>
-          <a:p>
-            <a:pPr indent="-311150" lvl="0" marL="457200" rtl="0" algn="l">
+            <a:pPr marL="457200" lvl="0" indent="-311150" algn="l" rtl="0">
               <a:spcBef>
                 <a:spcPts val="0"/>
               </a:spcBef>
@@ -10188,7 +10342,7 @@
               <a:t>One Strategy: Detection of such </a:t>
             </a:r>
             <a:r>
-              <a:rPr b="1" lang="en"/>
+              <a:rPr lang="en" b="1"/>
               <a:t>N</a:t>
             </a:r>
             <a:r>
@@ -10196,7 +10350,7 @@
               <a:t>ear </a:t>
             </a:r>
             <a:r>
-              <a:rPr b="1" lang="en"/>
+              <a:rPr lang="en" b="1"/>
               <a:t>E</a:t>
             </a:r>
             <a:r>
@@ -10204,24 +10358,12 @@
               <a:t>arth </a:t>
             </a:r>
             <a:r>
-              <a:rPr b="1" lang="en"/>
+              <a:rPr lang="en" b="1"/>
               <a:t>O</a:t>
             </a:r>
             <a:r>
               <a:rPr lang="en"/>
-              <a:t>bjects (NEOs)</a:t>
-            </a:r>
-            <a:r>
-              <a:rPr lang="en"/>
-              <a:t> utilizing </a:t>
-            </a:r>
-            <a:r>
-              <a:rPr lang="en"/>
-              <a:t>statistical</a:t>
-            </a:r>
-            <a:r>
-              <a:rPr lang="en"/>
-              <a:t> models, i.e., machine learning based on properties (e.g., shape, size, velocity)</a:t>
+              <a:t>bjects (NEOs) utilizing statistical models, i.e., machine learning based on properties (e.g., shape, size, velocity)</a:t>
             </a:r>
             <a:endParaRPr/>
           </a:p>
@@ -10240,24 +10382,24 @@
           </a:xfrm>
           <a:prstGeom prst="downArrow">
             <a:avLst>
-              <a:gd fmla="val 50000" name="adj1"/>
-              <a:gd fmla="val 50000" name="adj2"/>
+              <a:gd name="adj1" fmla="val 50000"/>
+              <a:gd name="adj2" fmla="val 50000"/>
             </a:avLst>
           </a:prstGeom>
           <a:solidFill>
             <a:schemeClr val="lt2"/>
           </a:solidFill>
-          <a:ln cap="flat" cmpd="sng" w="9525">
+          <a:ln w="9525" cap="flat" cmpd="sng">
             <a:solidFill>
               <a:schemeClr val="dk2"/>
             </a:solidFill>
             <a:prstDash val="solid"/>
             <a:round/>
-            <a:headEnd len="sm" w="sm" type="none"/>
-            <a:tailEnd len="sm" w="sm" type="none"/>
+            <a:headEnd type="none" w="sm" len="sm"/>
+            <a:tailEnd type="none" w="sm" len="sm"/>
           </a:ln>
           <a:effectLst>
-            <a:outerShdw blurRad="57150" rotWithShape="0" algn="bl" dir="5400000" dist="19050">
+            <a:outerShdw blurRad="57150" dist="19050" dir="5400000" algn="bl" rotWithShape="0">
               <a:srgbClr val="000000">
                 <a:alpha val="50000"/>
               </a:srgbClr>
@@ -10265,23 +10407,20 @@
           </a:effectLst>
         </p:spPr>
         <p:txBody>
-          <a:bodyPr anchorCtr="0" anchor="ctr" bIns="91425" lIns="91425" spcFirstLastPara="1" rIns="91425" wrap="square" tIns="91425">
+          <a:bodyPr spcFirstLastPara="1" wrap="square" lIns="91425" tIns="91425" rIns="91425" bIns="91425" anchor="ctr" anchorCtr="0">
             <a:noAutofit/>
           </a:bodyPr>
           <a:lstStyle/>
           <a:p>
-            <a:pPr indent="0" lvl="0" marL="0" rtl="0" algn="l">
-              <a:spcBef>
-                <a:spcPts val="0"/>
-              </a:spcBef>
-              <a:spcAft>
-                <a:spcPts val="0"/>
-              </a:spcAft>
-              <a:buNone/>
-            </a:pPr>
-            <a:r>
-              <a:t/>
-            </a:r>
+            <a:pPr marL="0" lvl="0" indent="0" algn="l" rtl="0">
+              <a:spcBef>
+                <a:spcPts val="0"/>
+              </a:spcBef>
+              <a:spcAft>
+                <a:spcPts val="0"/>
+              </a:spcAft>
+              <a:buNone/>
+            </a:pPr>
             <a:endParaRPr/>
           </a:p>
         </p:txBody>
@@ -10295,11 +10434,11 @@
 </file>
 
 <file path=ppt/slides/slide3.xml><?xml version="1.0" encoding="utf-8"?>
-<p:sld xmlns:a="http://schemas.openxmlformats.org/drawingml/2006/main" xmlns:r="http://schemas.openxmlformats.org/officeDocument/2006/relationships" xmlns:mc="http://schemas.openxmlformats.org/markup-compatibility/2006" xmlns:mv="urn:schemas-microsoft-com:mac:vml" xmlns:p="http://schemas.openxmlformats.org/presentationml/2006/main" xmlns:c="http://schemas.openxmlformats.org/drawingml/2006/chart" xmlns:dgm="http://schemas.openxmlformats.org/drawingml/2006/diagram" xmlns:o="urn:schemas-microsoft-com:office:office" xmlns:v="urn:schemas-microsoft-com:vml" xmlns:pvml="urn:schemas-microsoft-com:office:powerpoint" xmlns:com="http://schemas.openxmlformats.org/drawingml/2006/compatibility" xmlns:p14="http://schemas.microsoft.com/office/powerpoint/2010/main" xmlns:p15="http://schemas.microsoft.com/office/powerpoint/2012/main" xmlns:ahyp="http://schemas.microsoft.com/office/drawing/2018/hyperlinkcolor">
+<p:sld xmlns:a="http://schemas.openxmlformats.org/drawingml/2006/main" xmlns:r="http://schemas.openxmlformats.org/officeDocument/2006/relationships" xmlns:p="http://schemas.openxmlformats.org/presentationml/2006/main">
   <p:cSld>
     <p:spTree>
       <p:nvGrpSpPr>
-        <p:cNvPr id="98" name="Shape 98"/>
+        <p:cNvPr id="1" name="Shape 98"/>
         <p:cNvGrpSpPr/>
         <p:nvPr/>
       </p:nvGrpSpPr>
@@ -10314,7 +10453,9 @@
       <p:sp>
         <p:nvSpPr>
           <p:cNvPr id="99" name="Google Shape;99;p15"/>
-          <p:cNvSpPr txBox="1"/>
+          <p:cNvSpPr txBox="1">
+            <a:spLocks noGrp="1"/>
+          </p:cNvSpPr>
           <p:nvPr>
             <p:ph type="title"/>
           </p:nvPr>
@@ -10329,12 +10470,12 @@
           </a:prstGeom>
         </p:spPr>
         <p:txBody>
-          <a:bodyPr anchorCtr="0" anchor="t" bIns="91425" lIns="91425" spcFirstLastPara="1" rIns="91425" wrap="square" tIns="91425">
+          <a:bodyPr spcFirstLastPara="1" wrap="square" lIns="91425" tIns="91425" rIns="91425" bIns="91425" anchor="t" anchorCtr="0">
             <a:normAutofit fontScale="90000"/>
           </a:bodyPr>
           <a:lstStyle/>
           <a:p>
-            <a:pPr indent="0" lvl="0" marL="0" rtl="0" algn="l">
+            <a:pPr marL="0" lvl="0" indent="0" algn="l" rtl="0">
               <a:spcBef>
                 <a:spcPts val="0"/>
               </a:spcBef>
@@ -10354,9 +10495,11 @@
       <p:sp>
         <p:nvSpPr>
           <p:cNvPr id="100" name="Google Shape;100;p15"/>
-          <p:cNvSpPr txBox="1"/>
+          <p:cNvSpPr txBox="1">
+            <a:spLocks noGrp="1"/>
+          </p:cNvSpPr>
           <p:nvPr>
-            <p:ph idx="1" type="body"/>
+            <p:ph type="body" idx="1"/>
           </p:nvPr>
         </p:nvSpPr>
         <p:spPr>
@@ -10369,12 +10512,28 @@
           </a:prstGeom>
         </p:spPr>
         <p:txBody>
-          <a:bodyPr anchorCtr="0" anchor="t" bIns="91425" lIns="91425" spcFirstLastPara="1" rIns="91425" wrap="square" tIns="91425">
+          <a:bodyPr spcFirstLastPara="1" wrap="square" lIns="91425" tIns="91425" rIns="91425" bIns="91425" anchor="t" anchorCtr="0">
             <a:normAutofit/>
           </a:bodyPr>
           <a:lstStyle/>
           <a:p>
-            <a:pPr indent="-311150" lvl="0" marL="457200" rtl="0" algn="l">
+            <a:pPr marL="146050" lvl="0" indent="0" algn="l" rtl="0">
+              <a:spcBef>
+                <a:spcPts val="0"/>
+              </a:spcBef>
+              <a:spcAft>
+                <a:spcPts val="0"/>
+              </a:spcAft>
+              <a:buSzPts val="1300"/>
+              <a:buNone/>
+            </a:pPr>
+            <a:r>
+              <a:rPr lang="en" dirty="0"/>
+              <a:t>Previous Approaches</a:t>
+            </a:r>
+          </a:p>
+          <a:p>
+            <a:pPr marL="457200" lvl="0" indent="-311150" algn="l" rtl="0">
               <a:spcBef>
                 <a:spcPts val="0"/>
               </a:spcBef>
@@ -10385,29 +10544,29 @@
               <a:buChar char="●"/>
             </a:pPr>
             <a:r>
-              <a:rPr lang="en"/>
+              <a:rPr lang="en" dirty="0"/>
               <a:t>Using scales such as </a:t>
             </a:r>
             <a:r>
-              <a:rPr i="1" lang="en"/>
+              <a:rPr lang="en" i="1" dirty="0"/>
               <a:t>Torino Scale </a:t>
             </a:r>
             <a:r>
-              <a:rPr lang="en"/>
+              <a:rPr lang="en" dirty="0"/>
               <a:t>or </a:t>
             </a:r>
             <a:r>
-              <a:rPr i="1" lang="en"/>
+              <a:rPr lang="en" i="1" dirty="0"/>
               <a:t>Palermo Scale</a:t>
             </a:r>
             <a:r>
-              <a:rPr lang="en"/>
+              <a:rPr lang="en" dirty="0"/>
               <a:t> → easily interpretable by laymen</a:t>
             </a:r>
-            <a:endParaRPr/>
-          </a:p>
-          <a:p>
-            <a:pPr indent="-311150" lvl="0" marL="457200" rtl="0" algn="l">
+            <a:endParaRPr dirty="0"/>
+          </a:p>
+          <a:p>
+            <a:pPr marL="457200" lvl="0" indent="-311150" algn="l" rtl="0">
               <a:spcBef>
                 <a:spcPts val="0"/>
               </a:spcBef>
@@ -10418,13 +10577,12 @@
               <a:buChar char="●"/>
             </a:pPr>
             <a:r>
-              <a:rPr lang="en"/>
-              <a:t>VNIR spectroscopy to characterize compositional and physical structure of NEOs</a:t>
+              <a:rPr lang="en" dirty="0"/>
+              <a:t>Gaffey et al. (2006) used VNIR spectroscopy to characterize compositional and physical structure of NEOs</a:t>
             </a:r>
-            <a:endParaRPr/>
-          </a:p>
-          <a:p>
-            <a:pPr indent="-311150" lvl="0" marL="457200" rtl="0" algn="l">
+          </a:p>
+          <a:p>
+            <a:pPr marL="457200" lvl="0" indent="-311150" algn="l" rtl="0">
               <a:spcBef>
                 <a:spcPts val="0"/>
               </a:spcBef>
@@ -10434,11 +10592,58 @@
               <a:buSzPts val="1300"/>
               <a:buChar char="●"/>
             </a:pPr>
+            <a:endParaRPr lang="en" dirty="0"/>
+          </a:p>
+          <a:p>
+            <a:pPr marL="146050" lvl="0" indent="0" algn="l" rtl="0">
+              <a:spcBef>
+                <a:spcPts val="0"/>
+              </a:spcBef>
+              <a:spcAft>
+                <a:spcPts val="0"/>
+              </a:spcAft>
+              <a:buSzPts val="1300"/>
+              <a:buNone/>
+            </a:pPr>
             <a:r>
               <a:rPr lang="en"/>
-              <a:t>Applying neural networks to analyze the energy deposition curves </a:t>
+              <a:t>Machine Learning</a:t>
             </a:r>
-            <a:endParaRPr/>
+            <a:endParaRPr lang="en" dirty="0"/>
+          </a:p>
+          <a:p>
+            <a:pPr marL="457200" lvl="0" indent="-311150" algn="l" rtl="0">
+              <a:spcBef>
+                <a:spcPts val="0"/>
+              </a:spcBef>
+              <a:spcAft>
+                <a:spcPts val="0"/>
+              </a:spcAft>
+              <a:buSzPts val="1300"/>
+              <a:buChar char="●"/>
+            </a:pPr>
+            <a:r>
+              <a:rPr lang="en" dirty="0"/>
+              <a:t>Nugent et al. (2017) were first to apply machine learning algorithms to the classification of hazardous NEOs.</a:t>
+            </a:r>
+            <a:endParaRPr dirty="0"/>
+          </a:p>
+          <a:p>
+            <a:pPr marL="457200" lvl="0" indent="-311150" algn="l" rtl="0">
+              <a:spcBef>
+                <a:spcPts val="0"/>
+              </a:spcBef>
+              <a:spcAft>
+                <a:spcPts val="0"/>
+              </a:spcAft>
+              <a:buSzPts val="1300"/>
+              <a:buChar char="●"/>
+            </a:pPr>
+            <a:r>
+              <a:rPr lang="en" dirty="0"/>
+              <a:t>Tarano et al. (2020) applied neural networks to analyze the energy deposition curves of NEOs </a:t>
+            </a:r>
+            <a:endParaRPr dirty="0"/>
           </a:p>
         </p:txBody>
       </p:sp>
@@ -10451,11 +10656,11 @@
 </file>
 
 <file path=ppt/slides/slide4.xml><?xml version="1.0" encoding="utf-8"?>
-<p:sld xmlns:a="http://schemas.openxmlformats.org/drawingml/2006/main" xmlns:r="http://schemas.openxmlformats.org/officeDocument/2006/relationships" xmlns:mc="http://schemas.openxmlformats.org/markup-compatibility/2006" xmlns:mv="urn:schemas-microsoft-com:mac:vml" xmlns:p="http://schemas.openxmlformats.org/presentationml/2006/main" xmlns:c="http://schemas.openxmlformats.org/drawingml/2006/chart" xmlns:dgm="http://schemas.openxmlformats.org/drawingml/2006/diagram" xmlns:o="urn:schemas-microsoft-com:office:office" xmlns:v="urn:schemas-microsoft-com:vml" xmlns:pvml="urn:schemas-microsoft-com:office:powerpoint" xmlns:com="http://schemas.openxmlformats.org/drawingml/2006/compatibility" xmlns:p14="http://schemas.microsoft.com/office/powerpoint/2010/main" xmlns:p15="http://schemas.microsoft.com/office/powerpoint/2012/main" xmlns:ahyp="http://schemas.microsoft.com/office/drawing/2018/hyperlinkcolor">
+<p:sld xmlns:a="http://schemas.openxmlformats.org/drawingml/2006/main" xmlns:r="http://schemas.openxmlformats.org/officeDocument/2006/relationships" xmlns:p="http://schemas.openxmlformats.org/presentationml/2006/main">
   <p:cSld>
     <p:spTree>
       <p:nvGrpSpPr>
-        <p:cNvPr id="104" name="Shape 104"/>
+        <p:cNvPr id="1" name="Shape 104"/>
         <p:cNvGrpSpPr/>
         <p:nvPr/>
       </p:nvGrpSpPr>
@@ -10470,7 +10675,9 @@
       <p:sp>
         <p:nvSpPr>
           <p:cNvPr id="105" name="Google Shape;105;p16"/>
-          <p:cNvSpPr txBox="1"/>
+          <p:cNvSpPr txBox="1">
+            <a:spLocks noGrp="1"/>
+          </p:cNvSpPr>
           <p:nvPr>
             <p:ph type="title"/>
           </p:nvPr>
@@ -10485,12 +10692,12 @@
           </a:prstGeom>
         </p:spPr>
         <p:txBody>
-          <a:bodyPr anchorCtr="0" anchor="t" bIns="91425" lIns="91425" spcFirstLastPara="1" rIns="91425" wrap="square" tIns="91425">
+          <a:bodyPr spcFirstLastPara="1" wrap="square" lIns="91425" tIns="91425" rIns="91425" bIns="91425" anchor="t" anchorCtr="0">
             <a:normAutofit fontScale="90000"/>
           </a:bodyPr>
           <a:lstStyle/>
           <a:p>
-            <a:pPr indent="0" lvl="0" marL="0" rtl="0" algn="l">
+            <a:pPr marL="0" lvl="0" indent="0" algn="l" rtl="0">
               <a:spcBef>
                 <a:spcPts val="0"/>
               </a:spcBef>
@@ -10510,9 +10717,11 @@
       <p:sp>
         <p:nvSpPr>
           <p:cNvPr id="106" name="Google Shape;106;p16"/>
-          <p:cNvSpPr txBox="1"/>
+          <p:cNvSpPr txBox="1">
+            <a:spLocks noGrp="1"/>
+          </p:cNvSpPr>
           <p:nvPr>
-            <p:ph idx="1" type="body"/>
+            <p:ph type="body" idx="1"/>
           </p:nvPr>
         </p:nvSpPr>
         <p:spPr>
@@ -10525,27 +10734,24 @@
           </a:prstGeom>
         </p:spPr>
         <p:txBody>
-          <a:bodyPr anchorCtr="0" anchor="t" bIns="91425" lIns="91425" spcFirstLastPara="1" rIns="91425" wrap="square" tIns="91425">
+          <a:bodyPr spcFirstLastPara="1" wrap="square" lIns="91425" tIns="91425" rIns="91425" bIns="91425" anchor="t" anchorCtr="0">
             <a:normAutofit/>
           </a:bodyPr>
           <a:lstStyle/>
           <a:p>
-            <a:pPr indent="0" lvl="0" marL="0" rtl="0" algn="l">
-              <a:spcBef>
-                <a:spcPts val="0"/>
-              </a:spcBef>
-              <a:spcAft>
-                <a:spcPts val="0"/>
-              </a:spcAft>
-              <a:buNone/>
-            </a:pPr>
-            <a:r>
-              <a:t/>
-            </a:r>
+            <a:pPr marL="0" lvl="0" indent="0" algn="l" rtl="0">
+              <a:spcBef>
+                <a:spcPts val="0"/>
+              </a:spcBef>
+              <a:spcAft>
+                <a:spcPts val="0"/>
+              </a:spcAft>
+              <a:buNone/>
+            </a:pPr>
             <a:endParaRPr/>
           </a:p>
           <a:p>
-            <a:pPr indent="0" lvl="0" marL="0" rtl="0" algn="l">
+            <a:pPr marL="0" lvl="0" indent="0" algn="l" rtl="0">
               <a:spcBef>
                 <a:spcPts val="1200"/>
               </a:spcBef>
@@ -10561,7 +10767,7 @@
             <a:endParaRPr/>
           </a:p>
           <a:p>
-            <a:pPr indent="0" lvl="0" marL="0" rtl="0" algn="l">
+            <a:pPr marL="0" lvl="0" indent="0" algn="l" rtl="0">
               <a:spcBef>
                 <a:spcPts val="1200"/>
               </a:spcBef>
@@ -10571,13 +10777,13 @@
               <a:buNone/>
             </a:pPr>
             <a:r>
-              <a:rPr i="1" lang="en"/>
+              <a:rPr lang="en" i="1"/>
               <a:t>“We hypothesize that using machine learning algorithms can play a vital part in the detection of hazardous objects.”</a:t>
             </a:r>
             <a:endParaRPr i="1"/>
           </a:p>
           <a:p>
-            <a:pPr indent="0" lvl="0" marL="0" rtl="0" algn="l">
+            <a:pPr marL="0" lvl="0" indent="0" algn="l" rtl="0">
               <a:spcBef>
                 <a:spcPts val="1200"/>
               </a:spcBef>
@@ -10593,7 +10799,7 @@
             <a:endParaRPr/>
           </a:p>
           <a:p>
-            <a:pPr indent="0" lvl="0" marL="0" rtl="0" algn="l">
+            <a:pPr marL="0" lvl="0" indent="0" algn="l" rtl="0">
               <a:spcBef>
                 <a:spcPts val="1200"/>
               </a:spcBef>
@@ -10603,7 +10809,7 @@
               <a:buNone/>
             </a:pPr>
             <a:r>
-              <a:rPr i="1" lang="en"/>
+              <a:rPr lang="en" i="1"/>
               <a:t>“Can standard ‘off-the-shelf’ machine learning algorithms achieve outstanding performance classifying such objects?”</a:t>
             </a:r>
             <a:endParaRPr i="1"/>
@@ -10619,11 +10825,11 @@
 </file>
 
 <file path=ppt/slides/slide5.xml><?xml version="1.0" encoding="utf-8"?>
-<p:sld xmlns:a="http://schemas.openxmlformats.org/drawingml/2006/main" xmlns:r="http://schemas.openxmlformats.org/officeDocument/2006/relationships" xmlns:mc="http://schemas.openxmlformats.org/markup-compatibility/2006" xmlns:mv="urn:schemas-microsoft-com:mac:vml" xmlns:p="http://schemas.openxmlformats.org/presentationml/2006/main" xmlns:c="http://schemas.openxmlformats.org/drawingml/2006/chart" xmlns:dgm="http://schemas.openxmlformats.org/drawingml/2006/diagram" xmlns:o="urn:schemas-microsoft-com:office:office" xmlns:v="urn:schemas-microsoft-com:vml" xmlns:pvml="urn:schemas-microsoft-com:office:powerpoint" xmlns:com="http://schemas.openxmlformats.org/drawingml/2006/compatibility" xmlns:p14="http://schemas.microsoft.com/office/powerpoint/2010/main" xmlns:p15="http://schemas.microsoft.com/office/powerpoint/2012/main" xmlns:ahyp="http://schemas.microsoft.com/office/drawing/2018/hyperlinkcolor">
+<p:sld xmlns:a="http://schemas.openxmlformats.org/drawingml/2006/main" xmlns:r="http://schemas.openxmlformats.org/officeDocument/2006/relationships" xmlns:p="http://schemas.openxmlformats.org/presentationml/2006/main">
   <p:cSld>
     <p:spTree>
       <p:nvGrpSpPr>
-        <p:cNvPr id="110" name="Shape 110"/>
+        <p:cNvPr id="1" name="Shape 110"/>
         <p:cNvGrpSpPr/>
         <p:nvPr/>
       </p:nvGrpSpPr>
@@ -10638,7 +10844,9 @@
       <p:sp>
         <p:nvSpPr>
           <p:cNvPr id="111" name="Google Shape;111;p17"/>
-          <p:cNvSpPr txBox="1"/>
+          <p:cNvSpPr txBox="1">
+            <a:spLocks noGrp="1"/>
+          </p:cNvSpPr>
           <p:nvPr>
             <p:ph type="title"/>
           </p:nvPr>
@@ -10653,12 +10861,12 @@
           </a:prstGeom>
         </p:spPr>
         <p:txBody>
-          <a:bodyPr anchorCtr="0" anchor="t" bIns="91425" lIns="91425" spcFirstLastPara="1" rIns="91425" wrap="square" tIns="91425">
+          <a:bodyPr spcFirstLastPara="1" wrap="square" lIns="91425" tIns="91425" rIns="91425" bIns="91425" anchor="t" anchorCtr="0">
             <a:normAutofit fontScale="90000"/>
           </a:bodyPr>
           <a:lstStyle/>
           <a:p>
-            <a:pPr indent="0" lvl="0" marL="0" rtl="0" algn="l">
+            <a:pPr marL="0" lvl="0" indent="0" algn="l" rtl="0">
               <a:spcBef>
                 <a:spcPts val="0"/>
               </a:spcBef>
@@ -10678,9 +10886,11 @@
       <p:sp>
         <p:nvSpPr>
           <p:cNvPr id="112" name="Google Shape;112;p17"/>
-          <p:cNvSpPr txBox="1"/>
+          <p:cNvSpPr txBox="1">
+            <a:spLocks noGrp="1"/>
+          </p:cNvSpPr>
           <p:nvPr>
-            <p:ph idx="1" type="body"/>
+            <p:ph type="body" idx="1"/>
           </p:nvPr>
         </p:nvSpPr>
         <p:spPr>
@@ -10693,12 +10903,12 @@
           </a:prstGeom>
         </p:spPr>
         <p:txBody>
-          <a:bodyPr anchorCtr="0" anchor="t" bIns="91425" lIns="91425" spcFirstLastPara="1" rIns="91425" wrap="square" tIns="91425">
+          <a:bodyPr spcFirstLastPara="1" wrap="square" lIns="91425" tIns="91425" rIns="91425" bIns="91425" anchor="t" anchorCtr="0">
             <a:normAutofit/>
           </a:bodyPr>
           <a:lstStyle/>
           <a:p>
-            <a:pPr indent="-311150" lvl="0" marL="457200" rtl="0" algn="l">
+            <a:pPr marL="457200" lvl="0" indent="-311150" algn="l" rtl="0">
               <a:spcBef>
                 <a:spcPts val="0"/>
               </a:spcBef>
@@ -10715,7 +10925,7 @@
             <a:endParaRPr/>
           </a:p>
           <a:p>
-            <a:pPr indent="-311150" lvl="0" marL="457200" rtl="0" algn="l">
+            <a:pPr marL="457200" lvl="0" indent="-311150" algn="l" rtl="0">
               <a:spcBef>
                 <a:spcPts val="0"/>
               </a:spcBef>
@@ -10732,7 +10942,7 @@
             <a:endParaRPr/>
           </a:p>
           <a:p>
-            <a:pPr indent="-298450" lvl="1" marL="914400" rtl="0" algn="l">
+            <a:pPr marL="914400" lvl="1" indent="-298450" algn="l" rtl="0">
               <a:spcBef>
                 <a:spcPts val="0"/>
               </a:spcBef>
@@ -10749,7 +10959,7 @@
             <a:endParaRPr/>
           </a:p>
           <a:p>
-            <a:pPr indent="-298450" lvl="1" marL="914400" rtl="0" algn="l">
+            <a:pPr marL="914400" lvl="1" indent="-298450" algn="l" rtl="0">
               <a:spcBef>
                 <a:spcPts val="0"/>
               </a:spcBef>
@@ -10766,7 +10976,7 @@
             <a:endParaRPr/>
           </a:p>
           <a:p>
-            <a:pPr indent="-311150" lvl="0" marL="457200" rtl="0" algn="l">
+            <a:pPr marL="457200" lvl="0" indent="-311150" algn="l" rtl="0">
               <a:spcBef>
                 <a:spcPts val="0"/>
               </a:spcBef>
@@ -10783,7 +10993,7 @@
             <a:endParaRPr/>
           </a:p>
           <a:p>
-            <a:pPr indent="-298450" lvl="1" marL="914400" rtl="0" algn="l">
+            <a:pPr marL="914400" lvl="1" indent="-298450" algn="l" rtl="0">
               <a:spcBef>
                 <a:spcPts val="0"/>
               </a:spcBef>
@@ -10795,11 +11005,7 @@
             </a:pPr>
             <a:r>
               <a:rPr lang="en"/>
-              <a:t>No missing values, a lot of </a:t>
-            </a:r>
-            <a:r>
-              <a:rPr lang="en"/>
-              <a:t>redundancy</a:t>
+              <a:t>No missing values, a lot of redundancy</a:t>
             </a:r>
             <a:endParaRPr/>
           </a:p>
@@ -10814,11 +11020,11 @@
 </file>
 
 <file path=ppt/slides/slide6.xml><?xml version="1.0" encoding="utf-8"?>
-<p:sld xmlns:a="http://schemas.openxmlformats.org/drawingml/2006/main" xmlns:r="http://schemas.openxmlformats.org/officeDocument/2006/relationships" xmlns:mc="http://schemas.openxmlformats.org/markup-compatibility/2006" xmlns:mv="urn:schemas-microsoft-com:mac:vml" xmlns:p="http://schemas.openxmlformats.org/presentationml/2006/main" xmlns:c="http://schemas.openxmlformats.org/drawingml/2006/chart" xmlns:dgm="http://schemas.openxmlformats.org/drawingml/2006/diagram" xmlns:o="urn:schemas-microsoft-com:office:office" xmlns:v="urn:schemas-microsoft-com:vml" xmlns:pvml="urn:schemas-microsoft-com:office:powerpoint" xmlns:com="http://schemas.openxmlformats.org/drawingml/2006/compatibility" xmlns:p14="http://schemas.microsoft.com/office/powerpoint/2010/main" xmlns:p15="http://schemas.microsoft.com/office/powerpoint/2012/main" xmlns:ahyp="http://schemas.microsoft.com/office/drawing/2018/hyperlinkcolor">
+<p:sld xmlns:a="http://schemas.openxmlformats.org/drawingml/2006/main" xmlns:r="http://schemas.openxmlformats.org/officeDocument/2006/relationships" xmlns:p="http://schemas.openxmlformats.org/presentationml/2006/main">
   <p:cSld>
     <p:spTree>
       <p:nvGrpSpPr>
-        <p:cNvPr id="116" name="Shape 116"/>
+        <p:cNvPr id="1" name="Shape 116"/>
         <p:cNvGrpSpPr/>
         <p:nvPr/>
       </p:nvGrpSpPr>
@@ -10833,7 +11039,9 @@
       <p:sp>
         <p:nvSpPr>
           <p:cNvPr id="117" name="Google Shape;117;p18"/>
-          <p:cNvSpPr txBox="1"/>
+          <p:cNvSpPr txBox="1">
+            <a:spLocks noGrp="1"/>
+          </p:cNvSpPr>
           <p:nvPr>
             <p:ph type="title"/>
           </p:nvPr>
@@ -10848,12 +11056,12 @@
           </a:prstGeom>
         </p:spPr>
         <p:txBody>
-          <a:bodyPr anchorCtr="0" anchor="t" bIns="91425" lIns="91425" spcFirstLastPara="1" rIns="91425" wrap="square" tIns="91425">
+          <a:bodyPr spcFirstLastPara="1" wrap="square" lIns="91425" tIns="91425" rIns="91425" bIns="91425" anchor="t" anchorCtr="0">
             <a:normAutofit fontScale="90000"/>
           </a:bodyPr>
           <a:lstStyle/>
           <a:p>
-            <a:pPr indent="0" lvl="0" marL="0" rtl="0" algn="l">
+            <a:pPr marL="0" lvl="0" indent="0" algn="l" rtl="0">
               <a:spcBef>
                 <a:spcPts val="0"/>
               </a:spcBef>
@@ -10873,9 +11081,11 @@
       <p:sp>
         <p:nvSpPr>
           <p:cNvPr id="118" name="Google Shape;118;p18"/>
-          <p:cNvSpPr txBox="1"/>
+          <p:cNvSpPr txBox="1">
+            <a:spLocks noGrp="1"/>
+          </p:cNvSpPr>
           <p:nvPr>
-            <p:ph idx="1" type="body"/>
+            <p:ph type="body" idx="1"/>
           </p:nvPr>
         </p:nvSpPr>
         <p:spPr>
@@ -10888,12 +11098,12 @@
           </a:prstGeom>
         </p:spPr>
         <p:txBody>
-          <a:bodyPr anchorCtr="0" anchor="t" bIns="91425" lIns="91425" spcFirstLastPara="1" rIns="91425" wrap="square" tIns="91425">
+          <a:bodyPr spcFirstLastPara="1" wrap="square" lIns="91425" tIns="91425" rIns="91425" bIns="91425" anchor="t" anchorCtr="0">
             <a:normAutofit/>
           </a:bodyPr>
           <a:lstStyle/>
           <a:p>
-            <a:pPr indent="0" lvl="0" marL="0" rtl="0" algn="l">
+            <a:pPr marL="0" lvl="0" indent="0" algn="l" rtl="0">
               <a:spcBef>
                 <a:spcPts val="0"/>
               </a:spcBef>
@@ -10904,41 +11114,29 @@
             </a:pPr>
             <a:r>
               <a:rPr lang="en"/>
-              <a:t>The </a:t>
+              <a:t>The following data preprocessing steps were performed: </a:t>
             </a:r>
+            <a:endParaRPr/>
+          </a:p>
+          <a:p>
+            <a:pPr marL="457200" lvl="0" indent="-311150" algn="l" rtl="0">
+              <a:spcBef>
+                <a:spcPts val="1200"/>
+              </a:spcBef>
+              <a:spcAft>
+                <a:spcPts val="0"/>
+              </a:spcAft>
+              <a:buSzPts val="1300"/>
+              <a:buChar char="●"/>
+            </a:pPr>
             <a:r>
               <a:rPr lang="en"/>
-              <a:t>following</a:t>
-            </a:r>
-            <a:r>
-              <a:rPr lang="en"/>
-              <a:t> data preprocessing steps were performed: </a:t>
+              <a:t>Feature names were converted to snake case (e.g., Absolute Magnitude -&gt; absolute_magnitude)</a:t>
             </a:r>
             <a:endParaRPr/>
           </a:p>
           <a:p>
-            <a:pPr indent="-311150" lvl="0" marL="457200" rtl="0" algn="l">
-              <a:spcBef>
-                <a:spcPts val="1200"/>
-              </a:spcBef>
-              <a:spcAft>
-                <a:spcPts val="0"/>
-              </a:spcAft>
-              <a:buSzPts val="1300"/>
-              <a:buChar char="●"/>
-            </a:pPr>
-            <a:r>
-              <a:rPr lang="en"/>
-              <a:t>Feature names were converted to snake case (e.g., Absolute Magnitude -&gt; </a:t>
-            </a:r>
-            <a:r>
-              <a:rPr lang="en"/>
-              <a:t>absolute_magnitude)</a:t>
-            </a:r>
-            <a:endParaRPr/>
-          </a:p>
-          <a:p>
-            <a:pPr indent="-311150" lvl="0" marL="457200" rtl="0" algn="l">
+            <a:pPr marL="457200" lvl="0" indent="-311150" algn="l" rtl="0">
               <a:spcBef>
                 <a:spcPts val="0"/>
               </a:spcBef>
@@ -10955,7 +11153,7 @@
             <a:endParaRPr/>
           </a:p>
           <a:p>
-            <a:pPr indent="-311150" lvl="0" marL="457200" rtl="0" algn="l">
+            <a:pPr marL="457200" lvl="0" indent="-311150" algn="l" rtl="0">
               <a:spcBef>
                 <a:spcPts val="0"/>
               </a:spcBef>
@@ -10972,7 +11170,7 @@
             <a:endParaRPr/>
           </a:p>
           <a:p>
-            <a:pPr indent="-298450" lvl="1" marL="914400" rtl="0" algn="l">
+            <a:pPr marL="914400" lvl="1" indent="-298450" algn="l" rtl="0">
               <a:spcBef>
                 <a:spcPts val="0"/>
               </a:spcBef>
@@ -10989,7 +11187,7 @@
             <a:endParaRPr/>
           </a:p>
           <a:p>
-            <a:pPr indent="-298450" lvl="1" marL="914400" rtl="0" algn="l">
+            <a:pPr marL="914400" lvl="1" indent="-298450" algn="l" rtl="0">
               <a:spcBef>
                 <a:spcPts val="0"/>
               </a:spcBef>
@@ -11006,7 +11204,7 @@
             <a:endParaRPr/>
           </a:p>
           <a:p>
-            <a:pPr indent="-311150" lvl="0" marL="457200" rtl="0" algn="l">
+            <a:pPr marL="457200" lvl="0" indent="-311150" algn="l" rtl="0">
               <a:spcBef>
                 <a:spcPts val="0"/>
               </a:spcBef>
@@ -11023,7 +11221,7 @@
             <a:endParaRPr/>
           </a:p>
           <a:p>
-            <a:pPr indent="-311150" lvl="0" marL="457200" rtl="0" algn="l">
+            <a:pPr marL="457200" lvl="0" indent="-311150" algn="l" rtl="0">
               <a:spcBef>
                 <a:spcPts val="0"/>
               </a:spcBef>
@@ -11040,7 +11238,7 @@
             <a:endParaRPr/>
           </a:p>
           <a:p>
-            <a:pPr indent="-298450" lvl="1" marL="914400" rtl="0" algn="l">
+            <a:pPr marL="914400" lvl="1" indent="-298450" algn="l" rtl="0">
               <a:spcBef>
                 <a:spcPts val="0"/>
               </a:spcBef>
@@ -11067,11 +11265,11 @@
 </file>
 
 <file path=ppt/slides/slide7.xml><?xml version="1.0" encoding="utf-8"?>
-<p:sld xmlns:a="http://schemas.openxmlformats.org/drawingml/2006/main" xmlns:r="http://schemas.openxmlformats.org/officeDocument/2006/relationships" xmlns:mc="http://schemas.openxmlformats.org/markup-compatibility/2006" xmlns:mv="urn:schemas-microsoft-com:mac:vml" xmlns:p="http://schemas.openxmlformats.org/presentationml/2006/main" xmlns:c="http://schemas.openxmlformats.org/drawingml/2006/chart" xmlns:dgm="http://schemas.openxmlformats.org/drawingml/2006/diagram" xmlns:o="urn:schemas-microsoft-com:office:office" xmlns:v="urn:schemas-microsoft-com:vml" xmlns:pvml="urn:schemas-microsoft-com:office:powerpoint" xmlns:com="http://schemas.openxmlformats.org/drawingml/2006/compatibility" xmlns:p14="http://schemas.microsoft.com/office/powerpoint/2010/main" xmlns:p15="http://schemas.microsoft.com/office/powerpoint/2012/main" xmlns:ahyp="http://schemas.microsoft.com/office/drawing/2018/hyperlinkcolor">
+<p:sld xmlns:a="http://schemas.openxmlformats.org/drawingml/2006/main" xmlns:r="http://schemas.openxmlformats.org/officeDocument/2006/relationships" xmlns:p="http://schemas.openxmlformats.org/presentationml/2006/main">
   <p:cSld>
     <p:spTree>
       <p:nvGrpSpPr>
-        <p:cNvPr id="122" name="Shape 122"/>
+        <p:cNvPr id="1" name="Shape 122"/>
         <p:cNvGrpSpPr/>
         <p:nvPr/>
       </p:nvGrpSpPr>
@@ -11086,7 +11284,9 @@
       <p:sp>
         <p:nvSpPr>
           <p:cNvPr id="123" name="Google Shape;123;p19"/>
-          <p:cNvSpPr txBox="1"/>
+          <p:cNvSpPr txBox="1">
+            <a:spLocks noGrp="1"/>
+          </p:cNvSpPr>
           <p:nvPr>
             <p:ph type="title"/>
           </p:nvPr>
@@ -11101,12 +11301,12 @@
           </a:prstGeom>
         </p:spPr>
         <p:txBody>
-          <a:bodyPr anchorCtr="0" anchor="t" bIns="91425" lIns="91425" spcFirstLastPara="1" rIns="91425" wrap="square" tIns="91425">
+          <a:bodyPr spcFirstLastPara="1" wrap="square" lIns="91425" tIns="91425" rIns="91425" bIns="91425" anchor="t" anchorCtr="0">
             <a:normAutofit fontScale="90000"/>
           </a:bodyPr>
           <a:lstStyle/>
           <a:p>
-            <a:pPr indent="0" lvl="0" marL="0" rtl="0" algn="l">
+            <a:pPr marL="0" lvl="0" indent="0" algn="l" rtl="0">
               <a:spcBef>
                 <a:spcPts val="0"/>
               </a:spcBef>
@@ -11160,11 +11360,11 @@
 </file>
 
 <file path=ppt/slides/slide8.xml><?xml version="1.0" encoding="utf-8"?>
-<p:sld xmlns:a="http://schemas.openxmlformats.org/drawingml/2006/main" xmlns:r="http://schemas.openxmlformats.org/officeDocument/2006/relationships" xmlns:mc="http://schemas.openxmlformats.org/markup-compatibility/2006" xmlns:mv="urn:schemas-microsoft-com:mac:vml" xmlns:p="http://schemas.openxmlformats.org/presentationml/2006/main" xmlns:c="http://schemas.openxmlformats.org/drawingml/2006/chart" xmlns:dgm="http://schemas.openxmlformats.org/drawingml/2006/diagram" xmlns:o="urn:schemas-microsoft-com:office:office" xmlns:v="urn:schemas-microsoft-com:vml" xmlns:pvml="urn:schemas-microsoft-com:office:powerpoint" xmlns:com="http://schemas.openxmlformats.org/drawingml/2006/compatibility" xmlns:p14="http://schemas.microsoft.com/office/powerpoint/2010/main" xmlns:p15="http://schemas.microsoft.com/office/powerpoint/2012/main" xmlns:ahyp="http://schemas.microsoft.com/office/drawing/2018/hyperlinkcolor">
+<p:sld xmlns:a="http://schemas.openxmlformats.org/drawingml/2006/main" xmlns:r="http://schemas.openxmlformats.org/officeDocument/2006/relationships" xmlns:p="http://schemas.openxmlformats.org/presentationml/2006/main">
   <p:cSld>
     <p:spTree>
       <p:nvGrpSpPr>
-        <p:cNvPr id="128" name="Shape 128"/>
+        <p:cNvPr id="1" name="Shape 128"/>
         <p:cNvGrpSpPr/>
         <p:nvPr/>
       </p:nvGrpSpPr>
@@ -11179,7 +11379,9 @@
       <p:sp>
         <p:nvSpPr>
           <p:cNvPr id="129" name="Google Shape;129;p20"/>
-          <p:cNvSpPr txBox="1"/>
+          <p:cNvSpPr txBox="1">
+            <a:spLocks noGrp="1"/>
+          </p:cNvSpPr>
           <p:nvPr>
             <p:ph type="title"/>
           </p:nvPr>
@@ -11194,12 +11396,12 @@
           </a:prstGeom>
         </p:spPr>
         <p:txBody>
-          <a:bodyPr anchorCtr="0" anchor="t" bIns="91425" lIns="91425" spcFirstLastPara="1" rIns="91425" wrap="square" tIns="91425">
+          <a:bodyPr spcFirstLastPara="1" wrap="square" lIns="91425" tIns="91425" rIns="91425" bIns="91425" anchor="t" anchorCtr="0">
             <a:normAutofit fontScale="90000"/>
           </a:bodyPr>
           <a:lstStyle/>
           <a:p>
-            <a:pPr indent="0" lvl="0" marL="0" rtl="0" algn="l">
+            <a:pPr marL="0" lvl="0" indent="0" algn="l" rtl="0">
               <a:spcBef>
                 <a:spcPts val="0"/>
               </a:spcBef>
@@ -11219,9 +11421,11 @@
       <p:sp>
         <p:nvSpPr>
           <p:cNvPr id="130" name="Google Shape;130;p20"/>
-          <p:cNvSpPr txBox="1"/>
+          <p:cNvSpPr txBox="1">
+            <a:spLocks noGrp="1"/>
+          </p:cNvSpPr>
           <p:nvPr>
-            <p:ph idx="1" type="body"/>
+            <p:ph type="body" idx="1"/>
           </p:nvPr>
         </p:nvSpPr>
         <p:spPr>
@@ -11234,12 +11438,12 @@
           </a:prstGeom>
         </p:spPr>
         <p:txBody>
-          <a:bodyPr anchorCtr="0" anchor="t" bIns="91425" lIns="91425" spcFirstLastPara="1" rIns="91425" wrap="square" tIns="91425">
+          <a:bodyPr spcFirstLastPara="1" wrap="square" lIns="91425" tIns="91425" rIns="91425" bIns="91425" anchor="t" anchorCtr="0">
             <a:noAutofit/>
           </a:bodyPr>
           <a:lstStyle/>
           <a:p>
-            <a:pPr indent="-330200" lvl="0" marL="457200" rtl="0" algn="l">
+            <a:pPr marL="457200" lvl="0" indent="-330200" algn="l" rtl="0">
               <a:spcBef>
                 <a:spcPts val="0"/>
               </a:spcBef>
@@ -11256,7 +11460,7 @@
             <a:endParaRPr sz="1600"/>
           </a:p>
           <a:p>
-            <a:pPr indent="-317500" lvl="1" marL="914400" rtl="0" algn="l">
+            <a:pPr marL="914400" lvl="1" indent="-317500" algn="l" rtl="0">
               <a:spcBef>
                 <a:spcPts val="0"/>
               </a:spcBef>
@@ -11273,7 +11477,7 @@
             <a:endParaRPr sz="1400"/>
           </a:p>
           <a:p>
-            <a:pPr indent="-317500" lvl="1" marL="914400" rtl="0" algn="l">
+            <a:pPr marL="914400" lvl="1" indent="-317500" algn="l" rtl="0">
               <a:spcBef>
                 <a:spcPts val="0"/>
               </a:spcBef>
@@ -11290,7 +11494,7 @@
             <a:endParaRPr sz="1400"/>
           </a:p>
           <a:p>
-            <a:pPr indent="-317500" lvl="1" marL="914400" rtl="0" algn="l">
+            <a:pPr marL="914400" lvl="1" indent="-317500" algn="l" rtl="0">
               <a:spcBef>
                 <a:spcPts val="0"/>
               </a:spcBef>
@@ -11307,7 +11511,7 @@
             <a:endParaRPr sz="1400"/>
           </a:p>
           <a:p>
-            <a:pPr indent="-317500" lvl="1" marL="914400" rtl="0" algn="l">
+            <a:pPr marL="914400" lvl="1" indent="-317500" algn="l" rtl="0">
               <a:spcBef>
                 <a:spcPts val="0"/>
               </a:spcBef>
@@ -11324,7 +11528,7 @@
             <a:endParaRPr sz="1400"/>
           </a:p>
           <a:p>
-            <a:pPr indent="-330200" lvl="0" marL="457200" rtl="0" algn="l">
+            <a:pPr marL="457200" lvl="0" indent="-330200" algn="l" rtl="0">
               <a:spcBef>
                 <a:spcPts val="0"/>
               </a:spcBef>
@@ -11341,7 +11545,7 @@
             <a:endParaRPr sz="1600"/>
           </a:p>
           <a:p>
-            <a:pPr indent="-330200" lvl="0" marL="457200" rtl="0" algn="l">
+            <a:pPr marL="457200" lvl="0" indent="-330200" algn="l" rtl="0">
               <a:spcBef>
                 <a:spcPts val="0"/>
               </a:spcBef>
@@ -11358,7 +11562,7 @@
             <a:endParaRPr sz="1600"/>
           </a:p>
           <a:p>
-            <a:pPr indent="-317500" lvl="1" marL="914400" rtl="0" algn="l">
+            <a:pPr marL="914400" lvl="1" indent="-317500" algn="l" rtl="0">
               <a:spcBef>
                 <a:spcPts val="0"/>
               </a:spcBef>
@@ -11375,7 +11579,7 @@
             <a:endParaRPr sz="1400"/>
           </a:p>
           <a:p>
-            <a:pPr indent="-317500" lvl="1" marL="914400" rtl="0" algn="l">
+            <a:pPr marL="914400" lvl="1" indent="-317500" algn="l" rtl="0">
               <a:spcBef>
                 <a:spcPts val="0"/>
               </a:spcBef>
@@ -11392,7 +11596,7 @@
             <a:endParaRPr sz="1400"/>
           </a:p>
           <a:p>
-            <a:pPr indent="-317500" lvl="1" marL="914400" rtl="0" algn="l">
+            <a:pPr marL="914400" lvl="1" indent="-317500" algn="l" rtl="0">
               <a:spcBef>
                 <a:spcPts val="0"/>
               </a:spcBef>
@@ -11409,7 +11613,7 @@
             <a:endParaRPr sz="1400"/>
           </a:p>
           <a:p>
-            <a:pPr indent="0" lvl="0" marL="0" rtl="0" algn="l">
+            <a:pPr marL="0" lvl="0" indent="0" algn="l" rtl="0">
               <a:spcBef>
                 <a:spcPts val="1200"/>
               </a:spcBef>
@@ -11418,9 +11622,6 @@
               </a:spcAft>
               <a:buNone/>
             </a:pPr>
-            <a:r>
-              <a:t/>
-            </a:r>
             <a:endParaRPr sz="1600"/>
           </a:p>
         </p:txBody>
@@ -11434,11 +11635,11 @@
 </file>
 
 <file path=ppt/slides/slide9.xml><?xml version="1.0" encoding="utf-8"?>
-<p:sld xmlns:a="http://schemas.openxmlformats.org/drawingml/2006/main" xmlns:r="http://schemas.openxmlformats.org/officeDocument/2006/relationships" xmlns:mc="http://schemas.openxmlformats.org/markup-compatibility/2006" xmlns:mv="urn:schemas-microsoft-com:mac:vml" xmlns:p="http://schemas.openxmlformats.org/presentationml/2006/main" xmlns:c="http://schemas.openxmlformats.org/drawingml/2006/chart" xmlns:dgm="http://schemas.openxmlformats.org/drawingml/2006/diagram" xmlns:o="urn:schemas-microsoft-com:office:office" xmlns:v="urn:schemas-microsoft-com:vml" xmlns:pvml="urn:schemas-microsoft-com:office:powerpoint" xmlns:com="http://schemas.openxmlformats.org/drawingml/2006/compatibility" xmlns:p14="http://schemas.microsoft.com/office/powerpoint/2010/main" xmlns:p15="http://schemas.microsoft.com/office/powerpoint/2012/main" xmlns:ahyp="http://schemas.microsoft.com/office/drawing/2018/hyperlinkcolor">
+<p:sld xmlns:a="http://schemas.openxmlformats.org/drawingml/2006/main" xmlns:r="http://schemas.openxmlformats.org/officeDocument/2006/relationships" xmlns:p="http://schemas.openxmlformats.org/presentationml/2006/main">
   <p:cSld>
     <p:spTree>
       <p:nvGrpSpPr>
-        <p:cNvPr id="134" name="Shape 134"/>
+        <p:cNvPr id="1" name="Shape 134"/>
         <p:cNvGrpSpPr/>
         <p:nvPr/>
       </p:nvGrpSpPr>
@@ -11453,7 +11654,9 @@
       <p:sp>
         <p:nvSpPr>
           <p:cNvPr id="135" name="Google Shape;135;p21"/>
-          <p:cNvSpPr txBox="1"/>
+          <p:cNvSpPr txBox="1">
+            <a:spLocks noGrp="1"/>
+          </p:cNvSpPr>
           <p:nvPr>
             <p:ph type="title"/>
           </p:nvPr>
@@ -11468,12 +11671,12 @@
           </a:prstGeom>
         </p:spPr>
         <p:txBody>
-          <a:bodyPr anchorCtr="0" anchor="t" bIns="91425" lIns="91425" spcFirstLastPara="1" rIns="91425" wrap="square" tIns="91425">
+          <a:bodyPr spcFirstLastPara="1" wrap="square" lIns="91425" tIns="91425" rIns="91425" bIns="91425" anchor="t" anchorCtr="0">
             <a:normAutofit fontScale="90000"/>
           </a:bodyPr>
           <a:lstStyle/>
           <a:p>
-            <a:pPr indent="0" lvl="0" marL="0" rtl="0" algn="l">
+            <a:pPr marL="0" lvl="0" indent="0" algn="l" rtl="0">
               <a:spcBef>
                 <a:spcPts val="0"/>
               </a:spcBef>
@@ -11493,9 +11696,11 @@
       <p:sp>
         <p:nvSpPr>
           <p:cNvPr id="136" name="Google Shape;136;p21"/>
-          <p:cNvSpPr txBox="1"/>
+          <p:cNvSpPr txBox="1">
+            <a:spLocks noGrp="1"/>
+          </p:cNvSpPr>
           <p:nvPr>
-            <p:ph idx="1" type="body"/>
+            <p:ph type="body" idx="1"/>
           </p:nvPr>
         </p:nvSpPr>
         <p:spPr>
@@ -11508,12 +11713,12 @@
           </a:prstGeom>
         </p:spPr>
         <p:txBody>
-          <a:bodyPr anchorCtr="0" anchor="t" bIns="91425" lIns="91425" spcFirstLastPara="1" rIns="91425" wrap="square" tIns="91425">
+          <a:bodyPr spcFirstLastPara="1" wrap="square" lIns="91425" tIns="91425" rIns="91425" bIns="91425" anchor="t" anchorCtr="0">
             <a:normAutofit/>
           </a:bodyPr>
           <a:lstStyle/>
           <a:p>
-            <a:pPr indent="-311150" lvl="0" marL="457200" rtl="0" algn="l">
+            <a:pPr marL="457200" lvl="0" indent="-311150" algn="l" rtl="0">
               <a:spcBef>
                 <a:spcPts val="0"/>
               </a:spcBef>
@@ -11530,7 +11735,7 @@
             <a:endParaRPr/>
           </a:p>
           <a:p>
-            <a:pPr indent="-311150" lvl="0" marL="457200" rtl="0" algn="l">
+            <a:pPr marL="457200" lvl="0" indent="-311150" algn="l" rtl="0">
               <a:spcBef>
                 <a:spcPts val="0"/>
               </a:spcBef>
@@ -11547,7 +11752,7 @@
             <a:endParaRPr/>
           </a:p>
           <a:p>
-            <a:pPr indent="-311150" lvl="0" marL="457200" rtl="0" algn="l">
+            <a:pPr marL="457200" lvl="0" indent="-311150" algn="l" rtl="0">
               <a:spcBef>
                 <a:spcPts val="0"/>
               </a:spcBef>
@@ -11562,7 +11767,7 @@
               <a:t>Preprocessing of data matters → </a:t>
             </a:r>
             <a:r>
-              <a:rPr i="1" lang="en"/>
+              <a:rPr lang="en" i="1"/>
               <a:t>min-max scaled</a:t>
             </a:r>
             <a:r>
@@ -11570,7 +11775,7 @@
               <a:t> outperforms </a:t>
             </a:r>
             <a:r>
-              <a:rPr i="1" lang="en"/>
+              <a:rPr lang="en" i="1"/>
               <a:t>PCA</a:t>
             </a:r>
             <a:endParaRPr i="1"/>
@@ -11620,34 +11825,31 @@
             <a:avLst/>
           </a:prstGeom>
           <a:noFill/>
-          <a:ln cap="flat" cmpd="sng" w="28575">
+          <a:ln w="28575" cap="flat" cmpd="sng">
             <a:solidFill>
               <a:srgbClr val="FF0000"/>
             </a:solidFill>
             <a:prstDash val="solid"/>
             <a:round/>
-            <a:headEnd len="sm" w="sm" type="none"/>
-            <a:tailEnd len="sm" w="sm" type="none"/>
+            <a:headEnd type="none" w="sm" len="sm"/>
+            <a:tailEnd type="none" w="sm" len="sm"/>
           </a:ln>
         </p:spPr>
         <p:txBody>
-          <a:bodyPr anchorCtr="0" anchor="ctr" bIns="91425" lIns="91425" spcFirstLastPara="1" rIns="91425" wrap="square" tIns="91425">
+          <a:bodyPr spcFirstLastPara="1" wrap="square" lIns="91425" tIns="91425" rIns="91425" bIns="91425" anchor="ctr" anchorCtr="0">
             <a:noAutofit/>
           </a:bodyPr>
           <a:lstStyle/>
           <a:p>
-            <a:pPr indent="0" lvl="0" marL="0" rtl="0" algn="l">
-              <a:spcBef>
-                <a:spcPts val="0"/>
-              </a:spcBef>
-              <a:spcAft>
-                <a:spcPts val="0"/>
-              </a:spcAft>
-              <a:buNone/>
-            </a:pPr>
-            <a:r>
-              <a:t/>
-            </a:r>
+            <a:pPr marL="0" lvl="0" indent="0" algn="l" rtl="0">
+              <a:spcBef>
+                <a:spcPts val="0"/>
+              </a:spcBef>
+              <a:spcAft>
+                <a:spcPts val="0"/>
+              </a:spcAft>
+              <a:buNone/>
+            </a:pPr>
             <a:endParaRPr/>
           </a:p>
         </p:txBody>
@@ -11660,13 +11862,13 @@
   <p:timing>
     <p:tnLst>
       <p:par>
-        <p:cTn dur="indefinite" nodeType="tmRoot" restart="never">
+        <p:cTn id="1" dur="indefinite" restart="never" nodeType="tmRoot">
           <p:childTnLst>
             <p:seq concurrent="1" nextAc="seek">
-              <p:cTn dur="indefinite" id="2" nodeType="mainSeq">
+              <p:cTn id="2" dur="indefinite" nodeType="mainSeq">
                 <p:childTnLst>
                   <p:par>
-                    <p:cTn fill="hold">
+                    <p:cTn id="3" fill="hold">
                       <p:stCondLst>
                         <p:cond delay="indefinite"/>
                         <p:cond evt="onBegin" delay="0">
@@ -11675,20 +11877,20 @@
                       </p:stCondLst>
                       <p:childTnLst>
                         <p:par>
-                          <p:cTn fill="hold">
+                          <p:cTn id="4" fill="hold">
                             <p:stCondLst>
                               <p:cond delay="0"/>
                             </p:stCondLst>
                             <p:childTnLst>
                               <p:par>
-                                <p:cTn fill="hold" nodeType="withEffect" presetClass="entr" presetID="10" presetSubtype="0">
+                                <p:cTn id="5" presetID="10" presetClass="entr" presetSubtype="0" fill="hold" nodeType="withEffect">
                                   <p:stCondLst>
                                     <p:cond delay="0"/>
                                   </p:stCondLst>
                                   <p:childTnLst>
                                     <p:set>
                                       <p:cBhvr>
-                                        <p:cTn dur="1" fill="hold">
+                                        <p:cTn id="6" dur="1" fill="hold">
                                           <p:stCondLst>
                                             <p:cond delay="0"/>
                                           </p:stCondLst>
@@ -11704,9 +11906,9 @@
                                         <p:strVal val="visible"/>
                                       </p:to>
                                     </p:set>
-                                    <p:animEffect filter="fade" transition="in">
+                                    <p:animEffect transition="in" filter="fade">
                                       <p:cBhvr>
-                                        <p:cTn dur="1000"/>
+                                        <p:cTn id="7" dur="1000"/>
                                         <p:tgtEl>
                                           <p:spTgt spid="138"/>
                                         </p:tgtEl>
@@ -11724,14 +11926,14 @@
                 </p:childTnLst>
               </p:cTn>
               <p:prevCondLst>
-                <p:cond evt="onPrev">
+                <p:cond evt="onPrev" delay="0">
                   <p:tgtEl>
                     <p:sldTgt/>
                   </p:tgtEl>
                 </p:cond>
               </p:prevCondLst>
               <p:nextCondLst>
-                <p:cond evt="onNext">
+                <p:cond evt="onNext" delay="0">
                   <p:tgtEl>
                     <p:sldTgt/>
                   </p:tgtEl>
@@ -11747,7 +11949,288 @@
 </file>
 
 <file path=ppt/theme/theme1.xml><?xml version="1.0" encoding="utf-8"?>
-<a:theme xmlns:a="http://schemas.openxmlformats.org/drawingml/2006/main" xmlns:r="http://schemas.openxmlformats.org/officeDocument/2006/relationships">
+<a:theme xmlns:a="http://schemas.openxmlformats.org/drawingml/2006/main" name="Streamline">
+  <a:themeElements>
+    <a:clrScheme name="Streamline">
+      <a:dk1>
+        <a:srgbClr val="1A9988"/>
+      </a:dk1>
+      <a:lt1>
+        <a:srgbClr val="FFFFFF"/>
+      </a:lt1>
+      <a:dk2>
+        <a:srgbClr val="1A1A1A"/>
+      </a:dk2>
+      <a:lt2>
+        <a:srgbClr val="E9EDEE"/>
+      </a:lt2>
+      <a:accent1>
+        <a:srgbClr val="595959"/>
+      </a:accent1>
+      <a:accent2>
+        <a:srgbClr val="6AA4C8"/>
+      </a:accent2>
+      <a:accent3>
+        <a:srgbClr val="EB5600"/>
+      </a:accent3>
+      <a:accent4>
+        <a:srgbClr val="A2FFE8"/>
+      </a:accent4>
+      <a:accent5>
+        <a:srgbClr val="1C3678"/>
+      </a:accent5>
+      <a:accent6>
+        <a:srgbClr val="FFB8A2"/>
+      </a:accent6>
+      <a:hlink>
+        <a:srgbClr val="1C3678"/>
+      </a:hlink>
+      <a:folHlink>
+        <a:srgbClr val="1C3678"/>
+      </a:folHlink>
+    </a:clrScheme>
+    <a:fontScheme name="Office">
+      <a:majorFont>
+        <a:latin typeface="Arial"/>
+        <a:ea typeface=""/>
+        <a:cs typeface=""/>
+        <a:font script="Jpan" typeface="ＭＳ Ｐゴシック"/>
+        <a:font script="Hang" typeface="맑은 고딕"/>
+        <a:font script="Hans" typeface="宋体"/>
+        <a:font script="Hant" typeface="新細明體"/>
+        <a:font script="Arab" typeface="Times New Roman"/>
+        <a:font script="Hebr" typeface="Times New Roman"/>
+        <a:font script="Thai" typeface="Angsana New"/>
+        <a:font script="Ethi" typeface="Nyala"/>
+        <a:font script="Beng" typeface="Vrinda"/>
+        <a:font script="Gujr" typeface="Shruti"/>
+        <a:font script="Khmr" typeface="MoolBoran"/>
+        <a:font script="Knda" typeface="Tunga"/>
+        <a:font script="Guru" typeface="Raavi"/>
+        <a:font script="Cans" typeface="Euphemia"/>
+        <a:font script="Cher" typeface="Plantagenet Cherokee"/>
+        <a:font script="Yiii" typeface="Microsoft Yi Baiti"/>
+        <a:font script="Tibt" typeface="Microsoft Himalaya"/>
+        <a:font script="Thaa" typeface="MV Boli"/>
+        <a:font script="Deva" typeface="Mangal"/>
+        <a:font script="Telu" typeface="Gautami"/>
+        <a:font script="Taml" typeface="Latha"/>
+        <a:font script="Syrc" typeface="Estrangelo Edessa"/>
+        <a:font script="Orya" typeface="Kalinga"/>
+        <a:font script="Mlym" typeface="Kartika"/>
+        <a:font script="Laoo" typeface="DokChampa"/>
+        <a:font script="Sinh" typeface="Iskoola Pota"/>
+        <a:font script="Mong" typeface="Mongolian Baiti"/>
+        <a:font script="Viet" typeface="Times New Roman"/>
+        <a:font script="Uigh" typeface="Microsoft Uighur"/>
+        <a:font script="Geor" typeface="Sylfaen"/>
+      </a:majorFont>
+      <a:minorFont>
+        <a:latin typeface="Arial"/>
+        <a:ea typeface=""/>
+        <a:cs typeface=""/>
+        <a:font script="Jpan" typeface="ＭＳ Ｐゴシック"/>
+        <a:font script="Hang" typeface="맑은 고딕"/>
+        <a:font script="Hans" typeface="宋体"/>
+        <a:font script="Hant" typeface="新細明體"/>
+        <a:font script="Arab" typeface="Arial"/>
+        <a:font script="Hebr" typeface="Arial"/>
+        <a:font script="Thai" typeface="Cordia New"/>
+        <a:font script="Ethi" typeface="Nyala"/>
+        <a:font script="Beng" typeface="Vrinda"/>
+        <a:font script="Gujr" typeface="Shruti"/>
+        <a:font script="Khmr" typeface="DaunPenh"/>
+        <a:font script="Knda" typeface="Tunga"/>
+        <a:font script="Guru" typeface="Raavi"/>
+        <a:font script="Cans" typeface="Euphemia"/>
+        <a:font script="Cher" typeface="Plantagenet Cherokee"/>
+        <a:font script="Yiii" typeface="Microsoft Yi Baiti"/>
+        <a:font script="Tibt" typeface="Microsoft Himalaya"/>
+        <a:font script="Thaa" typeface="MV Boli"/>
+        <a:font script="Deva" typeface="Mangal"/>
+        <a:font script="Telu" typeface="Gautami"/>
+        <a:font script="Taml" typeface="Latha"/>
+        <a:font script="Syrc" typeface="Estrangelo Edessa"/>
+        <a:font script="Orya" typeface="Kalinga"/>
+        <a:font script="Mlym" typeface="Kartika"/>
+        <a:font script="Laoo" typeface="DokChampa"/>
+        <a:font script="Sinh" typeface="Iskoola Pota"/>
+        <a:font script="Mong" typeface="Mongolian Baiti"/>
+        <a:font script="Viet" typeface="Arial"/>
+        <a:font script="Uigh" typeface="Microsoft Uighur"/>
+        <a:font script="Geor" typeface="Sylfaen"/>
+      </a:minorFont>
+    </a:fontScheme>
+    <a:fmtScheme name="Office">
+      <a:fillStyleLst>
+        <a:solidFill>
+          <a:schemeClr val="phClr"/>
+        </a:solidFill>
+        <a:gradFill rotWithShape="1">
+          <a:gsLst>
+            <a:gs pos="0">
+              <a:schemeClr val="phClr">
+                <a:tint val="50000"/>
+                <a:satMod val="300000"/>
+              </a:schemeClr>
+            </a:gs>
+            <a:gs pos="35000">
+              <a:schemeClr val="phClr">
+                <a:tint val="37000"/>
+                <a:satMod val="300000"/>
+              </a:schemeClr>
+            </a:gs>
+            <a:gs pos="100000">
+              <a:schemeClr val="phClr">
+                <a:tint val="15000"/>
+                <a:satMod val="350000"/>
+              </a:schemeClr>
+            </a:gs>
+          </a:gsLst>
+          <a:lin ang="16200000" scaled="1"/>
+        </a:gradFill>
+        <a:gradFill rotWithShape="1">
+          <a:gsLst>
+            <a:gs pos="0">
+              <a:schemeClr val="phClr">
+                <a:tint val="100000"/>
+                <a:shade val="100000"/>
+                <a:satMod val="130000"/>
+              </a:schemeClr>
+            </a:gs>
+            <a:gs pos="100000">
+              <a:schemeClr val="phClr">
+                <a:tint val="50000"/>
+                <a:shade val="100000"/>
+                <a:satMod val="350000"/>
+              </a:schemeClr>
+            </a:gs>
+          </a:gsLst>
+          <a:lin ang="16200000" scaled="0"/>
+        </a:gradFill>
+      </a:fillStyleLst>
+      <a:lnStyleLst>
+        <a:ln w="9525" cap="flat" cmpd="sng" algn="ctr">
+          <a:solidFill>
+            <a:schemeClr val="phClr">
+              <a:shade val="95000"/>
+              <a:satMod val="105000"/>
+            </a:schemeClr>
+          </a:solidFill>
+          <a:prstDash val="solid"/>
+        </a:ln>
+        <a:ln w="25400" cap="flat" cmpd="sng" algn="ctr">
+          <a:solidFill>
+            <a:schemeClr val="phClr"/>
+          </a:solidFill>
+          <a:prstDash val="solid"/>
+        </a:ln>
+        <a:ln w="38100" cap="flat" cmpd="sng" algn="ctr">
+          <a:solidFill>
+            <a:schemeClr val="phClr"/>
+          </a:solidFill>
+          <a:prstDash val="solid"/>
+        </a:ln>
+      </a:lnStyleLst>
+      <a:effectStyleLst>
+        <a:effectStyle>
+          <a:effectLst>
+            <a:outerShdw blurRad="40000" dist="20000" dir="5400000" rotWithShape="0">
+              <a:srgbClr val="000000">
+                <a:alpha val="38000"/>
+              </a:srgbClr>
+            </a:outerShdw>
+          </a:effectLst>
+        </a:effectStyle>
+        <a:effectStyle>
+          <a:effectLst>
+            <a:outerShdw blurRad="40000" dist="23000" dir="5400000" rotWithShape="0">
+              <a:srgbClr val="000000">
+                <a:alpha val="35000"/>
+              </a:srgbClr>
+            </a:outerShdw>
+          </a:effectLst>
+        </a:effectStyle>
+        <a:effectStyle>
+          <a:effectLst>
+            <a:outerShdw blurRad="40000" dist="23000" dir="5400000" rotWithShape="0">
+              <a:srgbClr val="000000">
+                <a:alpha val="35000"/>
+              </a:srgbClr>
+            </a:outerShdw>
+          </a:effectLst>
+          <a:scene3d>
+            <a:camera prst="orthographicFront">
+              <a:rot lat="0" lon="0" rev="0"/>
+            </a:camera>
+            <a:lightRig rig="threePt" dir="t">
+              <a:rot lat="0" lon="0" rev="1200000"/>
+            </a:lightRig>
+          </a:scene3d>
+          <a:sp3d>
+            <a:bevelT w="63500" h="25400"/>
+          </a:sp3d>
+        </a:effectStyle>
+      </a:effectStyleLst>
+      <a:bgFillStyleLst>
+        <a:solidFill>
+          <a:schemeClr val="phClr"/>
+        </a:solidFill>
+        <a:gradFill rotWithShape="1">
+          <a:gsLst>
+            <a:gs pos="0">
+              <a:schemeClr val="phClr">
+                <a:tint val="40000"/>
+                <a:satMod val="350000"/>
+              </a:schemeClr>
+            </a:gs>
+            <a:gs pos="40000">
+              <a:schemeClr val="phClr">
+                <a:tint val="45000"/>
+                <a:shade val="99000"/>
+                <a:satMod val="350000"/>
+              </a:schemeClr>
+            </a:gs>
+            <a:gs pos="100000">
+              <a:schemeClr val="phClr">
+                <a:shade val="20000"/>
+                <a:satMod val="255000"/>
+              </a:schemeClr>
+            </a:gs>
+          </a:gsLst>
+          <a:path path="circle">
+            <a:fillToRect l="50000" t="-80000" r="50000" b="180000"/>
+          </a:path>
+        </a:gradFill>
+        <a:gradFill rotWithShape="1">
+          <a:gsLst>
+            <a:gs pos="0">
+              <a:schemeClr val="phClr">
+                <a:tint val="80000"/>
+                <a:satMod val="300000"/>
+              </a:schemeClr>
+            </a:gs>
+            <a:gs pos="100000">
+              <a:schemeClr val="phClr">
+                <a:shade val="30000"/>
+                <a:satMod val="200000"/>
+              </a:schemeClr>
+            </a:gs>
+          </a:gsLst>
+          <a:path path="circle">
+            <a:fillToRect l="50000" t="50000" r="50000" b="50000"/>
+          </a:path>
+        </a:gradFill>
+      </a:bgFillStyleLst>
+    </a:fmtScheme>
+  </a:themeElements>
+  <a:objectDefaults/>
+  <a:extraClrSchemeLst/>
+</a:theme>
+</file>
+
+<file path=ppt/theme/theme2.xml><?xml version="1.0" encoding="utf-8"?>
+<a:theme xmlns:a="http://schemas.openxmlformats.org/drawingml/2006/main">
   <a:themeElements>
     <a:clrScheme name="Default">
       <a:dk1>
@@ -12022,284 +12505,7 @@
       </a:bgFillStyleLst>
     </a:fmtScheme>
   </a:themeElements>
-</a:theme>
-</file>
-
-<file path=ppt/theme/theme2.xml><?xml version="1.0" encoding="utf-8"?>
-<a:theme xmlns:a="http://schemas.openxmlformats.org/drawingml/2006/main" xmlns:r="http://schemas.openxmlformats.org/officeDocument/2006/relationships" name="Streamline">
-  <a:themeElements>
-    <a:clrScheme name="Streamline">
-      <a:dk1>
-        <a:srgbClr val="1A9988"/>
-      </a:dk1>
-      <a:lt1>
-        <a:srgbClr val="FFFFFF"/>
-      </a:lt1>
-      <a:dk2>
-        <a:srgbClr val="1A1A1A"/>
-      </a:dk2>
-      <a:lt2>
-        <a:srgbClr val="E9EDEE"/>
-      </a:lt2>
-      <a:accent1>
-        <a:srgbClr val="595959"/>
-      </a:accent1>
-      <a:accent2>
-        <a:srgbClr val="6AA4C8"/>
-      </a:accent2>
-      <a:accent3>
-        <a:srgbClr val="EB5600"/>
-      </a:accent3>
-      <a:accent4>
-        <a:srgbClr val="A2FFE8"/>
-      </a:accent4>
-      <a:accent5>
-        <a:srgbClr val="1C3678"/>
-      </a:accent5>
-      <a:accent6>
-        <a:srgbClr val="FFB8A2"/>
-      </a:accent6>
-      <a:hlink>
-        <a:srgbClr val="1C3678"/>
-      </a:hlink>
-      <a:folHlink>
-        <a:srgbClr val="1C3678"/>
-      </a:folHlink>
-    </a:clrScheme>
-    <a:fontScheme name="Office">
-      <a:majorFont>
-        <a:latin typeface="Arial"/>
-        <a:ea typeface=""/>
-        <a:cs typeface=""/>
-        <a:font script="Jpan" typeface="ＭＳ Ｐゴシック"/>
-        <a:font script="Hang" typeface="맑은 고딕"/>
-        <a:font script="Hans" typeface="宋体"/>
-        <a:font script="Hant" typeface="新細明體"/>
-        <a:font script="Arab" typeface="Times New Roman"/>
-        <a:font script="Hebr" typeface="Times New Roman"/>
-        <a:font script="Thai" typeface="Angsana New"/>
-        <a:font script="Ethi" typeface="Nyala"/>
-        <a:font script="Beng" typeface="Vrinda"/>
-        <a:font script="Gujr" typeface="Shruti"/>
-        <a:font script="Khmr" typeface="MoolBoran"/>
-        <a:font script="Knda" typeface="Tunga"/>
-        <a:font script="Guru" typeface="Raavi"/>
-        <a:font script="Cans" typeface="Euphemia"/>
-        <a:font script="Cher" typeface="Plantagenet Cherokee"/>
-        <a:font script="Yiii" typeface="Microsoft Yi Baiti"/>
-        <a:font script="Tibt" typeface="Microsoft Himalaya"/>
-        <a:font script="Thaa" typeface="MV Boli"/>
-        <a:font script="Deva" typeface="Mangal"/>
-        <a:font script="Telu" typeface="Gautami"/>
-        <a:font script="Taml" typeface="Latha"/>
-        <a:font script="Syrc" typeface="Estrangelo Edessa"/>
-        <a:font script="Orya" typeface="Kalinga"/>
-        <a:font script="Mlym" typeface="Kartika"/>
-        <a:font script="Laoo" typeface="DokChampa"/>
-        <a:font script="Sinh" typeface="Iskoola Pota"/>
-        <a:font script="Mong" typeface="Mongolian Baiti"/>
-        <a:font script="Viet" typeface="Times New Roman"/>
-        <a:font script="Uigh" typeface="Microsoft Uighur"/>
-        <a:font script="Geor" typeface="Sylfaen"/>
-      </a:majorFont>
-      <a:minorFont>
-        <a:latin typeface="Arial"/>
-        <a:ea typeface=""/>
-        <a:cs typeface=""/>
-        <a:font script="Jpan" typeface="ＭＳ Ｐゴシック"/>
-        <a:font script="Hang" typeface="맑은 고딕"/>
-        <a:font script="Hans" typeface="宋体"/>
-        <a:font script="Hant" typeface="新細明體"/>
-        <a:font script="Arab" typeface="Arial"/>
-        <a:font script="Hebr" typeface="Arial"/>
-        <a:font script="Thai" typeface="Cordia New"/>
-        <a:font script="Ethi" typeface="Nyala"/>
-        <a:font script="Beng" typeface="Vrinda"/>
-        <a:font script="Gujr" typeface="Shruti"/>
-        <a:font script="Khmr" typeface="DaunPenh"/>
-        <a:font script="Knda" typeface="Tunga"/>
-        <a:font script="Guru" typeface="Raavi"/>
-        <a:font script="Cans" typeface="Euphemia"/>
-        <a:font script="Cher" typeface="Plantagenet Cherokee"/>
-        <a:font script="Yiii" typeface="Microsoft Yi Baiti"/>
-        <a:font script="Tibt" typeface="Microsoft Himalaya"/>
-        <a:font script="Thaa" typeface="MV Boli"/>
-        <a:font script="Deva" typeface="Mangal"/>
-        <a:font script="Telu" typeface="Gautami"/>
-        <a:font script="Taml" typeface="Latha"/>
-        <a:font script="Syrc" typeface="Estrangelo Edessa"/>
-        <a:font script="Orya" typeface="Kalinga"/>
-        <a:font script="Mlym" typeface="Kartika"/>
-        <a:font script="Laoo" typeface="DokChampa"/>
-        <a:font script="Sinh" typeface="Iskoola Pota"/>
-        <a:font script="Mong" typeface="Mongolian Baiti"/>
-        <a:font script="Viet" typeface="Arial"/>
-        <a:font script="Uigh" typeface="Microsoft Uighur"/>
-        <a:font script="Geor" typeface="Sylfaen"/>
-      </a:minorFont>
-    </a:fontScheme>
-    <a:fmtScheme name="Office">
-      <a:fillStyleLst>
-        <a:solidFill>
-          <a:schemeClr val="phClr"/>
-        </a:solidFill>
-        <a:gradFill rotWithShape="1">
-          <a:gsLst>
-            <a:gs pos="0">
-              <a:schemeClr val="phClr">
-                <a:tint val="50000"/>
-                <a:satMod val="300000"/>
-              </a:schemeClr>
-            </a:gs>
-            <a:gs pos="35000">
-              <a:schemeClr val="phClr">
-                <a:tint val="37000"/>
-                <a:satMod val="300000"/>
-              </a:schemeClr>
-            </a:gs>
-            <a:gs pos="100000">
-              <a:schemeClr val="phClr">
-                <a:tint val="15000"/>
-                <a:satMod val="350000"/>
-              </a:schemeClr>
-            </a:gs>
-          </a:gsLst>
-          <a:lin ang="16200000" scaled="1"/>
-        </a:gradFill>
-        <a:gradFill rotWithShape="1">
-          <a:gsLst>
-            <a:gs pos="0">
-              <a:schemeClr val="phClr">
-                <a:tint val="100000"/>
-                <a:shade val="100000"/>
-                <a:satMod val="130000"/>
-              </a:schemeClr>
-            </a:gs>
-            <a:gs pos="100000">
-              <a:schemeClr val="phClr">
-                <a:tint val="50000"/>
-                <a:shade val="100000"/>
-                <a:satMod val="350000"/>
-              </a:schemeClr>
-            </a:gs>
-          </a:gsLst>
-          <a:lin ang="16200000" scaled="0"/>
-        </a:gradFill>
-      </a:fillStyleLst>
-      <a:lnStyleLst>
-        <a:ln w="9525" cap="flat" cmpd="sng" algn="ctr">
-          <a:solidFill>
-            <a:schemeClr val="phClr">
-              <a:shade val="95000"/>
-              <a:satMod val="105000"/>
-            </a:schemeClr>
-          </a:solidFill>
-          <a:prstDash val="solid"/>
-        </a:ln>
-        <a:ln w="25400" cap="flat" cmpd="sng" algn="ctr">
-          <a:solidFill>
-            <a:schemeClr val="phClr"/>
-          </a:solidFill>
-          <a:prstDash val="solid"/>
-        </a:ln>
-        <a:ln w="38100" cap="flat" cmpd="sng" algn="ctr">
-          <a:solidFill>
-            <a:schemeClr val="phClr"/>
-          </a:solidFill>
-          <a:prstDash val="solid"/>
-        </a:ln>
-      </a:lnStyleLst>
-      <a:effectStyleLst>
-        <a:effectStyle>
-          <a:effectLst>
-            <a:outerShdw blurRad="40000" dist="20000" dir="5400000" rotWithShape="0">
-              <a:srgbClr val="000000">
-                <a:alpha val="38000"/>
-              </a:srgbClr>
-            </a:outerShdw>
-          </a:effectLst>
-        </a:effectStyle>
-        <a:effectStyle>
-          <a:effectLst>
-            <a:outerShdw blurRad="40000" dist="23000" dir="5400000" rotWithShape="0">
-              <a:srgbClr val="000000">
-                <a:alpha val="35000"/>
-              </a:srgbClr>
-            </a:outerShdw>
-          </a:effectLst>
-        </a:effectStyle>
-        <a:effectStyle>
-          <a:effectLst>
-            <a:outerShdw blurRad="40000" dist="23000" dir="5400000" rotWithShape="0">
-              <a:srgbClr val="000000">
-                <a:alpha val="35000"/>
-              </a:srgbClr>
-            </a:outerShdw>
-          </a:effectLst>
-          <a:scene3d>
-            <a:camera prst="orthographicFront">
-              <a:rot lat="0" lon="0" rev="0"/>
-            </a:camera>
-            <a:lightRig rig="threePt" dir="t">
-              <a:rot lat="0" lon="0" rev="1200000"/>
-            </a:lightRig>
-          </a:scene3d>
-          <a:sp3d>
-            <a:bevelT w="63500" h="25400"/>
-          </a:sp3d>
-        </a:effectStyle>
-      </a:effectStyleLst>
-      <a:bgFillStyleLst>
-        <a:solidFill>
-          <a:schemeClr val="phClr"/>
-        </a:solidFill>
-        <a:gradFill rotWithShape="1">
-          <a:gsLst>
-            <a:gs pos="0">
-              <a:schemeClr val="phClr">
-                <a:tint val="40000"/>
-                <a:satMod val="350000"/>
-              </a:schemeClr>
-            </a:gs>
-            <a:gs pos="40000">
-              <a:schemeClr val="phClr">
-                <a:tint val="45000"/>
-                <a:shade val="99000"/>
-                <a:satMod val="350000"/>
-              </a:schemeClr>
-            </a:gs>
-            <a:gs pos="100000">
-              <a:schemeClr val="phClr">
-                <a:shade val="20000"/>
-                <a:satMod val="255000"/>
-              </a:schemeClr>
-            </a:gs>
-          </a:gsLst>
-          <a:path path="circle">
-            <a:fillToRect l="50000" t="-80000" r="50000" b="180000"/>
-          </a:path>
-        </a:gradFill>
-        <a:gradFill rotWithShape="1">
-          <a:gsLst>
-            <a:gs pos="0">
-              <a:schemeClr val="phClr">
-                <a:tint val="80000"/>
-                <a:satMod val="300000"/>
-              </a:schemeClr>
-            </a:gs>
-            <a:gs pos="100000">
-              <a:schemeClr val="phClr">
-                <a:shade val="30000"/>
-                <a:satMod val="200000"/>
-              </a:schemeClr>
-            </a:gs>
-          </a:gsLst>
-          <a:path path="circle">
-            <a:fillToRect l="50000" t="50000" r="50000" b="50000"/>
-          </a:path>
-        </a:gradFill>
-      </a:bgFillStyleLst>
-    </a:fmtScheme>
-  </a:themeElements>
+  <a:objectDefaults/>
+  <a:extraClrSchemeLst/>
 </a:theme>
 </file>